--- a/Final Presentation.pptx
+++ b/Final Presentation.pptx
@@ -109,13 +109,18 @@
       </a:defRPr>
     </a:lvl9pPr>
   </p:defaultTextStyle>
+  <p:extLst>
+    <p:ext uri="{EFAFB233-063F-42B5-8137-9DF3F51BA10A}">
+      <p15:sldGuideLst xmlns:p15="http://schemas.microsoft.com/office/powerpoint/2012/main"/>
+    </p:ext>
+  </p:extLst>
 </p:presentation>
 </file>
 
 <file path=ppt/revisionInfo.xml><?xml version="1.0" encoding="utf-8"?>
 <p1510:revInfo xmlns:a="http://schemas.openxmlformats.org/drawingml/2006/main" xmlns:r="http://schemas.openxmlformats.org/officeDocument/2006/relationships" xmlns:p1510="http://schemas.microsoft.com/office/powerpoint/2015/10/main">
   <p1510:revLst>
-    <p1510:client id="{9EE1D27E-1395-4470-A819-F6C36C9AD9DC}" v="1" dt="2023-04-21T21:30:12.459"/>
+    <p1510:client id="{9EE1D27E-1395-4470-A819-F6C36C9AD9DC}" v="7" dt="2023-04-24T03:31:03.711"/>
   </p1510:revLst>
 </p1510:revInfo>
 </file>
@@ -124,8 +129,8 @@
 <pc:chgInfo xmlns:a="http://schemas.openxmlformats.org/drawingml/2006/main" xmlns:r="http://schemas.openxmlformats.org/officeDocument/2006/relationships" xmlns:ac="http://schemas.microsoft.com/office/drawing/2013/main/command" xmlns:pc="http://schemas.microsoft.com/office/powerpoint/2013/main/command">
   <pc:docChgLst>
     <pc:chgData name="C S" userId="3db5c1c0dcb95236" providerId="LiveId" clId="{9EE1D27E-1395-4470-A819-F6C36C9AD9DC}"/>
-    <pc:docChg chg="custSel addSld modSld addMainMaster delMainMaster">
-      <pc:chgData name="C S" userId="3db5c1c0dcb95236" providerId="LiveId" clId="{9EE1D27E-1395-4470-A819-F6C36C9AD9DC}" dt="2023-04-21T21:31:29.599" v="173" actId="20577"/>
+    <pc:docChg chg="undo custSel addSld modSld addMainMaster delMainMaster">
+      <pc:chgData name="C S" userId="3db5c1c0dcb95236" providerId="LiveId" clId="{9EE1D27E-1395-4470-A819-F6C36C9AD9DC}" dt="2023-04-24T03:31:24.820" v="261" actId="207"/>
       <pc:docMkLst>
         <pc:docMk/>
       </pc:docMkLst>
@@ -199,20 +204,132 @@
           </ac:spMkLst>
         </pc:spChg>
       </pc:sldChg>
-      <pc:sldChg chg="modSp new mod">
-        <pc:chgData name="C S" userId="3db5c1c0dcb95236" providerId="LiveId" clId="{9EE1D27E-1395-4470-A819-F6C36C9AD9DC}" dt="2023-04-21T21:30:54.959" v="100" actId="20577"/>
+      <pc:sldChg chg="addSp delSp modSp new mod setBg setClrOvrMap">
+        <pc:chgData name="C S" userId="3db5c1c0dcb95236" providerId="LiveId" clId="{9EE1D27E-1395-4470-A819-F6C36C9AD9DC}" dt="2023-04-24T03:31:24.820" v="261" actId="207"/>
         <pc:sldMkLst>
           <pc:docMk/>
           <pc:sldMk cId="1660258793" sldId="258"/>
         </pc:sldMkLst>
-        <pc:spChg chg="mod">
-          <ac:chgData name="C S" userId="3db5c1c0dcb95236" providerId="LiveId" clId="{9EE1D27E-1395-4470-A819-F6C36C9AD9DC}" dt="2023-04-21T21:30:54.959" v="100" actId="20577"/>
+        <pc:spChg chg="mod ord">
+          <ac:chgData name="C S" userId="3db5c1c0dcb95236" providerId="LiveId" clId="{9EE1D27E-1395-4470-A819-F6C36C9AD9DC}" dt="2023-04-24T03:19:55.232" v="183" actId="26606"/>
           <ac:spMkLst>
             <pc:docMk/>
             <pc:sldMk cId="1660258793" sldId="258"/>
             <ac:spMk id="2" creationId="{9FED08CF-08FD-72A1-7458-14C09233FA91}"/>
           </ac:spMkLst>
         </pc:spChg>
+        <pc:spChg chg="add del">
+          <ac:chgData name="C S" userId="3db5c1c0dcb95236" providerId="LiveId" clId="{9EE1D27E-1395-4470-A819-F6C36C9AD9DC}" dt="2023-04-24T03:19:55.232" v="183" actId="26606"/>
+          <ac:spMkLst>
+            <pc:docMk/>
+            <pc:sldMk cId="1660258793" sldId="258"/>
+            <ac:spMk id="3" creationId="{004F9011-948C-06D2-ABA2-1EE180072D2B}"/>
+          </ac:spMkLst>
+        </pc:spChg>
+        <pc:spChg chg="add mod">
+          <ac:chgData name="C S" userId="3db5c1c0dcb95236" providerId="LiveId" clId="{9EE1D27E-1395-4470-A819-F6C36C9AD9DC}" dt="2023-04-24T03:31:24.820" v="261" actId="207"/>
+          <ac:spMkLst>
+            <pc:docMk/>
+            <pc:sldMk cId="1660258793" sldId="258"/>
+            <ac:spMk id="4" creationId="{B3AFFFB9-EFDF-12D3-3F7B-3081508EB3FD}"/>
+          </ac:spMkLst>
+        </pc:spChg>
+        <pc:spChg chg="add del">
+          <ac:chgData name="C S" userId="3db5c1c0dcb95236" providerId="LiveId" clId="{9EE1D27E-1395-4470-A819-F6C36C9AD9DC}" dt="2023-04-24T03:19:55.223" v="182" actId="26606"/>
+          <ac:spMkLst>
+            <pc:docMk/>
+            <pc:sldMk cId="1660258793" sldId="258"/>
+            <ac:spMk id="1059" creationId="{4EFE82FE-7465-AE46-88DF-34D347E83B84}"/>
+          </ac:spMkLst>
+        </pc:spChg>
+        <pc:spChg chg="add del">
+          <ac:chgData name="C S" userId="3db5c1c0dcb95236" providerId="LiveId" clId="{9EE1D27E-1395-4470-A819-F6C36C9AD9DC}" dt="2023-04-24T03:19:55.223" v="182" actId="26606"/>
+          <ac:spMkLst>
+            <pc:docMk/>
+            <pc:sldMk cId="1660258793" sldId="258"/>
+            <ac:spMk id="1061" creationId="{B4F75AE3-A3AC-DE4C-98FE-EC9DC3BF8DA5}"/>
+          </ac:spMkLst>
+        </pc:spChg>
+        <pc:spChg chg="add">
+          <ac:chgData name="C S" userId="3db5c1c0dcb95236" providerId="LiveId" clId="{9EE1D27E-1395-4470-A819-F6C36C9AD9DC}" dt="2023-04-24T03:19:55.232" v="183" actId="26606"/>
+          <ac:spMkLst>
+            <pc:docMk/>
+            <pc:sldMk cId="1660258793" sldId="258"/>
+            <ac:spMk id="1074" creationId="{C7F2E4D6-EF46-1C43-8F3E-3620C3C83F36}"/>
+          </ac:spMkLst>
+        </pc:spChg>
+        <pc:spChg chg="add">
+          <ac:chgData name="C S" userId="3db5c1c0dcb95236" providerId="LiveId" clId="{9EE1D27E-1395-4470-A819-F6C36C9AD9DC}" dt="2023-04-24T03:19:55.232" v="183" actId="26606"/>
+          <ac:spMkLst>
+            <pc:docMk/>
+            <pc:sldMk cId="1660258793" sldId="258"/>
+            <ac:spMk id="1075" creationId="{14ACB00F-615E-0E4F-9794-329E08F6E499}"/>
+          </ac:spMkLst>
+        </pc:spChg>
+        <pc:spChg chg="add mod">
+          <ac:chgData name="C S" userId="3db5c1c0dcb95236" providerId="LiveId" clId="{9EE1D27E-1395-4470-A819-F6C36C9AD9DC}" dt="2023-04-24T03:20:11.826" v="236" actId="20577"/>
+          <ac:spMkLst>
+            <pc:docMk/>
+            <pc:sldMk cId="1660258793" sldId="258"/>
+            <ac:spMk id="1076" creationId="{004F9011-948C-06D2-ABA2-1EE180072D2B}"/>
+          </ac:spMkLst>
+        </pc:spChg>
+        <pc:grpChg chg="add del">
+          <ac:chgData name="C S" userId="3db5c1c0dcb95236" providerId="LiveId" clId="{9EE1D27E-1395-4470-A819-F6C36C9AD9DC}" dt="2023-04-24T03:19:55.223" v="182" actId="26606"/>
+          <ac:grpSpMkLst>
+            <pc:docMk/>
+            <pc:sldMk cId="1660258793" sldId="258"/>
+            <ac:grpSpMk id="1031" creationId="{EB46B8FB-F6A2-5F47-A6CD-A7E17E69270F}"/>
+          </ac:grpSpMkLst>
+        </pc:grpChg>
+        <pc:grpChg chg="add del">
+          <ac:chgData name="C S" userId="3db5c1c0dcb95236" providerId="LiveId" clId="{9EE1D27E-1395-4470-A819-F6C36C9AD9DC}" dt="2023-04-24T03:19:55.223" v="182" actId="26606"/>
+          <ac:grpSpMkLst>
+            <pc:docMk/>
+            <pc:sldMk cId="1660258793" sldId="258"/>
+            <ac:grpSpMk id="1065" creationId="{44406D7A-DB1A-D940-8AD1-93FAF9DD7199}"/>
+          </ac:grpSpMkLst>
+        </pc:grpChg>
+        <pc:grpChg chg="add">
+          <ac:chgData name="C S" userId="3db5c1c0dcb95236" providerId="LiveId" clId="{9EE1D27E-1395-4470-A819-F6C36C9AD9DC}" dt="2023-04-24T03:19:55.232" v="183" actId="26606"/>
+          <ac:grpSpMkLst>
+            <pc:docMk/>
+            <pc:sldMk cId="1660258793" sldId="258"/>
+            <ac:grpSpMk id="1078" creationId="{35B55452-0B37-B747-9C68-70C4EF8F7539}"/>
+          </ac:grpSpMkLst>
+        </pc:grpChg>
+        <pc:picChg chg="add mod">
+          <ac:chgData name="C S" userId="3db5c1c0dcb95236" providerId="LiveId" clId="{9EE1D27E-1395-4470-A819-F6C36C9AD9DC}" dt="2023-04-24T03:19:55.232" v="183" actId="26606"/>
+          <ac:picMkLst>
+            <pc:docMk/>
+            <pc:sldMk cId="1660258793" sldId="258"/>
+            <ac:picMk id="1026" creationId="{5419E242-E648-32D4-2462-F2644C8763ED}"/>
+          </ac:picMkLst>
+        </pc:picChg>
+        <pc:cxnChg chg="add del">
+          <ac:chgData name="C S" userId="3db5c1c0dcb95236" providerId="LiveId" clId="{9EE1D27E-1395-4470-A819-F6C36C9AD9DC}" dt="2023-04-24T03:19:55.223" v="182" actId="26606"/>
+          <ac:cxnSpMkLst>
+            <pc:docMk/>
+            <pc:sldMk cId="1660258793" sldId="258"/>
+            <ac:cxnSpMk id="1057" creationId="{D33A3282-0389-C547-8CA6-7F3E7F27B34D}"/>
+          </ac:cxnSpMkLst>
+        </pc:cxnChg>
+        <pc:cxnChg chg="add del">
+          <ac:chgData name="C S" userId="3db5c1c0dcb95236" providerId="LiveId" clId="{9EE1D27E-1395-4470-A819-F6C36C9AD9DC}" dt="2023-04-24T03:19:55.223" v="182" actId="26606"/>
+          <ac:cxnSpMkLst>
+            <pc:docMk/>
+            <pc:sldMk cId="1660258793" sldId="258"/>
+            <ac:cxnSpMk id="1063" creationId="{41C79BB7-CCAB-2243-9830-5569626C4D01}"/>
+          </ac:cxnSpMkLst>
+        </pc:cxnChg>
+        <pc:cxnChg chg="add">
+          <ac:chgData name="C S" userId="3db5c1c0dcb95236" providerId="LiveId" clId="{9EE1D27E-1395-4470-A819-F6C36C9AD9DC}" dt="2023-04-24T03:19:55.232" v="183" actId="26606"/>
+          <ac:cxnSpMkLst>
+            <pc:docMk/>
+            <pc:sldMk cId="1660258793" sldId="258"/>
+            <ac:cxnSpMk id="1077" creationId="{1D2BBFA3-6EA8-1C48-B3A5-DFCC389D2821}"/>
+          </ac:cxnSpMkLst>
+        </pc:cxnChg>
       </pc:sldChg>
       <pc:sldChg chg="modSp new mod">
         <pc:chgData name="C S" userId="3db5c1c0dcb95236" providerId="LiveId" clId="{9EE1D27E-1395-4470-A819-F6C36C9AD9DC}" dt="2023-04-21T21:31:11.653" v="146" actId="20577"/>
@@ -245,7 +362,7 @@
         </pc:spChg>
       </pc:sldChg>
       <pc:sldChg chg="modSp new mod">
-        <pc:chgData name="C S" userId="3db5c1c0dcb95236" providerId="LiveId" clId="{9EE1D27E-1395-4470-A819-F6C36C9AD9DC}" dt="2023-04-21T21:31:29.599" v="173" actId="20577"/>
+        <pc:chgData name="C S" userId="3db5c1c0dcb95236" providerId="LiveId" clId="{9EE1D27E-1395-4470-A819-F6C36C9AD9DC}" dt="2023-04-23T17:16:22.032" v="179" actId="20577"/>
         <pc:sldMkLst>
           <pc:docMk/>
           <pc:sldMk cId="2940283543" sldId="261"/>
@@ -256,6 +373,14 @@
             <pc:docMk/>
             <pc:sldMk cId="2940283543" sldId="261"/>
             <ac:spMk id="2" creationId="{25C50290-7DF4-1E5A-3540-C7DC54BC8F05}"/>
+          </ac:spMkLst>
+        </pc:spChg>
+        <pc:spChg chg="mod">
+          <ac:chgData name="C S" userId="3db5c1c0dcb95236" providerId="LiveId" clId="{9EE1D27E-1395-4470-A819-F6C36C9AD9DC}" dt="2023-04-23T17:16:22.032" v="179" actId="20577"/>
+          <ac:spMkLst>
+            <pc:docMk/>
+            <pc:sldMk cId="2940283543" sldId="261"/>
+            <ac:spMk id="3" creationId="{283F6E6D-E100-E3A1-0FD9-6345665EA2D1}"/>
           </ac:spMkLst>
         </pc:spChg>
       </pc:sldChg>
@@ -2642,7 +2767,7 @@
             <a:fld id="{A5B0A250-5CC0-1746-B209-08E8B0DAE6AF}" type="datetimeFigureOut">
               <a:rPr lang="en-US" smtClean="0"/>
               <a:pPr algn="l"/>
-              <a:t>4/21/2023</a:t>
+              <a:t>4/23/2023</a:t>
             </a:fld>
             <a:endParaRPr lang="en-US" dirty="0"/>
           </a:p>
@@ -4104,7 +4229,7 @@
           <a:p>
             <a:fld id="{A5B0A250-5CC0-1746-B209-08E8B0DAE6AF}" type="datetimeFigureOut">
               <a:rPr lang="en-US" smtClean="0"/>
-              <a:t>4/21/2023</a:t>
+              <a:t>4/23/2023</a:t>
             </a:fld>
             <a:endParaRPr lang="en-US" dirty="0"/>
           </a:p>
@@ -5034,7 +5159,7 @@
           <a:p>
             <a:fld id="{A5B0A250-5CC0-1746-B209-08E8B0DAE6AF}" type="datetimeFigureOut">
               <a:rPr lang="en-US" smtClean="0"/>
-              <a:t>4/21/2023</a:t>
+              <a:t>4/23/2023</a:t>
             </a:fld>
             <a:endParaRPr lang="en-US"/>
           </a:p>
@@ -6491,7 +6616,7 @@
           <a:p>
             <a:fld id="{A5B0A250-5CC0-1746-B209-08E8B0DAE6AF}" type="datetimeFigureOut">
               <a:rPr lang="en-US" smtClean="0"/>
-              <a:t>4/21/2023</a:t>
+              <a:t>4/23/2023</a:t>
             </a:fld>
             <a:endParaRPr lang="en-US" dirty="0"/>
           </a:p>
@@ -8847,7 +8972,7 @@
           <a:p>
             <a:fld id="{A5B0A250-5CC0-1746-B209-08E8B0DAE6AF}" type="datetimeFigureOut">
               <a:rPr lang="en-US" smtClean="0"/>
-              <a:t>4/21/2023</a:t>
+              <a:t>4/23/2023</a:t>
             </a:fld>
             <a:endParaRPr lang="en-US" dirty="0"/>
           </a:p>
@@ -9888,7 +10013,7 @@
           <a:p>
             <a:fld id="{A5B0A250-5CC0-1746-B209-08E8B0DAE6AF}" type="datetimeFigureOut">
               <a:rPr lang="en-US" smtClean="0"/>
-              <a:t>4/21/2023</a:t>
+              <a:t>4/23/2023</a:t>
             </a:fld>
             <a:endParaRPr lang="en-US" dirty="0"/>
           </a:p>
@@ -11101,7 +11226,7 @@
           <a:p>
             <a:fld id="{A5B0A250-5CC0-1746-B209-08E8B0DAE6AF}" type="datetimeFigureOut">
               <a:rPr lang="en-US" smtClean="0"/>
-              <a:t>4/21/2023</a:t>
+              <a:t>4/23/2023</a:t>
             </a:fld>
             <a:endParaRPr lang="en-US" dirty="0"/>
           </a:p>
@@ -12010,7 +12135,7 @@
           <a:p>
             <a:fld id="{A5B0A250-5CC0-1746-B209-08E8B0DAE6AF}" type="datetimeFigureOut">
               <a:rPr lang="en-US" smtClean="0"/>
-              <a:t>4/21/2023</a:t>
+              <a:t>4/23/2023</a:t>
             </a:fld>
             <a:endParaRPr lang="en-US" dirty="0"/>
           </a:p>
@@ -12169,7 +12294,7 @@
             <a:fld id="{A5B0A250-5CC0-1746-B209-08E8B0DAE6AF}" type="datetimeFigureOut">
               <a:rPr lang="en-US" smtClean="0"/>
               <a:pPr/>
-              <a:t>4/21/2023</a:t>
+              <a:t>4/23/2023</a:t>
             </a:fld>
             <a:endParaRPr lang="en-US" dirty="0"/>
           </a:p>
@@ -13152,7 +13277,7 @@
           <a:p>
             <a:fld id="{A5B0A250-5CC0-1746-B209-08E8B0DAE6AF}" type="datetimeFigureOut">
               <a:rPr lang="en-US" smtClean="0"/>
-              <a:t>4/21/2023</a:t>
+              <a:t>4/23/2023</a:t>
             </a:fld>
             <a:endParaRPr lang="en-US" dirty="0"/>
           </a:p>
@@ -14214,7 +14339,7 @@
           <a:p>
             <a:fld id="{A5B0A250-5CC0-1746-B209-08E8B0DAE6AF}" type="datetimeFigureOut">
               <a:rPr lang="en-US" smtClean="0"/>
-              <a:t>4/21/2023</a:t>
+              <a:t>4/23/2023</a:t>
             </a:fld>
             <a:endParaRPr lang="en-US" dirty="0"/>
           </a:p>
@@ -14502,7 +14627,7 @@
             <a:fld id="{A5B0A250-5CC0-1746-B209-08E8B0DAE6AF}" type="datetimeFigureOut">
               <a:rPr lang="en-US" smtClean="0"/>
               <a:pPr/>
-              <a:t>4/21/2023</a:t>
+              <a:t>4/23/2023</a:t>
             </a:fld>
             <a:endParaRPr lang="en-US" dirty="0"/>
           </a:p>
@@ -16039,6 +16164,14 @@
 <file path=ppt/slides/slide3.xml><?xml version="1.0" encoding="utf-8"?>
 <p:sld xmlns:a="http://schemas.openxmlformats.org/drawingml/2006/main" xmlns:r="http://schemas.openxmlformats.org/officeDocument/2006/relationships" xmlns:p="http://schemas.openxmlformats.org/presentationml/2006/main">
   <p:cSld>
+    <p:bg>
+      <p:bgPr>
+        <a:solidFill>
+          <a:schemeClr val="bg2"/>
+        </a:solidFill>
+        <a:effectLst/>
+      </p:bgPr>
+    </p:bg>
     <p:spTree>
       <p:nvGrpSpPr>
         <p:cNvPr id="1" name=""/>
@@ -16053,6 +16186,181 @@
           <a:chExt cx="0" cy="0"/>
         </a:xfrm>
       </p:grpSpPr>
+      <p:sp useBgFill="1">
+        <p:nvSpPr>
+          <p:cNvPr id="1074" name="Rectangle 1030">
+            <a:extLst>
+              <a:ext uri="{FF2B5EF4-FFF2-40B4-BE49-F238E27FC236}">
+                <a16:creationId xmlns:a16="http://schemas.microsoft.com/office/drawing/2014/main" id="{C7F2E4D6-EF46-1C43-8F3E-3620C3C83F36}"/>
+              </a:ext>
+              <a:ext uri="{C183D7F6-B498-43B3-948B-1728B52AA6E4}">
+                <adec:decorative xmlns:adec="http://schemas.microsoft.com/office/drawing/2017/decorative" val="1"/>
+              </a:ext>
+            </a:extLst>
+          </p:cNvPr>
+          <p:cNvSpPr>
+            <a:spLocks noGrp="1" noRot="1" noChangeAspect="1" noMove="1" noResize="1" noEditPoints="1" noAdjustHandles="1" noChangeArrowheads="1" noChangeShapeType="1" noTextEdit="1"/>
+          </p:cNvSpPr>
+          <p:nvPr>
+            <p:extLst>
+              <p:ext uri="{386F3935-93C4-4BCD-93E2-E3B085C9AB24}">
+                <p16:designElem xmlns:p16="http://schemas.microsoft.com/office/powerpoint/2015/main" val="1"/>
+              </p:ext>
+            </p:extLst>
+          </p:nvPr>
+        </p:nvSpPr>
+        <p:spPr>
+          <a:xfrm>
+            <a:off x="0" y="0"/>
+            <a:ext cx="12192000" cy="6858000"/>
+          </a:xfrm>
+          <a:prstGeom prst="rect">
+            <a:avLst/>
+          </a:prstGeom>
+          <a:ln>
+            <a:noFill/>
+          </a:ln>
+        </p:spPr>
+        <p:style>
+          <a:lnRef idx="2">
+            <a:schemeClr val="accent1">
+              <a:shade val="50000"/>
+            </a:schemeClr>
+          </a:lnRef>
+          <a:fillRef idx="1">
+            <a:schemeClr val="accent1"/>
+          </a:fillRef>
+          <a:effectRef idx="0">
+            <a:schemeClr val="accent1"/>
+          </a:effectRef>
+          <a:fontRef idx="minor">
+            <a:schemeClr val="lt1"/>
+          </a:fontRef>
+        </p:style>
+        <p:txBody>
+          <a:bodyPr rtlCol="0" anchor="ctr"/>
+          <a:lstStyle/>
+          <a:p>
+            <a:pPr algn="ctr"/>
+            <a:endParaRPr lang="en-US"/>
+          </a:p>
+        </p:txBody>
+      </p:sp>
+      <p:pic>
+        <p:nvPicPr>
+          <p:cNvPr id="1026" name="Picture 2" descr="That's a thick layer of snow! : r/reddeadredemption">
+            <a:extLst>
+              <a:ext uri="{FF2B5EF4-FFF2-40B4-BE49-F238E27FC236}">
+                <a16:creationId xmlns:a16="http://schemas.microsoft.com/office/drawing/2014/main" id="{5419E242-E648-32D4-2462-F2644C8763ED}"/>
+              </a:ext>
+            </a:extLst>
+          </p:cNvPr>
+          <p:cNvPicPr>
+            <a:picLocks noChangeAspect="1" noChangeArrowheads="1"/>
+          </p:cNvPicPr>
+          <p:nvPr/>
+        </p:nvPicPr>
+        <p:blipFill rotWithShape="1">
+          <a:blip r:embed="rId2">
+            <a:extLst>
+              <a:ext uri="{28A0092B-C50C-407E-A947-70E740481C1C}">
+                <a14:useLocalDpi xmlns:a14="http://schemas.microsoft.com/office/drawing/2010/main" val="0"/>
+              </a:ext>
+            </a:extLst>
+          </a:blip>
+          <a:srcRect/>
+          <a:stretch/>
+        </p:blipFill>
+        <p:spPr bwMode="auto">
+          <a:xfrm>
+            <a:off x="0" y="0"/>
+            <a:ext cx="12192000" cy="6858000"/>
+          </a:xfrm>
+          <a:prstGeom prst="rect">
+            <a:avLst/>
+          </a:prstGeom>
+          <a:noFill/>
+          <a:extLst>
+            <a:ext uri="{909E8E84-426E-40DD-AFC4-6F175D3DCCD1}">
+              <a14:hiddenFill xmlns:a14="http://schemas.microsoft.com/office/drawing/2010/main">
+                <a:solidFill>
+                  <a:srgbClr val="FFFFFF"/>
+                </a:solidFill>
+              </a14:hiddenFill>
+            </a:ext>
+          </a:extLst>
+        </p:spPr>
+      </p:pic>
+      <p:sp>
+        <p:nvSpPr>
+          <p:cNvPr id="1075" name="Rectangle">
+            <a:extLst>
+              <a:ext uri="{FF2B5EF4-FFF2-40B4-BE49-F238E27FC236}">
+                <a16:creationId xmlns:a16="http://schemas.microsoft.com/office/drawing/2014/main" id="{14ACB00F-615E-0E4F-9794-329E08F6E499}"/>
+              </a:ext>
+              <a:ext uri="{C183D7F6-B498-43B3-948B-1728B52AA6E4}">
+                <adec:decorative xmlns:adec="http://schemas.microsoft.com/office/drawing/2017/decorative" val="1"/>
+              </a:ext>
+            </a:extLst>
+          </p:cNvPr>
+          <p:cNvSpPr>
+            <a:spLocks noGrp="1" noRot="1" noChangeAspect="1" noMove="1" noResize="1" noEditPoints="1" noAdjustHandles="1" noChangeArrowheads="1" noChangeShapeType="1" noTextEdit="1"/>
+          </p:cNvSpPr>
+          <p:nvPr>
+            <p:extLst>
+              <p:ext uri="{386F3935-93C4-4BCD-93E2-E3B085C9AB24}">
+                <p16:designElem xmlns:p16="http://schemas.microsoft.com/office/powerpoint/2015/main" val="1"/>
+              </p:ext>
+            </p:extLst>
+          </p:nvPr>
+        </p:nvSpPr>
+        <p:spPr>
+          <a:xfrm>
+            <a:off x="-1" y="-1"/>
+            <a:ext cx="8469492" cy="6858000"/>
+          </a:xfrm>
+          <a:prstGeom prst="rect">
+            <a:avLst/>
+          </a:prstGeom>
+          <a:gradFill flip="none" rotWithShape="1">
+            <a:gsLst>
+              <a:gs pos="31000">
+                <a:schemeClr val="bg1">
+                  <a:alpha val="80000"/>
+                </a:schemeClr>
+              </a:gs>
+              <a:gs pos="0">
+                <a:schemeClr val="bg1"/>
+              </a:gs>
+              <a:gs pos="100000">
+                <a:schemeClr val="bg1">
+                  <a:alpha val="50000"/>
+                </a:schemeClr>
+              </a:gs>
+            </a:gsLst>
+            <a:path path="circle">
+              <a:fillToRect r="100000" b="100000"/>
+            </a:path>
+            <a:tileRect l="-100000" t="-100000"/>
+          </a:gradFill>
+          <a:ln w="12700">
+            <a:miter lim="400000"/>
+          </a:ln>
+        </p:spPr>
+        <p:txBody>
+          <a:bodyPr lIns="50800" tIns="50800" rIns="50800" bIns="50800" anchor="ctr"/>
+          <a:lstStyle/>
+          <a:p>
+            <a:pPr algn="ctr"/>
+            <a:endParaRPr sz="2600" cap="all" dirty="0">
+              <a:solidFill>
+                <a:srgbClr val="FFFFFF"/>
+              </a:solidFill>
+              <a:sym typeface="Avenir Next"/>
+            </a:endParaRPr>
+          </a:p>
+        </p:txBody>
+      </p:sp>
       <p:sp>
         <p:nvSpPr>
           <p:cNvPr id="2" name="Title 1">
@@ -16069,21 +16377,29 @@
             <p:ph type="title"/>
           </p:nvPr>
         </p:nvSpPr>
-        <p:spPr/>
+        <p:spPr>
+          <a:xfrm>
+            <a:off x="565150" y="770890"/>
+            <a:ext cx="7335835" cy="1268984"/>
+          </a:xfrm>
+        </p:spPr>
         <p:txBody>
-          <a:bodyPr/>
+          <a:bodyPr>
+            <a:normAutofit/>
+          </a:bodyPr>
           <a:lstStyle/>
           <a:p>
             <a:r>
-              <a:rPr lang="en-US" dirty="0"/>
+              <a:rPr lang="en-US"/>
               <a:t>Inspiration</a:t>
             </a:r>
+            <a:endParaRPr lang="en-US" dirty="0"/>
           </a:p>
         </p:txBody>
       </p:sp>
       <p:sp>
         <p:nvSpPr>
-          <p:cNvPr id="3" name="Content Placeholder 2">
+          <p:cNvPr id="1076" name="Content Placeholder 2">
             <a:extLst>
               <a:ext uri="{FF2B5EF4-FFF2-40B4-BE49-F238E27FC236}">
                 <a16:creationId xmlns:a16="http://schemas.microsoft.com/office/drawing/2014/main" id="{004F9011-948C-06D2-ABA2-1EE180072D2B}"/>
@@ -16097,12 +16413,1226 @@
             <p:ph idx="1"/>
           </p:nvPr>
         </p:nvSpPr>
-        <p:spPr/>
+        <p:spPr>
+          <a:xfrm>
+            <a:off x="565150" y="2160016"/>
+            <a:ext cx="7335835" cy="3601212"/>
+          </a:xfrm>
+        </p:spPr>
         <p:txBody>
-          <a:bodyPr/>
+          <a:bodyPr>
+            <a:normAutofit/>
+          </a:bodyPr>
           <a:lstStyle/>
           <a:p>
-            <a:endParaRPr lang="en-US"/>
+            <a:r>
+              <a:rPr lang="en-US" dirty="0"/>
+              <a:t>Red Dead Redemption 2</a:t>
+            </a:r>
+          </a:p>
+          <a:p>
+            <a:pPr lvl="1"/>
+            <a:r>
+              <a:rPr lang="en-US" dirty="0"/>
+              <a:t>Fantastic Snow Physics</a:t>
+            </a:r>
+          </a:p>
+        </p:txBody>
+      </p:sp>
+      <p:cxnSp>
+        <p:nvCxnSpPr>
+          <p:cNvPr id="1077" name="Straight Connector 1034">
+            <a:extLst>
+              <a:ext uri="{FF2B5EF4-FFF2-40B4-BE49-F238E27FC236}">
+                <a16:creationId xmlns:a16="http://schemas.microsoft.com/office/drawing/2014/main" id="{1D2BBFA3-6EA8-1C48-B3A5-DFCC389D2821}"/>
+              </a:ext>
+              <a:ext uri="{C183D7F6-B498-43B3-948B-1728B52AA6E4}">
+                <adec:decorative xmlns:adec="http://schemas.microsoft.com/office/drawing/2017/decorative" val="1"/>
+              </a:ext>
+            </a:extLst>
+          </p:cNvPr>
+          <p:cNvCxnSpPr>
+            <a:cxnSpLocks noGrp="1" noRot="1" noChangeAspect="1" noMove="1" noResize="1" noEditPoints="1" noAdjustHandles="1" noChangeArrowheads="1" noChangeShapeType="1"/>
+          </p:cNvCxnSpPr>
+          <p:nvPr>
+            <p:extLst>
+              <p:ext uri="{386F3935-93C4-4BCD-93E2-E3B085C9AB24}">
+                <p16:designElem xmlns:p16="http://schemas.microsoft.com/office/powerpoint/2015/main" val="1"/>
+              </p:ext>
+            </p:extLst>
+          </p:nvPr>
+        </p:nvCxnSpPr>
+        <p:spPr>
+          <a:xfrm>
+            <a:off x="565150" y="6087110"/>
+            <a:ext cx="7335835" cy="0"/>
+          </a:xfrm>
+          <a:prstGeom prst="line">
+            <a:avLst/>
+          </a:prstGeom>
+          <a:ln w="12700">
+            <a:solidFill>
+              <a:schemeClr val="tx2"/>
+            </a:solidFill>
+          </a:ln>
+        </p:spPr>
+        <p:style>
+          <a:lnRef idx="1">
+            <a:schemeClr val="accent1"/>
+          </a:lnRef>
+          <a:fillRef idx="0">
+            <a:schemeClr val="accent1"/>
+          </a:fillRef>
+          <a:effectRef idx="0">
+            <a:schemeClr val="accent1"/>
+          </a:effectRef>
+          <a:fontRef idx="minor">
+            <a:schemeClr val="tx1"/>
+          </a:fontRef>
+        </p:style>
+      </p:cxnSp>
+      <p:grpSp>
+        <p:nvGrpSpPr>
+          <p:cNvPr id="1078" name="Group 1036">
+            <a:extLst>
+              <a:ext uri="{FF2B5EF4-FFF2-40B4-BE49-F238E27FC236}">
+                <a16:creationId xmlns:a16="http://schemas.microsoft.com/office/drawing/2014/main" id="{35B55452-0B37-B747-9C68-70C4EF8F7539}"/>
+              </a:ext>
+              <a:ext uri="{C183D7F6-B498-43B3-948B-1728B52AA6E4}">
+                <adec:decorative xmlns:adec="http://schemas.microsoft.com/office/drawing/2017/decorative" val="1"/>
+              </a:ext>
+            </a:extLst>
+          </p:cNvPr>
+          <p:cNvGrpSpPr>
+            <a:grpSpLocks noGrp="1" noUngrp="1" noRot="1" noChangeAspect="1" noMove="1" noResize="1"/>
+          </p:cNvGrpSpPr>
+          <p:nvPr>
+            <p:extLst>
+              <p:ext uri="{386F3935-93C4-4BCD-93E2-E3B085C9AB24}">
+                <p16:designElem xmlns:p16="http://schemas.microsoft.com/office/powerpoint/2015/main" val="1"/>
+              </p:ext>
+            </p:extLst>
+          </p:nvPr>
+        </p:nvGrpSpPr>
+        <p:grpSpPr>
+          <a:xfrm>
+            <a:off x="10291746" y="0"/>
+            <a:ext cx="1900254" cy="6858000"/>
+            <a:chOff x="10291746" y="0"/>
+            <a:chExt cx="1900254" cy="6858000"/>
+          </a:xfrm>
+        </p:grpSpPr>
+        <p:sp>
+          <p:nvSpPr>
+            <p:cNvPr id="1079" name="Freeform 41">
+              <a:extLst>
+                <a:ext uri="{FF2B5EF4-FFF2-40B4-BE49-F238E27FC236}">
+                  <a16:creationId xmlns:a16="http://schemas.microsoft.com/office/drawing/2014/main" id="{CBBA7287-7E9D-884B-93D7-D56B52ADE746}"/>
+                </a:ext>
+                <a:ext uri="{C183D7F6-B498-43B3-948B-1728B52AA6E4}">
+                  <adec:decorative xmlns:adec="http://schemas.microsoft.com/office/drawing/2017/decorative" val="1"/>
+                </a:ext>
+              </a:extLst>
+            </p:cNvPr>
+            <p:cNvSpPr/>
+            <p:nvPr>
+              <p:extLst>
+                <p:ext uri="{386F3935-93C4-4BCD-93E2-E3B085C9AB24}">
+                  <p16:designElem xmlns:p16="http://schemas.microsoft.com/office/powerpoint/2015/main" val="1"/>
+                </p:ext>
+              </p:extLst>
+            </p:nvPr>
+          </p:nvSpPr>
+          <p:spPr>
+            <a:xfrm>
+              <a:off x="11655829" y="809310"/>
+              <a:ext cx="536171" cy="1124839"/>
+            </a:xfrm>
+            <a:custGeom>
+              <a:avLst/>
+              <a:gdLst>
+                <a:gd name="connsiteX0" fmla="*/ 536171 w 536171"/>
+                <a:gd name="connsiteY0" fmla="*/ 0 h 1124839"/>
+                <a:gd name="connsiteX1" fmla="*/ 536171 w 536171"/>
+                <a:gd name="connsiteY1" fmla="*/ 1124839 h 1124839"/>
+                <a:gd name="connsiteX2" fmla="*/ 451423 w 536171"/>
+                <a:gd name="connsiteY2" fmla="*/ 1116295 h 1124839"/>
+                <a:gd name="connsiteX3" fmla="*/ 0 w 536171"/>
+                <a:gd name="connsiteY3" fmla="*/ 562419 h 1124839"/>
+                <a:gd name="connsiteX4" fmla="*/ 451423 w 536171"/>
+                <a:gd name="connsiteY4" fmla="*/ 8543 h 1124839"/>
+              </a:gdLst>
+              <a:ahLst/>
+              <a:cxnLst>
+                <a:cxn ang="0">
+                  <a:pos x="connsiteX0" y="connsiteY0"/>
+                </a:cxn>
+                <a:cxn ang="0">
+                  <a:pos x="connsiteX1" y="connsiteY1"/>
+                </a:cxn>
+                <a:cxn ang="0">
+                  <a:pos x="connsiteX2" y="connsiteY2"/>
+                </a:cxn>
+                <a:cxn ang="0">
+                  <a:pos x="connsiteX3" y="connsiteY3"/>
+                </a:cxn>
+                <a:cxn ang="0">
+                  <a:pos x="connsiteX4" y="connsiteY4"/>
+                </a:cxn>
+              </a:cxnLst>
+              <a:rect l="l" t="t" r="r" b="b"/>
+              <a:pathLst>
+                <a:path w="536171" h="1124839">
+                  <a:moveTo>
+                    <a:pt x="536171" y="0"/>
+                  </a:moveTo>
+                  <a:lnTo>
+                    <a:pt x="536171" y="1124839"/>
+                  </a:lnTo>
+                  <a:lnTo>
+                    <a:pt x="451423" y="1116295"/>
+                  </a:lnTo>
+                  <a:cubicBezTo>
+                    <a:pt x="193797" y="1063577"/>
+                    <a:pt x="0" y="835630"/>
+                    <a:pt x="0" y="562419"/>
+                  </a:cubicBezTo>
+                  <a:cubicBezTo>
+                    <a:pt x="0" y="289208"/>
+                    <a:pt x="193797" y="61261"/>
+                    <a:pt x="451423" y="8543"/>
+                  </a:cubicBezTo>
+                  <a:close/>
+                </a:path>
+              </a:pathLst>
+            </a:custGeom>
+            <a:solidFill>
+              <a:schemeClr val="accent1"/>
+            </a:solidFill>
+            <a:ln>
+              <a:noFill/>
+            </a:ln>
+          </p:spPr>
+          <p:style>
+            <a:lnRef idx="2">
+              <a:schemeClr val="accent1">
+                <a:shade val="50000"/>
+              </a:schemeClr>
+            </a:lnRef>
+            <a:fillRef idx="1">
+              <a:schemeClr val="accent1"/>
+            </a:fillRef>
+            <a:effectRef idx="0">
+              <a:schemeClr val="accent1"/>
+            </a:effectRef>
+            <a:fontRef idx="minor">
+              <a:schemeClr val="lt1"/>
+            </a:fontRef>
+          </p:style>
+          <p:txBody>
+            <a:bodyPr wrap="square" rtlCol="0" anchor="ctr">
+              <a:noAutofit/>
+            </a:bodyPr>
+            <a:lstStyle/>
+            <a:p>
+              <a:pPr algn="ctr"/>
+              <a:endParaRPr lang="en-US"/>
+            </a:p>
+          </p:txBody>
+        </p:sp>
+        <p:sp>
+          <p:nvSpPr>
+            <p:cNvPr id="1080" name="Freeform 42">
+              <a:extLst>
+                <a:ext uri="{FF2B5EF4-FFF2-40B4-BE49-F238E27FC236}">
+                  <a16:creationId xmlns:a16="http://schemas.microsoft.com/office/drawing/2014/main" id="{E09BD6CA-D4FC-1041-9A4A-5BD33DDEDE22}"/>
+                </a:ext>
+                <a:ext uri="{C183D7F6-B498-43B3-948B-1728B52AA6E4}">
+                  <adec:decorative xmlns:adec="http://schemas.microsoft.com/office/drawing/2017/decorative" val="1"/>
+                </a:ext>
+              </a:extLst>
+            </p:cNvPr>
+            <p:cNvSpPr/>
+            <p:nvPr>
+              <p:extLst>
+                <p:ext uri="{386F3935-93C4-4BCD-93E2-E3B085C9AB24}">
+                  <p16:designElem xmlns:p16="http://schemas.microsoft.com/office/powerpoint/2015/main" val="1"/>
+                </p:ext>
+              </p:extLst>
+            </p:nvPr>
+          </p:nvSpPr>
+          <p:spPr>
+            <a:xfrm>
+              <a:off x="10291748" y="0"/>
+              <a:ext cx="1130725" cy="565362"/>
+            </a:xfrm>
+            <a:custGeom>
+              <a:avLst/>
+              <a:gdLst>
+                <a:gd name="connsiteX0" fmla="*/ 0 w 1130725"/>
+                <a:gd name="connsiteY0" fmla="*/ 0 h 565362"/>
+                <a:gd name="connsiteX1" fmla="*/ 25420 w 1130725"/>
+                <a:gd name="connsiteY1" fmla="*/ 0 h 565362"/>
+                <a:gd name="connsiteX2" fmla="*/ 36369 w 1130725"/>
+                <a:gd name="connsiteY2" fmla="*/ 108609 h 565362"/>
+                <a:gd name="connsiteX3" fmla="*/ 565363 w 1130725"/>
+                <a:gd name="connsiteY3" fmla="*/ 539750 h 565362"/>
+                <a:gd name="connsiteX4" fmla="*/ 1094356 w 1130725"/>
+                <a:gd name="connsiteY4" fmla="*/ 108609 h 565362"/>
+                <a:gd name="connsiteX5" fmla="*/ 1105305 w 1130725"/>
+                <a:gd name="connsiteY5" fmla="*/ 0 h 565362"/>
+                <a:gd name="connsiteX6" fmla="*/ 1130725 w 1130725"/>
+                <a:gd name="connsiteY6" fmla="*/ 0 h 565362"/>
+                <a:gd name="connsiteX7" fmla="*/ 565363 w 1130725"/>
+                <a:gd name="connsiteY7" fmla="*/ 565362 h 565362"/>
+                <a:gd name="connsiteX8" fmla="*/ 0 w 1130725"/>
+                <a:gd name="connsiteY8" fmla="*/ 0 h 565362"/>
+              </a:gdLst>
+              <a:ahLst/>
+              <a:cxnLst>
+                <a:cxn ang="0">
+                  <a:pos x="connsiteX0" y="connsiteY0"/>
+                </a:cxn>
+                <a:cxn ang="0">
+                  <a:pos x="connsiteX1" y="connsiteY1"/>
+                </a:cxn>
+                <a:cxn ang="0">
+                  <a:pos x="connsiteX2" y="connsiteY2"/>
+                </a:cxn>
+                <a:cxn ang="0">
+                  <a:pos x="connsiteX3" y="connsiteY3"/>
+                </a:cxn>
+                <a:cxn ang="0">
+                  <a:pos x="connsiteX4" y="connsiteY4"/>
+                </a:cxn>
+                <a:cxn ang="0">
+                  <a:pos x="connsiteX5" y="connsiteY5"/>
+                </a:cxn>
+                <a:cxn ang="0">
+                  <a:pos x="connsiteX6" y="connsiteY6"/>
+                </a:cxn>
+                <a:cxn ang="0">
+                  <a:pos x="connsiteX7" y="connsiteY7"/>
+                </a:cxn>
+                <a:cxn ang="0">
+                  <a:pos x="connsiteX8" y="connsiteY8"/>
+                </a:cxn>
+              </a:cxnLst>
+              <a:rect l="l" t="t" r="r" b="b"/>
+              <a:pathLst>
+                <a:path w="1130725" h="565362">
+                  <a:moveTo>
+                    <a:pt x="0" y="0"/>
+                  </a:moveTo>
+                  <a:lnTo>
+                    <a:pt x="25420" y="0"/>
+                  </a:lnTo>
+                  <a:lnTo>
+                    <a:pt x="36369" y="108609"/>
+                  </a:lnTo>
+                  <a:cubicBezTo>
+                    <a:pt x="86718" y="354660"/>
+                    <a:pt x="304425" y="539750"/>
+                    <a:pt x="565363" y="539750"/>
+                  </a:cubicBezTo>
+                  <a:cubicBezTo>
+                    <a:pt x="826300" y="539750"/>
+                    <a:pt x="1044007" y="354660"/>
+                    <a:pt x="1094356" y="108609"/>
+                  </a:cubicBezTo>
+                  <a:lnTo>
+                    <a:pt x="1105305" y="0"/>
+                  </a:lnTo>
+                  <a:lnTo>
+                    <a:pt x="1130725" y="0"/>
+                  </a:lnTo>
+                  <a:cubicBezTo>
+                    <a:pt x="1130725" y="312241"/>
+                    <a:pt x="877604" y="565362"/>
+                    <a:pt x="565363" y="565362"/>
+                  </a:cubicBezTo>
+                  <a:cubicBezTo>
+                    <a:pt x="253121" y="565362"/>
+                    <a:pt x="0" y="312241"/>
+                    <a:pt x="0" y="0"/>
+                  </a:cubicBezTo>
+                  <a:close/>
+                </a:path>
+              </a:pathLst>
+            </a:custGeom>
+            <a:solidFill>
+              <a:schemeClr val="tx1"/>
+            </a:solidFill>
+            <a:ln>
+              <a:noFill/>
+            </a:ln>
+          </p:spPr>
+          <p:style>
+            <a:lnRef idx="2">
+              <a:schemeClr val="accent1">
+                <a:shade val="50000"/>
+              </a:schemeClr>
+            </a:lnRef>
+            <a:fillRef idx="1">
+              <a:schemeClr val="accent1"/>
+            </a:fillRef>
+            <a:effectRef idx="0">
+              <a:schemeClr val="accent1"/>
+            </a:effectRef>
+            <a:fontRef idx="minor">
+              <a:schemeClr val="lt1"/>
+            </a:fontRef>
+          </p:style>
+          <p:txBody>
+            <a:bodyPr wrap="square" rtlCol="0" anchor="ctr">
+              <a:noAutofit/>
+            </a:bodyPr>
+            <a:lstStyle/>
+            <a:p>
+              <a:pPr algn="ctr"/>
+              <a:endParaRPr lang="en-US"/>
+            </a:p>
+          </p:txBody>
+        </p:sp>
+        <p:sp>
+          <p:nvSpPr>
+            <p:cNvPr id="1081" name="Freeform 43">
+              <a:extLst>
+                <a:ext uri="{FF2B5EF4-FFF2-40B4-BE49-F238E27FC236}">
+                  <a16:creationId xmlns:a16="http://schemas.microsoft.com/office/drawing/2014/main" id="{60AFCEEC-E747-AF48-9591-58C67AF87A6A}"/>
+                </a:ext>
+                <a:ext uri="{C183D7F6-B498-43B3-948B-1728B52AA6E4}">
+                  <adec:decorative xmlns:adec="http://schemas.microsoft.com/office/drawing/2017/decorative" val="1"/>
+                </a:ext>
+              </a:extLst>
+            </p:cNvPr>
+            <p:cNvSpPr/>
+            <p:nvPr>
+              <p:extLst>
+                <p:ext uri="{386F3935-93C4-4BCD-93E2-E3B085C9AB24}">
+                  <p16:designElem xmlns:p16="http://schemas.microsoft.com/office/powerpoint/2015/main" val="1"/>
+                </p:ext>
+              </p:extLst>
+            </p:nvPr>
+          </p:nvSpPr>
+          <p:spPr>
+            <a:xfrm>
+              <a:off x="11656578" y="0"/>
+              <a:ext cx="535422" cy="562344"/>
+            </a:xfrm>
+            <a:custGeom>
+              <a:avLst/>
+              <a:gdLst>
+                <a:gd name="connsiteX0" fmla="*/ 0 w 535422"/>
+                <a:gd name="connsiteY0" fmla="*/ 0 h 562344"/>
+                <a:gd name="connsiteX1" fmla="*/ 25421 w 535422"/>
+                <a:gd name="connsiteY1" fmla="*/ 0 h 562344"/>
+                <a:gd name="connsiteX2" fmla="*/ 36370 w 535422"/>
+                <a:gd name="connsiteY2" fmla="*/ 108609 h 562344"/>
+                <a:gd name="connsiteX3" fmla="*/ 469781 w 535422"/>
+                <a:gd name="connsiteY3" fmla="*/ 531316 h 562344"/>
+                <a:gd name="connsiteX4" fmla="*/ 535422 w 535422"/>
+                <a:gd name="connsiteY4" fmla="*/ 537108 h 562344"/>
+                <a:gd name="connsiteX5" fmla="*/ 535422 w 535422"/>
+                <a:gd name="connsiteY5" fmla="*/ 562344 h 562344"/>
+                <a:gd name="connsiteX6" fmla="*/ 451424 w 535422"/>
+                <a:gd name="connsiteY6" fmla="*/ 553876 h 562344"/>
+                <a:gd name="connsiteX7" fmla="*/ 0 w 535422"/>
+                <a:gd name="connsiteY7" fmla="*/ 0 h 562344"/>
+              </a:gdLst>
+              <a:ahLst/>
+              <a:cxnLst>
+                <a:cxn ang="0">
+                  <a:pos x="connsiteX0" y="connsiteY0"/>
+                </a:cxn>
+                <a:cxn ang="0">
+                  <a:pos x="connsiteX1" y="connsiteY1"/>
+                </a:cxn>
+                <a:cxn ang="0">
+                  <a:pos x="connsiteX2" y="connsiteY2"/>
+                </a:cxn>
+                <a:cxn ang="0">
+                  <a:pos x="connsiteX3" y="connsiteY3"/>
+                </a:cxn>
+                <a:cxn ang="0">
+                  <a:pos x="connsiteX4" y="connsiteY4"/>
+                </a:cxn>
+                <a:cxn ang="0">
+                  <a:pos x="connsiteX5" y="connsiteY5"/>
+                </a:cxn>
+                <a:cxn ang="0">
+                  <a:pos x="connsiteX6" y="connsiteY6"/>
+                </a:cxn>
+                <a:cxn ang="0">
+                  <a:pos x="connsiteX7" y="connsiteY7"/>
+                </a:cxn>
+              </a:cxnLst>
+              <a:rect l="l" t="t" r="r" b="b"/>
+              <a:pathLst>
+                <a:path w="535422" h="562344">
+                  <a:moveTo>
+                    <a:pt x="0" y="0"/>
+                  </a:moveTo>
+                  <a:lnTo>
+                    <a:pt x="25421" y="0"/>
+                  </a:lnTo>
+                  <a:lnTo>
+                    <a:pt x="36370" y="108609"/>
+                  </a:lnTo>
+                  <a:cubicBezTo>
+                    <a:pt x="80425" y="323904"/>
+                    <a:pt x="252614" y="492525"/>
+                    <a:pt x="469781" y="531316"/>
+                  </a:cubicBezTo>
+                  <a:lnTo>
+                    <a:pt x="535422" y="537108"/>
+                  </a:lnTo>
+                  <a:lnTo>
+                    <a:pt x="535422" y="562344"/>
+                  </a:lnTo>
+                  <a:lnTo>
+                    <a:pt x="451424" y="553876"/>
+                  </a:lnTo>
+                  <a:cubicBezTo>
+                    <a:pt x="193797" y="501158"/>
+                    <a:pt x="0" y="273211"/>
+                    <a:pt x="0" y="0"/>
+                  </a:cubicBezTo>
+                  <a:close/>
+                </a:path>
+              </a:pathLst>
+            </a:custGeom>
+            <a:solidFill>
+              <a:schemeClr val="tx1"/>
+            </a:solidFill>
+            <a:ln>
+              <a:noFill/>
+            </a:ln>
+          </p:spPr>
+          <p:style>
+            <a:lnRef idx="2">
+              <a:schemeClr val="accent1">
+                <a:shade val="50000"/>
+              </a:schemeClr>
+            </a:lnRef>
+            <a:fillRef idx="1">
+              <a:schemeClr val="accent1"/>
+            </a:fillRef>
+            <a:effectRef idx="0">
+              <a:schemeClr val="accent1"/>
+            </a:effectRef>
+            <a:fontRef idx="minor">
+              <a:schemeClr val="lt1"/>
+            </a:fontRef>
+          </p:style>
+          <p:txBody>
+            <a:bodyPr wrap="square" rtlCol="0" anchor="ctr">
+              <a:noAutofit/>
+            </a:bodyPr>
+            <a:lstStyle/>
+            <a:p>
+              <a:pPr algn="ctr"/>
+              <a:endParaRPr lang="en-US"/>
+            </a:p>
+          </p:txBody>
+        </p:sp>
+        <p:sp>
+          <p:nvSpPr>
+            <p:cNvPr id="1082" name="Freeform 44">
+              <a:extLst>
+                <a:ext uri="{FF2B5EF4-FFF2-40B4-BE49-F238E27FC236}">
+                  <a16:creationId xmlns:a16="http://schemas.microsoft.com/office/drawing/2014/main" id="{2290DF32-70FD-0E48-9258-0BD83EE62230}"/>
+                </a:ext>
+                <a:ext uri="{C183D7F6-B498-43B3-948B-1728B52AA6E4}">
+                  <adec:decorative xmlns:adec="http://schemas.microsoft.com/office/drawing/2017/decorative" val="1"/>
+                </a:ext>
+              </a:extLst>
+            </p:cNvPr>
+            <p:cNvSpPr/>
+            <p:nvPr>
+              <p:extLst>
+                <p:ext uri="{386F3935-93C4-4BCD-93E2-E3B085C9AB24}">
+                  <p16:designElem xmlns:p16="http://schemas.microsoft.com/office/powerpoint/2015/main" val="1"/>
+                </p:ext>
+              </p:extLst>
+            </p:nvPr>
+          </p:nvSpPr>
+          <p:spPr>
+            <a:xfrm>
+              <a:off x="11656578" y="2181112"/>
+              <a:ext cx="535422" cy="1124687"/>
+            </a:xfrm>
+            <a:custGeom>
+              <a:avLst/>
+              <a:gdLst>
+                <a:gd name="connsiteX0" fmla="*/ 535422 w 535422"/>
+                <a:gd name="connsiteY0" fmla="*/ 0 h 1124687"/>
+                <a:gd name="connsiteX1" fmla="*/ 535422 w 535422"/>
+                <a:gd name="connsiteY1" fmla="*/ 25186 h 1124687"/>
+                <a:gd name="connsiteX2" fmla="*/ 456541 w 535422"/>
+                <a:gd name="connsiteY2" fmla="*/ 33138 h 1124687"/>
+                <a:gd name="connsiteX3" fmla="*/ 25399 w 535422"/>
+                <a:gd name="connsiteY3" fmla="*/ 562130 h 1124687"/>
+                <a:gd name="connsiteX4" fmla="*/ 456541 w 535422"/>
+                <a:gd name="connsiteY4" fmla="*/ 1091123 h 1124687"/>
+                <a:gd name="connsiteX5" fmla="*/ 535422 w 535422"/>
+                <a:gd name="connsiteY5" fmla="*/ 1099075 h 1124687"/>
+                <a:gd name="connsiteX6" fmla="*/ 535422 w 535422"/>
+                <a:gd name="connsiteY6" fmla="*/ 1124687 h 1124687"/>
+                <a:gd name="connsiteX7" fmla="*/ 451423 w 535422"/>
+                <a:gd name="connsiteY7" fmla="*/ 1116219 h 1124687"/>
+                <a:gd name="connsiteX8" fmla="*/ 0 w 535422"/>
+                <a:gd name="connsiteY8" fmla="*/ 562343 h 1124687"/>
+                <a:gd name="connsiteX9" fmla="*/ 451423 w 535422"/>
+                <a:gd name="connsiteY9" fmla="*/ 8468 h 1124687"/>
+              </a:gdLst>
+              <a:ahLst/>
+              <a:cxnLst>
+                <a:cxn ang="0">
+                  <a:pos x="connsiteX0" y="connsiteY0"/>
+                </a:cxn>
+                <a:cxn ang="0">
+                  <a:pos x="connsiteX1" y="connsiteY1"/>
+                </a:cxn>
+                <a:cxn ang="0">
+                  <a:pos x="connsiteX2" y="connsiteY2"/>
+                </a:cxn>
+                <a:cxn ang="0">
+                  <a:pos x="connsiteX3" y="connsiteY3"/>
+                </a:cxn>
+                <a:cxn ang="0">
+                  <a:pos x="connsiteX4" y="connsiteY4"/>
+                </a:cxn>
+                <a:cxn ang="0">
+                  <a:pos x="connsiteX5" y="connsiteY5"/>
+                </a:cxn>
+                <a:cxn ang="0">
+                  <a:pos x="connsiteX6" y="connsiteY6"/>
+                </a:cxn>
+                <a:cxn ang="0">
+                  <a:pos x="connsiteX7" y="connsiteY7"/>
+                </a:cxn>
+                <a:cxn ang="0">
+                  <a:pos x="connsiteX8" y="connsiteY8"/>
+                </a:cxn>
+                <a:cxn ang="0">
+                  <a:pos x="connsiteX9" y="connsiteY9"/>
+                </a:cxn>
+              </a:cxnLst>
+              <a:rect l="l" t="t" r="r" b="b"/>
+              <a:pathLst>
+                <a:path w="535422" h="1124687">
+                  <a:moveTo>
+                    <a:pt x="535422" y="0"/>
+                  </a:moveTo>
+                  <a:lnTo>
+                    <a:pt x="535422" y="25186"/>
+                  </a:lnTo>
+                  <a:lnTo>
+                    <a:pt x="456541" y="33138"/>
+                  </a:lnTo>
+                  <a:cubicBezTo>
+                    <a:pt x="210489" y="83487"/>
+                    <a:pt x="25399" y="301194"/>
+                    <a:pt x="25399" y="562130"/>
+                  </a:cubicBezTo>
+                  <a:cubicBezTo>
+                    <a:pt x="25399" y="823067"/>
+                    <a:pt x="210489" y="1040774"/>
+                    <a:pt x="456541" y="1091123"/>
+                  </a:cubicBezTo>
+                  <a:lnTo>
+                    <a:pt x="535422" y="1099075"/>
+                  </a:lnTo>
+                  <a:lnTo>
+                    <a:pt x="535422" y="1124687"/>
+                  </a:lnTo>
+                  <a:lnTo>
+                    <a:pt x="451423" y="1116219"/>
+                  </a:lnTo>
+                  <a:cubicBezTo>
+                    <a:pt x="193797" y="1063501"/>
+                    <a:pt x="0" y="835554"/>
+                    <a:pt x="0" y="562343"/>
+                  </a:cubicBezTo>
+                  <a:cubicBezTo>
+                    <a:pt x="0" y="289132"/>
+                    <a:pt x="193797" y="61185"/>
+                    <a:pt x="451423" y="8468"/>
+                  </a:cubicBezTo>
+                  <a:close/>
+                </a:path>
+              </a:pathLst>
+            </a:custGeom>
+            <a:solidFill>
+              <a:schemeClr val="tx1"/>
+            </a:solidFill>
+            <a:ln>
+              <a:noFill/>
+            </a:ln>
+          </p:spPr>
+          <p:style>
+            <a:lnRef idx="2">
+              <a:schemeClr val="accent1">
+                <a:shade val="50000"/>
+              </a:schemeClr>
+            </a:lnRef>
+            <a:fillRef idx="1">
+              <a:schemeClr val="accent1"/>
+            </a:fillRef>
+            <a:effectRef idx="0">
+              <a:schemeClr val="accent1"/>
+            </a:effectRef>
+            <a:fontRef idx="minor">
+              <a:schemeClr val="lt1"/>
+            </a:fontRef>
+          </p:style>
+          <p:txBody>
+            <a:bodyPr wrap="square" rtlCol="0" anchor="ctr">
+              <a:noAutofit/>
+            </a:bodyPr>
+            <a:lstStyle/>
+            <a:p>
+              <a:pPr algn="ctr"/>
+              <a:endParaRPr lang="en-US"/>
+            </a:p>
+          </p:txBody>
+        </p:sp>
+        <p:sp>
+          <p:nvSpPr>
+            <p:cNvPr id="1083" name="Freeform 45">
+              <a:extLst>
+                <a:ext uri="{FF2B5EF4-FFF2-40B4-BE49-F238E27FC236}">
+                  <a16:creationId xmlns:a16="http://schemas.microsoft.com/office/drawing/2014/main" id="{61BFE2D7-8646-5943-87D5-C6A9CDF689BD}"/>
+                </a:ext>
+                <a:ext uri="{C183D7F6-B498-43B3-948B-1728B52AA6E4}">
+                  <adec:decorative xmlns:adec="http://schemas.microsoft.com/office/drawing/2017/decorative" val="1"/>
+                </a:ext>
+              </a:extLst>
+            </p:cNvPr>
+            <p:cNvSpPr/>
+            <p:nvPr>
+              <p:extLst>
+                <p:ext uri="{386F3935-93C4-4BCD-93E2-E3B085C9AB24}">
+                  <p16:designElem xmlns:p16="http://schemas.microsoft.com/office/powerpoint/2015/main" val="1"/>
+                </p:ext>
+              </p:extLst>
+            </p:nvPr>
+          </p:nvSpPr>
+          <p:spPr>
+            <a:xfrm>
+              <a:off x="10291746" y="806365"/>
+              <a:ext cx="1130726" cy="1130724"/>
+            </a:xfrm>
+            <a:custGeom>
+              <a:avLst/>
+              <a:gdLst>
+                <a:gd name="connsiteX0" fmla="*/ 565363 w 1130726"/>
+                <a:gd name="connsiteY0" fmla="*/ 25186 h 1130724"/>
+                <a:gd name="connsiteX1" fmla="*/ 25399 w 1130726"/>
+                <a:gd name="connsiteY1" fmla="*/ 565149 h 1130724"/>
+                <a:gd name="connsiteX2" fmla="*/ 565363 w 1130726"/>
+                <a:gd name="connsiteY2" fmla="*/ 1105112 h 1130724"/>
+                <a:gd name="connsiteX3" fmla="*/ 1105327 w 1130726"/>
+                <a:gd name="connsiteY3" fmla="*/ 565149 h 1130724"/>
+                <a:gd name="connsiteX4" fmla="*/ 565363 w 1130726"/>
+                <a:gd name="connsiteY4" fmla="*/ 25186 h 1130724"/>
+                <a:gd name="connsiteX5" fmla="*/ 565363 w 1130726"/>
+                <a:gd name="connsiteY5" fmla="*/ 0 h 1130724"/>
+                <a:gd name="connsiteX6" fmla="*/ 1130726 w 1130726"/>
+                <a:gd name="connsiteY6" fmla="*/ 565362 h 1130724"/>
+                <a:gd name="connsiteX7" fmla="*/ 565363 w 1130726"/>
+                <a:gd name="connsiteY7" fmla="*/ 1130724 h 1130724"/>
+                <a:gd name="connsiteX8" fmla="*/ 0 w 1130726"/>
+                <a:gd name="connsiteY8" fmla="*/ 565362 h 1130724"/>
+                <a:gd name="connsiteX9" fmla="*/ 565363 w 1130726"/>
+                <a:gd name="connsiteY9" fmla="*/ 0 h 1130724"/>
+              </a:gdLst>
+              <a:ahLst/>
+              <a:cxnLst>
+                <a:cxn ang="0">
+                  <a:pos x="connsiteX0" y="connsiteY0"/>
+                </a:cxn>
+                <a:cxn ang="0">
+                  <a:pos x="connsiteX1" y="connsiteY1"/>
+                </a:cxn>
+                <a:cxn ang="0">
+                  <a:pos x="connsiteX2" y="connsiteY2"/>
+                </a:cxn>
+                <a:cxn ang="0">
+                  <a:pos x="connsiteX3" y="connsiteY3"/>
+                </a:cxn>
+                <a:cxn ang="0">
+                  <a:pos x="connsiteX4" y="connsiteY4"/>
+                </a:cxn>
+                <a:cxn ang="0">
+                  <a:pos x="connsiteX5" y="connsiteY5"/>
+                </a:cxn>
+                <a:cxn ang="0">
+                  <a:pos x="connsiteX6" y="connsiteY6"/>
+                </a:cxn>
+                <a:cxn ang="0">
+                  <a:pos x="connsiteX7" y="connsiteY7"/>
+                </a:cxn>
+                <a:cxn ang="0">
+                  <a:pos x="connsiteX8" y="connsiteY8"/>
+                </a:cxn>
+                <a:cxn ang="0">
+                  <a:pos x="connsiteX9" y="connsiteY9"/>
+                </a:cxn>
+              </a:cxnLst>
+              <a:rect l="l" t="t" r="r" b="b"/>
+              <a:pathLst>
+                <a:path w="1130726" h="1130724">
+                  <a:moveTo>
+                    <a:pt x="565363" y="25186"/>
+                  </a:moveTo>
+                  <a:cubicBezTo>
+                    <a:pt x="267149" y="25186"/>
+                    <a:pt x="25399" y="266936"/>
+                    <a:pt x="25399" y="565149"/>
+                  </a:cubicBezTo>
+                  <a:cubicBezTo>
+                    <a:pt x="25399" y="863362"/>
+                    <a:pt x="267149" y="1105112"/>
+                    <a:pt x="565363" y="1105112"/>
+                  </a:cubicBezTo>
+                  <a:cubicBezTo>
+                    <a:pt x="863577" y="1105112"/>
+                    <a:pt x="1105327" y="863362"/>
+                    <a:pt x="1105327" y="565149"/>
+                  </a:cubicBezTo>
+                  <a:cubicBezTo>
+                    <a:pt x="1105327" y="266936"/>
+                    <a:pt x="863577" y="25186"/>
+                    <a:pt x="565363" y="25186"/>
+                  </a:cubicBezTo>
+                  <a:close/>
+                  <a:moveTo>
+                    <a:pt x="565363" y="0"/>
+                  </a:moveTo>
+                  <a:cubicBezTo>
+                    <a:pt x="877604" y="0"/>
+                    <a:pt x="1130726" y="253121"/>
+                    <a:pt x="1130726" y="565362"/>
+                  </a:cubicBezTo>
+                  <a:cubicBezTo>
+                    <a:pt x="1130726" y="877603"/>
+                    <a:pt x="877604" y="1130724"/>
+                    <a:pt x="565363" y="1130724"/>
+                  </a:cubicBezTo>
+                  <a:cubicBezTo>
+                    <a:pt x="253122" y="1130724"/>
+                    <a:pt x="0" y="877603"/>
+                    <a:pt x="0" y="565362"/>
+                  </a:cubicBezTo>
+                  <a:cubicBezTo>
+                    <a:pt x="0" y="253121"/>
+                    <a:pt x="253122" y="0"/>
+                    <a:pt x="565363" y="0"/>
+                  </a:cubicBezTo>
+                  <a:close/>
+                </a:path>
+              </a:pathLst>
+            </a:custGeom>
+            <a:solidFill>
+              <a:schemeClr val="tx1"/>
+            </a:solidFill>
+            <a:ln>
+              <a:noFill/>
+            </a:ln>
+          </p:spPr>
+          <p:style>
+            <a:lnRef idx="2">
+              <a:schemeClr val="accent1">
+                <a:shade val="50000"/>
+              </a:schemeClr>
+            </a:lnRef>
+            <a:fillRef idx="1">
+              <a:schemeClr val="accent1"/>
+            </a:fillRef>
+            <a:effectRef idx="0">
+              <a:schemeClr val="accent1"/>
+            </a:effectRef>
+            <a:fontRef idx="minor">
+              <a:schemeClr val="lt1"/>
+            </a:fontRef>
+          </p:style>
+          <p:txBody>
+            <a:bodyPr wrap="square" rtlCol="0" anchor="ctr">
+              <a:noAutofit/>
+            </a:bodyPr>
+            <a:lstStyle/>
+            <a:p>
+              <a:pPr algn="ctr"/>
+              <a:endParaRPr lang="en-US"/>
+            </a:p>
+          </p:txBody>
+        </p:sp>
+        <p:sp>
+          <p:nvSpPr>
+            <p:cNvPr id="1084" name="Freeform 46">
+              <a:extLst>
+                <a:ext uri="{FF2B5EF4-FFF2-40B4-BE49-F238E27FC236}">
+                  <a16:creationId xmlns:a16="http://schemas.microsoft.com/office/drawing/2014/main" id="{6FFCD48C-239D-ED44-879B-9E5DD00DEAC2}"/>
+                </a:ext>
+                <a:ext uri="{C183D7F6-B498-43B3-948B-1728B52AA6E4}">
+                  <adec:decorative xmlns:adec="http://schemas.microsoft.com/office/drawing/2017/decorative" val="1"/>
+                </a:ext>
+              </a:extLst>
+            </p:cNvPr>
+            <p:cNvSpPr/>
+            <p:nvPr>
+              <p:extLst>
+                <p:ext uri="{386F3935-93C4-4BCD-93E2-E3B085C9AB24}">
+                  <p16:designElem xmlns:p16="http://schemas.microsoft.com/office/powerpoint/2015/main" val="1"/>
+                </p:ext>
+              </p:extLst>
+            </p:nvPr>
+          </p:nvSpPr>
+          <p:spPr>
+            <a:xfrm>
+              <a:off x="11656578" y="3552837"/>
+              <a:ext cx="535422" cy="1124688"/>
+            </a:xfrm>
+            <a:custGeom>
+              <a:avLst/>
+              <a:gdLst>
+                <a:gd name="connsiteX0" fmla="*/ 535422 w 535422"/>
+                <a:gd name="connsiteY0" fmla="*/ 0 h 1124688"/>
+                <a:gd name="connsiteX1" fmla="*/ 535422 w 535422"/>
+                <a:gd name="connsiteY1" fmla="*/ 25186 h 1124688"/>
+                <a:gd name="connsiteX2" fmla="*/ 456541 w 535422"/>
+                <a:gd name="connsiteY2" fmla="*/ 33138 h 1124688"/>
+                <a:gd name="connsiteX3" fmla="*/ 25399 w 535422"/>
+                <a:gd name="connsiteY3" fmla="*/ 562131 h 1124688"/>
+                <a:gd name="connsiteX4" fmla="*/ 456541 w 535422"/>
+                <a:gd name="connsiteY4" fmla="*/ 1091124 h 1124688"/>
+                <a:gd name="connsiteX5" fmla="*/ 535422 w 535422"/>
+                <a:gd name="connsiteY5" fmla="*/ 1099076 h 1124688"/>
+                <a:gd name="connsiteX6" fmla="*/ 535422 w 535422"/>
+                <a:gd name="connsiteY6" fmla="*/ 1124688 h 1124688"/>
+                <a:gd name="connsiteX7" fmla="*/ 451423 w 535422"/>
+                <a:gd name="connsiteY7" fmla="*/ 1116220 h 1124688"/>
+                <a:gd name="connsiteX8" fmla="*/ 0 w 535422"/>
+                <a:gd name="connsiteY8" fmla="*/ 562344 h 1124688"/>
+                <a:gd name="connsiteX9" fmla="*/ 451423 w 535422"/>
+                <a:gd name="connsiteY9" fmla="*/ 8468 h 1124688"/>
+              </a:gdLst>
+              <a:ahLst/>
+              <a:cxnLst>
+                <a:cxn ang="0">
+                  <a:pos x="connsiteX0" y="connsiteY0"/>
+                </a:cxn>
+                <a:cxn ang="0">
+                  <a:pos x="connsiteX1" y="connsiteY1"/>
+                </a:cxn>
+                <a:cxn ang="0">
+                  <a:pos x="connsiteX2" y="connsiteY2"/>
+                </a:cxn>
+                <a:cxn ang="0">
+                  <a:pos x="connsiteX3" y="connsiteY3"/>
+                </a:cxn>
+                <a:cxn ang="0">
+                  <a:pos x="connsiteX4" y="connsiteY4"/>
+                </a:cxn>
+                <a:cxn ang="0">
+                  <a:pos x="connsiteX5" y="connsiteY5"/>
+                </a:cxn>
+                <a:cxn ang="0">
+                  <a:pos x="connsiteX6" y="connsiteY6"/>
+                </a:cxn>
+                <a:cxn ang="0">
+                  <a:pos x="connsiteX7" y="connsiteY7"/>
+                </a:cxn>
+                <a:cxn ang="0">
+                  <a:pos x="connsiteX8" y="connsiteY8"/>
+                </a:cxn>
+                <a:cxn ang="0">
+                  <a:pos x="connsiteX9" y="connsiteY9"/>
+                </a:cxn>
+              </a:cxnLst>
+              <a:rect l="l" t="t" r="r" b="b"/>
+              <a:pathLst>
+                <a:path w="535422" h="1124688">
+                  <a:moveTo>
+                    <a:pt x="535422" y="0"/>
+                  </a:moveTo>
+                  <a:lnTo>
+                    <a:pt x="535422" y="25186"/>
+                  </a:lnTo>
+                  <a:lnTo>
+                    <a:pt x="456541" y="33138"/>
+                  </a:lnTo>
+                  <a:cubicBezTo>
+                    <a:pt x="210489" y="83488"/>
+                    <a:pt x="25399" y="301195"/>
+                    <a:pt x="25399" y="562131"/>
+                  </a:cubicBezTo>
+                  <a:cubicBezTo>
+                    <a:pt x="25399" y="823068"/>
+                    <a:pt x="210489" y="1040775"/>
+                    <a:pt x="456541" y="1091124"/>
+                  </a:cubicBezTo>
+                  <a:lnTo>
+                    <a:pt x="535422" y="1099076"/>
+                  </a:lnTo>
+                  <a:lnTo>
+                    <a:pt x="535422" y="1124688"/>
+                  </a:lnTo>
+                  <a:lnTo>
+                    <a:pt x="451423" y="1116220"/>
+                  </a:lnTo>
+                  <a:cubicBezTo>
+                    <a:pt x="193797" y="1063502"/>
+                    <a:pt x="0" y="835555"/>
+                    <a:pt x="0" y="562344"/>
+                  </a:cubicBezTo>
+                  <a:cubicBezTo>
+                    <a:pt x="0" y="289133"/>
+                    <a:pt x="193797" y="61186"/>
+                    <a:pt x="451423" y="8468"/>
+                  </a:cubicBezTo>
+                  <a:close/>
+                </a:path>
+              </a:pathLst>
+            </a:custGeom>
+            <a:solidFill>
+              <a:schemeClr val="tx1"/>
+            </a:solidFill>
+            <a:ln>
+              <a:noFill/>
+            </a:ln>
+          </p:spPr>
+          <p:style>
+            <a:lnRef idx="2">
+              <a:schemeClr val="accent1">
+                <a:shade val="50000"/>
+              </a:schemeClr>
+            </a:lnRef>
+            <a:fillRef idx="1">
+              <a:schemeClr val="accent1"/>
+            </a:fillRef>
+            <a:effectRef idx="0">
+              <a:schemeClr val="accent1"/>
+            </a:effectRef>
+            <a:fontRef idx="minor">
+              <a:schemeClr val="lt1"/>
+            </a:fontRef>
+          </p:style>
+          <p:txBody>
+            <a:bodyPr wrap="square" rtlCol="0" anchor="ctr">
+              <a:noAutofit/>
+            </a:bodyPr>
+            <a:lstStyle/>
+            <a:p>
+              <a:pPr algn="ctr"/>
+              <a:endParaRPr lang="en-US"/>
+            </a:p>
+          </p:txBody>
+        </p:sp>
+        <p:sp>
+          <p:nvSpPr>
+            <p:cNvPr id="1085" name="Freeform 47">
+              <a:extLst>
+                <a:ext uri="{FF2B5EF4-FFF2-40B4-BE49-F238E27FC236}">
+                  <a16:creationId xmlns:a16="http://schemas.microsoft.com/office/drawing/2014/main" id="{55CCAE64-959A-BC4A-A123-FC9283192D1A}"/>
+                </a:ext>
+                <a:ext uri="{C183D7F6-B498-43B3-948B-1728B52AA6E4}">
+                  <adec:decorative xmlns:adec="http://schemas.microsoft.com/office/drawing/2017/decorative" val="1"/>
+                </a:ext>
+              </a:extLst>
+            </p:cNvPr>
+            <p:cNvSpPr/>
+            <p:nvPr>
+              <p:extLst>
+                <p:ext uri="{386F3935-93C4-4BCD-93E2-E3B085C9AB24}">
+                  <p16:designElem xmlns:p16="http://schemas.microsoft.com/office/powerpoint/2015/main" val="1"/>
+                </p:ext>
+              </p:extLst>
+            </p:nvPr>
+          </p:nvSpPr>
+          <p:spPr>
+            <a:xfrm>
+              <a:off x="11656642" y="6295916"/>
+              <a:ext cx="535358" cy="562084"/>
+            </a:xfrm>
+            <a:custGeom>
+              <a:avLst/>
+              <a:gdLst>
+                <a:gd name="connsiteX0" fmla="*/ 535358 w 535358"/>
+                <a:gd name="connsiteY0" fmla="*/ 0 h 562084"/>
+                <a:gd name="connsiteX1" fmla="*/ 535358 w 535358"/>
+                <a:gd name="connsiteY1" fmla="*/ 25186 h 562084"/>
+                <a:gd name="connsiteX2" fmla="*/ 469717 w 535358"/>
+                <a:gd name="connsiteY2" fmla="*/ 30978 h 562084"/>
+                <a:gd name="connsiteX3" fmla="*/ 36306 w 535358"/>
+                <a:gd name="connsiteY3" fmla="*/ 453686 h 562084"/>
+                <a:gd name="connsiteX4" fmla="*/ 25378 w 535358"/>
+                <a:gd name="connsiteY4" fmla="*/ 562084 h 562084"/>
+                <a:gd name="connsiteX5" fmla="*/ 0 w 535358"/>
+                <a:gd name="connsiteY5" fmla="*/ 562084 h 562084"/>
+                <a:gd name="connsiteX6" fmla="*/ 11423 w 535358"/>
+                <a:gd name="connsiteY6" fmla="*/ 448780 h 562084"/>
+                <a:gd name="connsiteX7" fmla="*/ 465221 w 535358"/>
+                <a:gd name="connsiteY7" fmla="*/ 6189 h 562084"/>
+              </a:gdLst>
+              <a:ahLst/>
+              <a:cxnLst>
+                <a:cxn ang="0">
+                  <a:pos x="connsiteX0" y="connsiteY0"/>
+                </a:cxn>
+                <a:cxn ang="0">
+                  <a:pos x="connsiteX1" y="connsiteY1"/>
+                </a:cxn>
+                <a:cxn ang="0">
+                  <a:pos x="connsiteX2" y="connsiteY2"/>
+                </a:cxn>
+                <a:cxn ang="0">
+                  <a:pos x="connsiteX3" y="connsiteY3"/>
+                </a:cxn>
+                <a:cxn ang="0">
+                  <a:pos x="connsiteX4" y="connsiteY4"/>
+                </a:cxn>
+                <a:cxn ang="0">
+                  <a:pos x="connsiteX5" y="connsiteY5"/>
+                </a:cxn>
+                <a:cxn ang="0">
+                  <a:pos x="connsiteX6" y="connsiteY6"/>
+                </a:cxn>
+                <a:cxn ang="0">
+                  <a:pos x="connsiteX7" y="connsiteY7"/>
+                </a:cxn>
+              </a:cxnLst>
+              <a:rect l="l" t="t" r="r" b="b"/>
+              <a:pathLst>
+                <a:path w="535358" h="562084">
+                  <a:moveTo>
+                    <a:pt x="535358" y="0"/>
+                  </a:moveTo>
+                  <a:lnTo>
+                    <a:pt x="535358" y="25186"/>
+                  </a:lnTo>
+                  <a:lnTo>
+                    <a:pt x="469717" y="30978"/>
+                  </a:lnTo>
+                  <a:cubicBezTo>
+                    <a:pt x="252550" y="69769"/>
+                    <a:pt x="80361" y="238391"/>
+                    <a:pt x="36306" y="453686"/>
+                  </a:cubicBezTo>
+                  <a:lnTo>
+                    <a:pt x="25378" y="562084"/>
+                  </a:lnTo>
+                  <a:lnTo>
+                    <a:pt x="0" y="562084"/>
+                  </a:lnTo>
+                  <a:lnTo>
+                    <a:pt x="11423" y="448780"/>
+                  </a:lnTo>
+                  <a:cubicBezTo>
+                    <a:pt x="57551" y="223357"/>
+                    <a:pt x="237840" y="46805"/>
+                    <a:pt x="465221" y="6189"/>
+                  </a:cubicBezTo>
+                  <a:close/>
+                </a:path>
+              </a:pathLst>
+            </a:custGeom>
+            <a:solidFill>
+              <a:schemeClr val="tx1"/>
+            </a:solidFill>
+            <a:ln>
+              <a:noFill/>
+            </a:ln>
+          </p:spPr>
+          <p:style>
+            <a:lnRef idx="2">
+              <a:schemeClr val="accent1">
+                <a:shade val="50000"/>
+              </a:schemeClr>
+            </a:lnRef>
+            <a:fillRef idx="1">
+              <a:schemeClr val="accent1"/>
+            </a:fillRef>
+            <a:effectRef idx="0">
+              <a:schemeClr val="accent1"/>
+            </a:effectRef>
+            <a:fontRef idx="minor">
+              <a:schemeClr val="lt1"/>
+            </a:fontRef>
+          </p:style>
+          <p:txBody>
+            <a:bodyPr wrap="square" rtlCol="0" anchor="ctr">
+              <a:noAutofit/>
+            </a:bodyPr>
+            <a:lstStyle/>
+            <a:p>
+              <a:pPr algn="ctr"/>
+              <a:endParaRPr lang="en-US"/>
+            </a:p>
+          </p:txBody>
+        </p:sp>
+      </p:grpSp>
+      <p:sp>
+        <p:nvSpPr>
+          <p:cNvPr id="4" name="TextBox 3">
+            <a:extLst>
+              <a:ext uri="{FF2B5EF4-FFF2-40B4-BE49-F238E27FC236}">
+                <a16:creationId xmlns:a16="http://schemas.microsoft.com/office/drawing/2014/main" id="{B3AFFFB9-EFDF-12D3-3F7B-3081508EB3FD}"/>
+              </a:ext>
+            </a:extLst>
+          </p:cNvPr>
+          <p:cNvSpPr txBox="1"/>
+          <p:nvPr/>
+        </p:nvSpPr>
+        <p:spPr>
+          <a:xfrm>
+            <a:off x="8907543" y="6573147"/>
+            <a:ext cx="4795758" cy="230832"/>
+          </a:xfrm>
+          <a:prstGeom prst="rect">
+            <a:avLst/>
+          </a:prstGeom>
+          <a:noFill/>
+        </p:spPr>
+        <p:txBody>
+          <a:bodyPr wrap="square" rtlCol="0">
+            <a:spAutoFit/>
+          </a:bodyPr>
+          <a:lstStyle/>
+          <a:p>
+            <a:r>
+              <a:rPr lang="en-US" sz="900" dirty="0">
+                <a:solidFill>
+                  <a:schemeClr val="bg1"/>
+                </a:solidFill>
+              </a:rPr>
+              <a:t>Image Source: </a:t>
+            </a:r>
+            <a:r>
+              <a:rPr lang="en-US" sz="900" dirty="0">
+                <a:solidFill>
+                  <a:schemeClr val="bg1"/>
+                </a:solidFill>
+                <a:hlinkClick r:id="rId3">
+                  <a:extLst>
+                    <a:ext uri="{A12FA001-AC4F-418D-AE19-62706E023703}">
+                      <ahyp:hlinkClr xmlns:ahyp="http://schemas.microsoft.com/office/drawing/2018/hyperlinkcolor" val="tx"/>
+                    </a:ext>
+                  </a:extLst>
+                </a:hlinkClick>
+              </a:rPr>
+              <a:t>https://i.redd.it/2g9njmrqq7o11.jpg</a:t>
+            </a:r>
+            <a:r>
+              <a:rPr lang="en-US" sz="900" dirty="0">
+                <a:solidFill>
+                  <a:schemeClr val="bg1"/>
+                </a:solidFill>
+              </a:rPr>
+              <a:t> </a:t>
+            </a:r>
           </a:p>
         </p:txBody>
       </p:sp>
@@ -16114,7 +17644,7 @@
     </p:extLst>
   </p:cSld>
   <p:clrMapOvr>
-    <a:masterClrMapping/>
+    <a:overrideClrMapping bg1="dk1" tx1="lt1" bg2="dk2" tx2="lt2" accent1="accent1" accent2="accent2" accent3="accent3" accent4="accent4" accent5="accent5" accent6="accent6" hlink="hlink" folHlink="folHlink"/>
   </p:clrMapOvr>
 </p:sld>
 </file>
@@ -16351,7 +17881,34 @@
           <a:bodyPr/>
           <a:lstStyle/>
           <a:p>
-            <a:endParaRPr lang="en-US"/>
+            <a:r>
+              <a:rPr lang="en-US" dirty="0">
+                <a:hlinkClick r:id="rId2"/>
+              </a:rPr>
+              <a:t>https://www.gamedeveloper.com/programming/rendering-and-simulation-in-offroad-driving-game</a:t>
+            </a:r>
+            <a:endParaRPr lang="en-US" dirty="0"/>
+          </a:p>
+          <a:p>
+            <a:r>
+              <a:rPr lang="en-US" dirty="0">
+                <a:hlinkClick r:id="rId3"/>
+              </a:rPr>
+              <a:t>https://www.gamedeveloper.com/programming/mud-and-water-of-spintires-mudrunner</a:t>
+            </a:r>
+            <a:endParaRPr lang="en-US" dirty="0"/>
+          </a:p>
+          <a:p>
+            <a:r>
+              <a:rPr lang="en-US" dirty="0">
+                <a:hlinkClick r:id="rId4"/>
+              </a:rPr>
+              <a:t>https://www.gamedev.net/forums/topic/700247-snow-physics-in-red-dead-redemption-2/5396779/</a:t>
+            </a:r>
+            <a:endParaRPr lang="en-US" dirty="0"/>
+          </a:p>
+          <a:p>
+            <a:endParaRPr lang="en-US" dirty="0"/>
           </a:p>
         </p:txBody>
       </p:sp>

--- a/Final Presentation.pptx
+++ b/Final Presentation.pptx
@@ -10,7 +10,8 @@
     <p:sldId id="258" r:id="rId4"/>
     <p:sldId id="259" r:id="rId5"/>
     <p:sldId id="260" r:id="rId6"/>
-    <p:sldId id="261" r:id="rId7"/>
+    <p:sldId id="262" r:id="rId7"/>
+    <p:sldId id="261" r:id="rId8"/>
   </p:sldIdLst>
   <p:sldSz cx="12192000" cy="6858000"/>
   <p:notesSz cx="6858000" cy="9144000"/>
@@ -121,6 +122,7 @@
 <p1510:revInfo xmlns:a="http://schemas.openxmlformats.org/drawingml/2006/main" xmlns:r="http://schemas.openxmlformats.org/officeDocument/2006/relationships" xmlns:p1510="http://schemas.microsoft.com/office/powerpoint/2015/10/main">
   <p1510:revLst>
     <p1510:client id="{9EE1D27E-1395-4470-A819-F6C36C9AD9DC}" v="7" dt="2023-04-24T03:31:03.711"/>
+    <p1510:client id="{DC3CD1CE-7044-45EB-AB96-145D1892206F}" v="329" dt="2023-04-26T19:07:25.930"/>
   </p1510:revLst>
 </p1510:revInfo>
 </file>
@@ -576,6 +578,146 @@
       </pc:sldMasterChg>
     </pc:docChg>
   </pc:docChgLst>
+  <pc:docChgLst>
+    <pc:chgData name="Colter Snyder" userId="3db5c1c0dcb95236" providerId="Windows Live" clId="Web-{DC3CD1CE-7044-45EB-AB96-145D1892206F}"/>
+    <pc:docChg chg="addSld modSld">
+      <pc:chgData name="Colter Snyder" userId="3db5c1c0dcb95236" providerId="Windows Live" clId="Web-{DC3CD1CE-7044-45EB-AB96-145D1892206F}" dt="2023-04-26T19:07:40.790" v="326"/>
+      <pc:docMkLst>
+        <pc:docMk/>
+      </pc:docMkLst>
+      <pc:sldChg chg="modSp">
+        <pc:chgData name="Colter Snyder" userId="3db5c1c0dcb95236" providerId="Windows Live" clId="Web-{DC3CD1CE-7044-45EB-AB96-145D1892206F}" dt="2023-04-26T19:03:40.853" v="75" actId="20577"/>
+        <pc:sldMkLst>
+          <pc:docMk/>
+          <pc:sldMk cId="4119123871" sldId="257"/>
+        </pc:sldMkLst>
+        <pc:spChg chg="mod">
+          <ac:chgData name="Colter Snyder" userId="3db5c1c0dcb95236" providerId="Windows Live" clId="Web-{DC3CD1CE-7044-45EB-AB96-145D1892206F}" dt="2023-04-26T19:03:40.853" v="75" actId="20577"/>
+          <ac:spMkLst>
+            <pc:docMk/>
+            <pc:sldMk cId="4119123871" sldId="257"/>
+            <ac:spMk id="3" creationId="{447CB7AA-AE8B-AEC1-608D-D60695A0B2BC}"/>
+          </ac:spMkLst>
+        </pc:spChg>
+      </pc:sldChg>
+      <pc:sldChg chg="modSp">
+        <pc:chgData name="Colter Snyder" userId="3db5c1c0dcb95236" providerId="Windows Live" clId="Web-{DC3CD1CE-7044-45EB-AB96-145D1892206F}" dt="2023-04-26T19:04:13.277" v="104" actId="20577"/>
+        <pc:sldMkLst>
+          <pc:docMk/>
+          <pc:sldMk cId="1660258793" sldId="258"/>
+        </pc:sldMkLst>
+        <pc:spChg chg="mod">
+          <ac:chgData name="Colter Snyder" userId="3db5c1c0dcb95236" providerId="Windows Live" clId="Web-{DC3CD1CE-7044-45EB-AB96-145D1892206F}" dt="2023-04-26T19:04:13.277" v="104" actId="20577"/>
+          <ac:spMkLst>
+            <pc:docMk/>
+            <pc:sldMk cId="1660258793" sldId="258"/>
+            <ac:spMk id="1076" creationId="{004F9011-948C-06D2-ABA2-1EE180072D2B}"/>
+          </ac:spMkLst>
+        </pc:spChg>
+      </pc:sldChg>
+      <pc:sldChg chg="modSp">
+        <pc:chgData name="Colter Snyder" userId="3db5c1c0dcb95236" providerId="Windows Live" clId="Web-{DC3CD1CE-7044-45EB-AB96-145D1892206F}" dt="2023-04-26T19:05:49.205" v="273" actId="20577"/>
+        <pc:sldMkLst>
+          <pc:docMk/>
+          <pc:sldMk cId="697402510" sldId="259"/>
+        </pc:sldMkLst>
+        <pc:spChg chg="mod">
+          <ac:chgData name="Colter Snyder" userId="3db5c1c0dcb95236" providerId="Windows Live" clId="Web-{DC3CD1CE-7044-45EB-AB96-145D1892206F}" dt="2023-04-26T19:05:49.205" v="273" actId="20577"/>
+          <ac:spMkLst>
+            <pc:docMk/>
+            <pc:sldMk cId="697402510" sldId="259"/>
+            <ac:spMk id="3" creationId="{E8B696B3-F604-A992-A577-E622AC630B81}"/>
+          </ac:spMkLst>
+        </pc:spChg>
+      </pc:sldChg>
+      <pc:sldChg chg="modSp">
+        <pc:chgData name="Colter Snyder" userId="3db5c1c0dcb95236" providerId="Windows Live" clId="Web-{DC3CD1CE-7044-45EB-AB96-145D1892206F}" dt="2023-04-26T19:06:40.614" v="320" actId="20577"/>
+        <pc:sldMkLst>
+          <pc:docMk/>
+          <pc:sldMk cId="333375687" sldId="260"/>
+        </pc:sldMkLst>
+        <pc:spChg chg="mod">
+          <ac:chgData name="Colter Snyder" userId="3db5c1c0dcb95236" providerId="Windows Live" clId="Web-{DC3CD1CE-7044-45EB-AB96-145D1892206F}" dt="2023-04-26T19:06:40.614" v="320" actId="20577"/>
+          <ac:spMkLst>
+            <pc:docMk/>
+            <pc:sldMk cId="333375687" sldId="260"/>
+            <ac:spMk id="3" creationId="{EFB33FF7-D867-F9E5-36B1-6B6F40AE8794}"/>
+          </ac:spMkLst>
+        </pc:spChg>
+      </pc:sldChg>
+      <pc:sldChg chg="addSp delSp modSp new mod setBg">
+        <pc:chgData name="Colter Snyder" userId="3db5c1c0dcb95236" providerId="Windows Live" clId="Web-{DC3CD1CE-7044-45EB-AB96-145D1892206F}" dt="2023-04-26T19:07:40.790" v="326"/>
+        <pc:sldMkLst>
+          <pc:docMk/>
+          <pc:sldMk cId="4153305758" sldId="262"/>
+        </pc:sldMkLst>
+        <pc:spChg chg="mod">
+          <ac:chgData name="Colter Snyder" userId="3db5c1c0dcb95236" providerId="Windows Live" clId="Web-{DC3CD1CE-7044-45EB-AB96-145D1892206F}" dt="2023-04-26T19:07:40.790" v="326"/>
+          <ac:spMkLst>
+            <pc:docMk/>
+            <pc:sldMk cId="4153305758" sldId="262"/>
+            <ac:spMk id="2" creationId="{F4FB8D07-D98E-C59B-9971-963038E8B3B8}"/>
+          </ac:spMkLst>
+        </pc:spChg>
+        <pc:spChg chg="del">
+          <ac:chgData name="Colter Snyder" userId="3db5c1c0dcb95236" providerId="Windows Live" clId="Web-{DC3CD1CE-7044-45EB-AB96-145D1892206F}" dt="2023-04-26T19:07:22.179" v="324"/>
+          <ac:spMkLst>
+            <pc:docMk/>
+            <pc:sldMk cId="4153305758" sldId="262"/>
+            <ac:spMk id="3" creationId="{931B69FE-D136-D2BC-9135-E08F409C11D8}"/>
+          </ac:spMkLst>
+        </pc:spChg>
+        <pc:spChg chg="add">
+          <ac:chgData name="Colter Snyder" userId="3db5c1c0dcb95236" providerId="Windows Live" clId="Web-{DC3CD1CE-7044-45EB-AB96-145D1892206F}" dt="2023-04-26T19:07:40.790" v="326"/>
+          <ac:spMkLst>
+            <pc:docMk/>
+            <pc:sldMk cId="4153305758" sldId="262"/>
+            <ac:spMk id="37" creationId="{4EFE82FE-7465-AE46-88DF-34D347E83B84}"/>
+          </ac:spMkLst>
+        </pc:spChg>
+        <pc:grpChg chg="add">
+          <ac:chgData name="Colter Snyder" userId="3db5c1c0dcb95236" providerId="Windows Live" clId="Web-{DC3CD1CE-7044-45EB-AB96-145D1892206F}" dt="2023-04-26T19:07:40.790" v="326"/>
+          <ac:grpSpMkLst>
+            <pc:docMk/>
+            <pc:sldMk cId="4153305758" sldId="262"/>
+            <ac:grpSpMk id="9" creationId="{EB46B8FB-F6A2-5F47-A6CD-A7E17E69270F}"/>
+          </ac:grpSpMkLst>
+        </pc:grpChg>
+        <pc:grpChg chg="add">
+          <ac:chgData name="Colter Snyder" userId="3db5c1c0dcb95236" providerId="Windows Live" clId="Web-{DC3CD1CE-7044-45EB-AB96-145D1892206F}" dt="2023-04-26T19:07:40.790" v="326"/>
+          <ac:grpSpMkLst>
+            <pc:docMk/>
+            <pc:sldMk cId="4153305758" sldId="262"/>
+            <ac:grpSpMk id="41" creationId="{1B5E71B3-7269-894E-A00B-31D341365FC9}"/>
+          </ac:grpSpMkLst>
+        </pc:grpChg>
+        <pc:picChg chg="add mod ord">
+          <ac:chgData name="Colter Snyder" userId="3db5c1c0dcb95236" providerId="Windows Live" clId="Web-{DC3CD1CE-7044-45EB-AB96-145D1892206F}" dt="2023-04-26T19:07:40.790" v="326"/>
+          <ac:picMkLst>
+            <pc:docMk/>
+            <pc:sldMk cId="4153305758" sldId="262"/>
+            <ac:picMk id="4" creationId="{CCC7E42F-4B41-77E4-1CD6-72E46879E038}"/>
+          </ac:picMkLst>
+        </pc:picChg>
+        <pc:cxnChg chg="add">
+          <ac:chgData name="Colter Snyder" userId="3db5c1c0dcb95236" providerId="Windows Live" clId="Web-{DC3CD1CE-7044-45EB-AB96-145D1892206F}" dt="2023-04-26T19:07:40.790" v="326"/>
+          <ac:cxnSpMkLst>
+            <pc:docMk/>
+            <pc:sldMk cId="4153305758" sldId="262"/>
+            <ac:cxnSpMk id="35" creationId="{D33A3282-0389-C547-8CA6-7F3E7F27B34D}"/>
+          </ac:cxnSpMkLst>
+        </pc:cxnChg>
+        <pc:cxnChg chg="add">
+          <ac:chgData name="Colter Snyder" userId="3db5c1c0dcb95236" providerId="Windows Live" clId="Web-{DC3CD1CE-7044-45EB-AB96-145D1892206F}" dt="2023-04-26T19:07:40.790" v="326"/>
+          <ac:cxnSpMkLst>
+            <pc:docMk/>
+            <pc:sldMk cId="4153305758" sldId="262"/>
+            <ac:cxnSpMk id="39" creationId="{EEA70831-9A8D-3B4D-8EA5-EE32F93E94E9}"/>
+          </ac:cxnSpMkLst>
+        </pc:cxnChg>
+      </pc:sldChg>
+    </pc:docChg>
+  </pc:docChgLst>
 </pc:chgInfo>
 </file>
 
@@ -2767,7 +2909,7 @@
             <a:fld id="{A5B0A250-5CC0-1746-B209-08E8B0DAE6AF}" type="datetimeFigureOut">
               <a:rPr lang="en-US" smtClean="0"/>
               <a:pPr algn="l"/>
-              <a:t>4/23/2023</a:t>
+              <a:t>4/26/2023</a:t>
             </a:fld>
             <a:endParaRPr lang="en-US" dirty="0"/>
           </a:p>
@@ -4229,7 +4371,7 @@
           <a:p>
             <a:fld id="{A5B0A250-5CC0-1746-B209-08E8B0DAE6AF}" type="datetimeFigureOut">
               <a:rPr lang="en-US" smtClean="0"/>
-              <a:t>4/23/2023</a:t>
+              <a:t>4/26/2023</a:t>
             </a:fld>
             <a:endParaRPr lang="en-US" dirty="0"/>
           </a:p>
@@ -5159,7 +5301,7 @@
           <a:p>
             <a:fld id="{A5B0A250-5CC0-1746-B209-08E8B0DAE6AF}" type="datetimeFigureOut">
               <a:rPr lang="en-US" smtClean="0"/>
-              <a:t>4/23/2023</a:t>
+              <a:t>4/26/2023</a:t>
             </a:fld>
             <a:endParaRPr lang="en-US"/>
           </a:p>
@@ -6616,7 +6758,7 @@
           <a:p>
             <a:fld id="{A5B0A250-5CC0-1746-B209-08E8B0DAE6AF}" type="datetimeFigureOut">
               <a:rPr lang="en-US" smtClean="0"/>
-              <a:t>4/23/2023</a:t>
+              <a:t>4/26/2023</a:t>
             </a:fld>
             <a:endParaRPr lang="en-US" dirty="0"/>
           </a:p>
@@ -8972,7 +9114,7 @@
           <a:p>
             <a:fld id="{A5B0A250-5CC0-1746-B209-08E8B0DAE6AF}" type="datetimeFigureOut">
               <a:rPr lang="en-US" smtClean="0"/>
-              <a:t>4/23/2023</a:t>
+              <a:t>4/26/2023</a:t>
             </a:fld>
             <a:endParaRPr lang="en-US" dirty="0"/>
           </a:p>
@@ -10013,7 +10155,7 @@
           <a:p>
             <a:fld id="{A5B0A250-5CC0-1746-B209-08E8B0DAE6AF}" type="datetimeFigureOut">
               <a:rPr lang="en-US" smtClean="0"/>
-              <a:t>4/23/2023</a:t>
+              <a:t>4/26/2023</a:t>
             </a:fld>
             <a:endParaRPr lang="en-US" dirty="0"/>
           </a:p>
@@ -11226,7 +11368,7 @@
           <a:p>
             <a:fld id="{A5B0A250-5CC0-1746-B209-08E8B0DAE6AF}" type="datetimeFigureOut">
               <a:rPr lang="en-US" smtClean="0"/>
-              <a:t>4/23/2023</a:t>
+              <a:t>4/26/2023</a:t>
             </a:fld>
             <a:endParaRPr lang="en-US" dirty="0"/>
           </a:p>
@@ -12135,7 +12277,7 @@
           <a:p>
             <a:fld id="{A5B0A250-5CC0-1746-B209-08E8B0DAE6AF}" type="datetimeFigureOut">
               <a:rPr lang="en-US" smtClean="0"/>
-              <a:t>4/23/2023</a:t>
+              <a:t>4/26/2023</a:t>
             </a:fld>
             <a:endParaRPr lang="en-US" dirty="0"/>
           </a:p>
@@ -12294,7 +12436,7 @@
             <a:fld id="{A5B0A250-5CC0-1746-B209-08E8B0DAE6AF}" type="datetimeFigureOut">
               <a:rPr lang="en-US" smtClean="0"/>
               <a:pPr/>
-              <a:t>4/23/2023</a:t>
+              <a:t>4/26/2023</a:t>
             </a:fld>
             <a:endParaRPr lang="en-US" dirty="0"/>
           </a:p>
@@ -13277,7 +13419,7 @@
           <a:p>
             <a:fld id="{A5B0A250-5CC0-1746-B209-08E8B0DAE6AF}" type="datetimeFigureOut">
               <a:rPr lang="en-US" smtClean="0"/>
-              <a:t>4/23/2023</a:t>
+              <a:t>4/26/2023</a:t>
             </a:fld>
             <a:endParaRPr lang="en-US" dirty="0"/>
           </a:p>
@@ -14339,7 +14481,7 @@
           <a:p>
             <a:fld id="{A5B0A250-5CC0-1746-B209-08E8B0DAE6AF}" type="datetimeFigureOut">
               <a:rPr lang="en-US" smtClean="0"/>
-              <a:t>4/23/2023</a:t>
+              <a:t>4/26/2023</a:t>
             </a:fld>
             <a:endParaRPr lang="en-US" dirty="0"/>
           </a:p>
@@ -14627,7 +14769,7 @@
             <a:fld id="{A5B0A250-5CC0-1746-B209-08E8B0DAE6AF}" type="datetimeFigureOut">
               <a:rPr lang="en-US" smtClean="0"/>
               <a:pPr/>
-              <a:t>4/23/2023</a:t>
+              <a:t>4/26/2023</a:t>
             </a:fld>
             <a:endParaRPr lang="en-US" dirty="0"/>
           </a:p>
@@ -16141,10 +16283,21 @@
         </p:nvSpPr>
         <p:spPr/>
         <p:txBody>
-          <a:bodyPr/>
+          <a:bodyPr vert="horz" lIns="91440" tIns="45720" rIns="91440" bIns="45720" rtlCol="0" anchor="t">
+            <a:normAutofit/>
+          </a:bodyPr>
           <a:lstStyle/>
           <a:p>
-            <a:endParaRPr lang="en-US"/>
+            <a:r>
+              <a:rPr lang="en-US" dirty="0"/>
+              <a:t>We have used tessellation shaders for heightmaps</a:t>
+            </a:r>
+          </a:p>
+          <a:p>
+            <a:r>
+              <a:rPr lang="en-US" dirty="0"/>
+              <a:t>What if we could use them for depressions in the ground?</a:t>
+            </a:r>
           </a:p>
         </p:txBody>
       </p:sp>
@@ -16420,7 +16573,7 @@
           </a:xfrm>
         </p:spPr>
         <p:txBody>
-          <a:bodyPr>
+          <a:bodyPr vert="horz" lIns="91440" tIns="45720" rIns="91440" bIns="45720" rtlCol="0" anchor="t">
             <a:normAutofit/>
           </a:bodyPr>
           <a:lstStyle/>
@@ -16435,6 +16588,26 @@
             <a:r>
               <a:rPr lang="en-US" dirty="0"/>
               <a:t>Fantastic Snow Physics</a:t>
+            </a:r>
+          </a:p>
+          <a:p>
+            <a:r>
+              <a:rPr lang="en-US" dirty="0"/>
+              <a:t>Other Games with Great Snow/Mud Physics</a:t>
+            </a:r>
+          </a:p>
+          <a:p>
+            <a:pPr lvl="1"/>
+            <a:r>
+              <a:rPr lang="en-US" dirty="0"/>
+              <a:t>Snow Runner</a:t>
+            </a:r>
+          </a:p>
+          <a:p>
+            <a:pPr lvl="1"/>
+            <a:r>
+              <a:rPr lang="en-US" dirty="0"/>
+              <a:t>Mud Runner</a:t>
             </a:r>
           </a:p>
         </p:txBody>
@@ -17712,10 +17885,47 @@
         </p:nvSpPr>
         <p:spPr/>
         <p:txBody>
-          <a:bodyPr/>
+          <a:bodyPr vert="horz" lIns="91440" tIns="45720" rIns="91440" bIns="45720" rtlCol="0" anchor="t">
+            <a:normAutofit/>
+          </a:bodyPr>
           <a:lstStyle/>
           <a:p>
-            <a:endParaRPr lang="en-US"/>
+            <a:r>
+              <a:rPr lang="en-US" dirty="0"/>
+              <a:t>Similar to the height map!</a:t>
+            </a:r>
+          </a:p>
+          <a:p>
+            <a:pPr lvl="1"/>
+            <a:r>
+              <a:rPr lang="en-US" dirty="0"/>
+              <a:t>Two Options:</a:t>
+            </a:r>
+          </a:p>
+          <a:p>
+            <a:pPr lvl="2"/>
+            <a:r>
+              <a:rPr lang="en-US" dirty="0"/>
+              <a:t>Make the height map have slight variation based on small changes to the color of the texture</a:t>
+            </a:r>
+          </a:p>
+          <a:p>
+            <a:pPr lvl="2"/>
+            <a:r>
+              <a:rPr lang="en-US" dirty="0"/>
+              <a:t>Have a separate texture to show the displacement due to depressions in snow and/or mud</a:t>
+            </a:r>
+          </a:p>
+          <a:p>
+            <a:pPr lvl="3"/>
+            <a:r>
+              <a:rPr lang="en-US" dirty="0"/>
+              <a:t>Easiest solution!</a:t>
+            </a:r>
+          </a:p>
+          <a:p>
+            <a:pPr lvl="3"/>
+            <a:endParaRPr lang="en-US" dirty="0"/>
           </a:p>
         </p:txBody>
       </p:sp>
@@ -17795,10 +18005,21 @@
         </p:nvSpPr>
         <p:spPr/>
         <p:txBody>
-          <a:bodyPr/>
+          <a:bodyPr vert="horz" lIns="91440" tIns="45720" rIns="91440" bIns="45720" rtlCol="0" anchor="t">
+            <a:normAutofit/>
+          </a:bodyPr>
           <a:lstStyle/>
           <a:p>
-            <a:endParaRPr lang="en-US"/>
+            <a:r>
+              <a:rPr lang="en-US" dirty="0"/>
+              <a:t>Our implementation uses a texture such that black is fully depressed and white is original height.</a:t>
+            </a:r>
+          </a:p>
+          <a:p>
+            <a:r>
+              <a:rPr lang="en-US" dirty="0"/>
+              <a:t>Depression height set in texture</a:t>
+            </a:r>
           </a:p>
         </p:txBody>
       </p:sp>
@@ -17816,6 +18037,3038 @@
 </file>
 
 <file path=ppt/slides/slide6.xml><?xml version="1.0" encoding="utf-8"?>
+<p:sld xmlns:a="http://schemas.openxmlformats.org/drawingml/2006/main" xmlns:r="http://schemas.openxmlformats.org/officeDocument/2006/relationships" xmlns:p="http://schemas.openxmlformats.org/presentationml/2006/main">
+  <p:cSld>
+    <p:bg>
+      <p:bgPr>
+        <a:solidFill>
+          <a:schemeClr val="bg1"/>
+        </a:solidFill>
+        <a:effectLst/>
+      </p:bgPr>
+    </p:bg>
+    <p:spTree>
+      <p:nvGrpSpPr>
+        <p:cNvPr id="1" name=""/>
+        <p:cNvGrpSpPr/>
+        <p:nvPr/>
+      </p:nvGrpSpPr>
+      <p:grpSpPr>
+        <a:xfrm>
+          <a:off x="0" y="0"/>
+          <a:ext cx="0" cy="0"/>
+          <a:chOff x="0" y="0"/>
+          <a:chExt cx="0" cy="0"/>
+        </a:xfrm>
+      </p:grpSpPr>
+      <p:grpSp>
+        <p:nvGrpSpPr>
+          <p:cNvPr id="9" name="Group 8">
+            <a:extLst>
+              <a:ext uri="{FF2B5EF4-FFF2-40B4-BE49-F238E27FC236}">
+                <a16:creationId xmlns:a16="http://schemas.microsoft.com/office/drawing/2014/main" id="{EB46B8FB-F6A2-5F47-A6CD-A7E17E69270F}"/>
+              </a:ext>
+              <a:ext uri="{C183D7F6-B498-43B3-948B-1728B52AA6E4}">
+                <adec:decorative xmlns:adec="http://schemas.microsoft.com/office/drawing/2017/decorative" val="1"/>
+              </a:ext>
+            </a:extLst>
+          </p:cNvPr>
+          <p:cNvGrpSpPr>
+            <a:grpSpLocks noGrp="1" noUngrp="1" noRot="1" noChangeAspect="1" noMove="1" noResize="1"/>
+          </p:cNvGrpSpPr>
+          <p:nvPr>
+            <p:extLst>
+              <p:ext uri="{386F3935-93C4-4BCD-93E2-E3B085C9AB24}">
+                <p16:designElem xmlns:p16="http://schemas.microsoft.com/office/powerpoint/2015/main" val="1"/>
+              </p:ext>
+            </p:extLst>
+          </p:nvPr>
+        </p:nvGrpSpPr>
+        <p:grpSpPr>
+          <a:xfrm>
+            <a:off x="6201388" y="0"/>
+            <a:ext cx="5990612" cy="6858001"/>
+            <a:chOff x="6201388" y="0"/>
+            <a:chExt cx="5990612" cy="6858001"/>
+          </a:xfrm>
+        </p:grpSpPr>
+        <p:sp>
+          <p:nvSpPr>
+            <p:cNvPr id="10" name="Oval 9">
+              <a:extLst>
+                <a:ext uri="{FF2B5EF4-FFF2-40B4-BE49-F238E27FC236}">
+                  <a16:creationId xmlns:a16="http://schemas.microsoft.com/office/drawing/2014/main" id="{419BDE93-3EC2-4E4D-BC0B-417378F49EDA}"/>
+                </a:ext>
+                <a:ext uri="{C183D7F6-B498-43B3-948B-1728B52AA6E4}">
+                  <adec:decorative xmlns:adec="http://schemas.microsoft.com/office/drawing/2017/decorative" val="1"/>
+                </a:ext>
+              </a:extLst>
+            </p:cNvPr>
+            <p:cNvSpPr/>
+            <p:nvPr>
+              <p:extLst>
+                <p:ext uri="{386F3935-93C4-4BCD-93E2-E3B085C9AB24}">
+                  <p16:designElem xmlns:p16="http://schemas.microsoft.com/office/powerpoint/2015/main" val="1"/>
+                </p:ext>
+              </p:extLst>
+            </p:nvPr>
+          </p:nvSpPr>
+          <p:spPr>
+            <a:xfrm>
+              <a:off x="6201388" y="3549396"/>
+              <a:ext cx="1130725" cy="1130724"/>
+            </a:xfrm>
+            <a:prstGeom prst="ellipse">
+              <a:avLst/>
+            </a:prstGeom>
+            <a:solidFill>
+              <a:schemeClr val="bg2"/>
+            </a:solidFill>
+            <a:ln>
+              <a:noFill/>
+            </a:ln>
+          </p:spPr>
+          <p:style>
+            <a:lnRef idx="2">
+              <a:schemeClr val="accent1">
+                <a:shade val="50000"/>
+              </a:schemeClr>
+            </a:lnRef>
+            <a:fillRef idx="1">
+              <a:schemeClr val="accent1"/>
+            </a:fillRef>
+            <a:effectRef idx="0">
+              <a:schemeClr val="accent1"/>
+            </a:effectRef>
+            <a:fontRef idx="minor">
+              <a:schemeClr val="lt1"/>
+            </a:fontRef>
+          </p:style>
+          <p:txBody>
+            <a:bodyPr rtlCol="0" anchor="ctr"/>
+            <a:lstStyle/>
+            <a:p>
+              <a:pPr algn="ctr"/>
+              <a:endParaRPr lang="en-US"/>
+            </a:p>
+          </p:txBody>
+        </p:sp>
+        <p:sp>
+          <p:nvSpPr>
+            <p:cNvPr id="11" name="Freeform 46">
+              <a:extLst>
+                <a:ext uri="{FF2B5EF4-FFF2-40B4-BE49-F238E27FC236}">
+                  <a16:creationId xmlns:a16="http://schemas.microsoft.com/office/drawing/2014/main" id="{FE21F82F-1EE5-8240-97F8-387DF0253FCE}"/>
+                </a:ext>
+                <a:ext uri="{C183D7F6-B498-43B3-948B-1728B52AA6E4}">
+                  <adec:decorative xmlns:adec="http://schemas.microsoft.com/office/drawing/2017/decorative" val="1"/>
+                </a:ext>
+              </a:extLst>
+            </p:cNvPr>
+            <p:cNvSpPr/>
+            <p:nvPr>
+              <p:extLst>
+                <p:ext uri="{386F3935-93C4-4BCD-93E2-E3B085C9AB24}">
+                  <p16:designElem xmlns:p16="http://schemas.microsoft.com/office/powerpoint/2015/main" val="1"/>
+                </p:ext>
+              </p:extLst>
+            </p:nvPr>
+          </p:nvSpPr>
+          <p:spPr>
+            <a:xfrm>
+              <a:off x="6201389" y="1"/>
+              <a:ext cx="1130725" cy="565575"/>
+            </a:xfrm>
+            <a:custGeom>
+              <a:avLst/>
+              <a:gdLst>
+                <a:gd name="connsiteX0" fmla="*/ 21 w 1130725"/>
+                <a:gd name="connsiteY0" fmla="*/ 0 h 565575"/>
+                <a:gd name="connsiteX1" fmla="*/ 1130704 w 1130725"/>
+                <a:gd name="connsiteY1" fmla="*/ 0 h 565575"/>
+                <a:gd name="connsiteX2" fmla="*/ 1130725 w 1130725"/>
+                <a:gd name="connsiteY2" fmla="*/ 213 h 565575"/>
+                <a:gd name="connsiteX3" fmla="*/ 565362 w 1130725"/>
+                <a:gd name="connsiteY3" fmla="*/ 565575 h 565575"/>
+                <a:gd name="connsiteX4" fmla="*/ 0 w 1130725"/>
+                <a:gd name="connsiteY4" fmla="*/ 213 h 565575"/>
+              </a:gdLst>
+              <a:ahLst/>
+              <a:cxnLst>
+                <a:cxn ang="0">
+                  <a:pos x="connsiteX0" y="connsiteY0"/>
+                </a:cxn>
+                <a:cxn ang="0">
+                  <a:pos x="connsiteX1" y="connsiteY1"/>
+                </a:cxn>
+                <a:cxn ang="0">
+                  <a:pos x="connsiteX2" y="connsiteY2"/>
+                </a:cxn>
+                <a:cxn ang="0">
+                  <a:pos x="connsiteX3" y="connsiteY3"/>
+                </a:cxn>
+                <a:cxn ang="0">
+                  <a:pos x="connsiteX4" y="connsiteY4"/>
+                </a:cxn>
+              </a:cxnLst>
+              <a:rect l="l" t="t" r="r" b="b"/>
+              <a:pathLst>
+                <a:path w="1130725" h="565575">
+                  <a:moveTo>
+                    <a:pt x="21" y="0"/>
+                  </a:moveTo>
+                  <a:lnTo>
+                    <a:pt x="1130704" y="0"/>
+                  </a:lnTo>
+                  <a:lnTo>
+                    <a:pt x="1130725" y="213"/>
+                  </a:lnTo>
+                  <a:cubicBezTo>
+                    <a:pt x="1130725" y="312454"/>
+                    <a:pt x="877604" y="565575"/>
+                    <a:pt x="565362" y="565575"/>
+                  </a:cubicBezTo>
+                  <a:cubicBezTo>
+                    <a:pt x="253121" y="565575"/>
+                    <a:pt x="0" y="312454"/>
+                    <a:pt x="0" y="213"/>
+                  </a:cubicBezTo>
+                  <a:close/>
+                </a:path>
+              </a:pathLst>
+            </a:custGeom>
+            <a:solidFill>
+              <a:schemeClr val="bg2"/>
+            </a:solidFill>
+            <a:ln>
+              <a:noFill/>
+            </a:ln>
+          </p:spPr>
+          <p:style>
+            <a:lnRef idx="2">
+              <a:schemeClr val="accent1">
+                <a:shade val="50000"/>
+              </a:schemeClr>
+            </a:lnRef>
+            <a:fillRef idx="1">
+              <a:schemeClr val="accent1"/>
+            </a:fillRef>
+            <a:effectRef idx="0">
+              <a:schemeClr val="accent1"/>
+            </a:effectRef>
+            <a:fontRef idx="minor">
+              <a:schemeClr val="lt1"/>
+            </a:fontRef>
+          </p:style>
+          <p:txBody>
+            <a:bodyPr wrap="square" rtlCol="0" anchor="ctr">
+              <a:noAutofit/>
+            </a:bodyPr>
+            <a:lstStyle/>
+            <a:p>
+              <a:pPr algn="ctr"/>
+              <a:endParaRPr lang="en-US"/>
+            </a:p>
+          </p:txBody>
+        </p:sp>
+        <p:sp>
+          <p:nvSpPr>
+            <p:cNvPr id="12" name="Freeform 48">
+              <a:extLst>
+                <a:ext uri="{FF2B5EF4-FFF2-40B4-BE49-F238E27FC236}">
+                  <a16:creationId xmlns:a16="http://schemas.microsoft.com/office/drawing/2014/main" id="{AE1903E3-6B5F-6B4C-9A1F-62628A050AEB}"/>
+                </a:ext>
+                <a:ext uri="{C183D7F6-B498-43B3-948B-1728B52AA6E4}">
+                  <adec:decorative xmlns:adec="http://schemas.microsoft.com/office/drawing/2017/decorative" val="1"/>
+                </a:ext>
+              </a:extLst>
+            </p:cNvPr>
+            <p:cNvSpPr/>
+            <p:nvPr>
+              <p:extLst>
+                <p:ext uri="{386F3935-93C4-4BCD-93E2-E3B085C9AB24}">
+                  <p16:designElem xmlns:p16="http://schemas.microsoft.com/office/powerpoint/2015/main" val="1"/>
+                </p:ext>
+              </p:extLst>
+            </p:nvPr>
+          </p:nvSpPr>
+          <p:spPr>
+            <a:xfrm>
+              <a:off x="7564255" y="6292426"/>
+              <a:ext cx="1130723" cy="565575"/>
+            </a:xfrm>
+            <a:custGeom>
+              <a:avLst/>
+              <a:gdLst>
+                <a:gd name="connsiteX0" fmla="*/ 565362 w 1130723"/>
+                <a:gd name="connsiteY0" fmla="*/ 0 h 565575"/>
+                <a:gd name="connsiteX1" fmla="*/ 1130723 w 1130723"/>
+                <a:gd name="connsiteY1" fmla="*/ 565362 h 565575"/>
+                <a:gd name="connsiteX2" fmla="*/ 1130702 w 1130723"/>
+                <a:gd name="connsiteY2" fmla="*/ 565575 h 565575"/>
+                <a:gd name="connsiteX3" fmla="*/ 21 w 1130723"/>
+                <a:gd name="connsiteY3" fmla="*/ 565575 h 565575"/>
+                <a:gd name="connsiteX4" fmla="*/ 0 w 1130723"/>
+                <a:gd name="connsiteY4" fmla="*/ 565362 h 565575"/>
+                <a:gd name="connsiteX5" fmla="*/ 565362 w 1130723"/>
+                <a:gd name="connsiteY5" fmla="*/ 0 h 565575"/>
+              </a:gdLst>
+              <a:ahLst/>
+              <a:cxnLst>
+                <a:cxn ang="0">
+                  <a:pos x="connsiteX0" y="connsiteY0"/>
+                </a:cxn>
+                <a:cxn ang="0">
+                  <a:pos x="connsiteX1" y="connsiteY1"/>
+                </a:cxn>
+                <a:cxn ang="0">
+                  <a:pos x="connsiteX2" y="connsiteY2"/>
+                </a:cxn>
+                <a:cxn ang="0">
+                  <a:pos x="connsiteX3" y="connsiteY3"/>
+                </a:cxn>
+                <a:cxn ang="0">
+                  <a:pos x="connsiteX4" y="connsiteY4"/>
+                </a:cxn>
+                <a:cxn ang="0">
+                  <a:pos x="connsiteX5" y="connsiteY5"/>
+                </a:cxn>
+              </a:cxnLst>
+              <a:rect l="l" t="t" r="r" b="b"/>
+              <a:pathLst>
+                <a:path w="1130723" h="565575">
+                  <a:moveTo>
+                    <a:pt x="565362" y="0"/>
+                  </a:moveTo>
+                  <a:cubicBezTo>
+                    <a:pt x="877602" y="0"/>
+                    <a:pt x="1130723" y="253121"/>
+                    <a:pt x="1130723" y="565362"/>
+                  </a:cubicBezTo>
+                  <a:lnTo>
+                    <a:pt x="1130702" y="565575"/>
+                  </a:lnTo>
+                  <a:lnTo>
+                    <a:pt x="21" y="565575"/>
+                  </a:lnTo>
+                  <a:lnTo>
+                    <a:pt x="0" y="565362"/>
+                  </a:lnTo>
+                  <a:cubicBezTo>
+                    <a:pt x="0" y="253121"/>
+                    <a:pt x="253120" y="0"/>
+                    <a:pt x="565362" y="0"/>
+                  </a:cubicBezTo>
+                  <a:close/>
+                </a:path>
+              </a:pathLst>
+            </a:custGeom>
+            <a:solidFill>
+              <a:schemeClr val="bg2"/>
+            </a:solidFill>
+            <a:ln>
+              <a:noFill/>
+            </a:ln>
+          </p:spPr>
+          <p:style>
+            <a:lnRef idx="2">
+              <a:schemeClr val="accent1">
+                <a:shade val="50000"/>
+              </a:schemeClr>
+            </a:lnRef>
+            <a:fillRef idx="1">
+              <a:schemeClr val="accent1"/>
+            </a:fillRef>
+            <a:effectRef idx="0">
+              <a:schemeClr val="accent1"/>
+            </a:effectRef>
+            <a:fontRef idx="minor">
+              <a:schemeClr val="lt1"/>
+            </a:fontRef>
+          </p:style>
+          <p:txBody>
+            <a:bodyPr wrap="square" rtlCol="0" anchor="ctr">
+              <a:noAutofit/>
+            </a:bodyPr>
+            <a:lstStyle/>
+            <a:p>
+              <a:pPr algn="ctr"/>
+              <a:endParaRPr lang="en-US"/>
+            </a:p>
+          </p:txBody>
+        </p:sp>
+        <p:sp>
+          <p:nvSpPr>
+            <p:cNvPr id="13" name="Oval 12">
+              <a:extLst>
+                <a:ext uri="{FF2B5EF4-FFF2-40B4-BE49-F238E27FC236}">
+                  <a16:creationId xmlns:a16="http://schemas.microsoft.com/office/drawing/2014/main" id="{F7C55863-3B37-0743-B001-1A970033FBA8}"/>
+                </a:ext>
+                <a:ext uri="{C183D7F6-B498-43B3-948B-1728B52AA6E4}">
+                  <adec:decorative xmlns:adec="http://schemas.microsoft.com/office/drawing/2017/decorative" val="1"/>
+                </a:ext>
+              </a:extLst>
+            </p:cNvPr>
+            <p:cNvSpPr/>
+            <p:nvPr>
+              <p:extLst>
+                <p:ext uri="{386F3935-93C4-4BCD-93E2-E3B085C9AB24}">
+                  <p16:designElem xmlns:p16="http://schemas.microsoft.com/office/powerpoint/2015/main" val="1"/>
+                </p:ext>
+              </p:extLst>
+            </p:nvPr>
+          </p:nvSpPr>
+          <p:spPr>
+            <a:xfrm>
+              <a:off x="7564253" y="3549396"/>
+              <a:ext cx="1130725" cy="1130724"/>
+            </a:xfrm>
+            <a:prstGeom prst="ellipse">
+              <a:avLst/>
+            </a:prstGeom>
+            <a:solidFill>
+              <a:schemeClr val="bg2"/>
+            </a:solidFill>
+            <a:ln>
+              <a:noFill/>
+            </a:ln>
+          </p:spPr>
+          <p:style>
+            <a:lnRef idx="2">
+              <a:schemeClr val="accent1">
+                <a:shade val="50000"/>
+              </a:schemeClr>
+            </a:lnRef>
+            <a:fillRef idx="1">
+              <a:schemeClr val="accent1"/>
+            </a:fillRef>
+            <a:effectRef idx="0">
+              <a:schemeClr val="accent1"/>
+            </a:effectRef>
+            <a:fontRef idx="minor">
+              <a:schemeClr val="lt1"/>
+            </a:fontRef>
+          </p:style>
+          <p:txBody>
+            <a:bodyPr rtlCol="0" anchor="ctr"/>
+            <a:lstStyle/>
+            <a:p>
+              <a:pPr algn="ctr"/>
+              <a:endParaRPr lang="en-US"/>
+            </a:p>
+          </p:txBody>
+        </p:sp>
+        <p:sp>
+          <p:nvSpPr>
+            <p:cNvPr id="14" name="Oval 13">
+              <a:extLst>
+                <a:ext uri="{FF2B5EF4-FFF2-40B4-BE49-F238E27FC236}">
+                  <a16:creationId xmlns:a16="http://schemas.microsoft.com/office/drawing/2014/main" id="{932B4C24-3A58-924C-B79A-D961EF7C2C48}"/>
+                </a:ext>
+                <a:ext uri="{C183D7F6-B498-43B3-948B-1728B52AA6E4}">
+                  <adec:decorative xmlns:adec="http://schemas.microsoft.com/office/drawing/2017/decorative" val="1"/>
+                </a:ext>
+              </a:extLst>
+            </p:cNvPr>
+            <p:cNvSpPr/>
+            <p:nvPr>
+              <p:extLst>
+                <p:ext uri="{386F3935-93C4-4BCD-93E2-E3B085C9AB24}">
+                  <p16:designElem xmlns:p16="http://schemas.microsoft.com/office/powerpoint/2015/main" val="1"/>
+                </p:ext>
+              </p:extLst>
+            </p:nvPr>
+          </p:nvSpPr>
+          <p:spPr>
+            <a:xfrm>
+              <a:off x="7564253" y="2177881"/>
+              <a:ext cx="1130725" cy="1130724"/>
+            </a:xfrm>
+            <a:prstGeom prst="ellipse">
+              <a:avLst/>
+            </a:prstGeom>
+            <a:solidFill>
+              <a:schemeClr val="bg2"/>
+            </a:solidFill>
+            <a:ln>
+              <a:noFill/>
+            </a:ln>
+          </p:spPr>
+          <p:style>
+            <a:lnRef idx="2">
+              <a:schemeClr val="accent1">
+                <a:shade val="50000"/>
+              </a:schemeClr>
+            </a:lnRef>
+            <a:fillRef idx="1">
+              <a:schemeClr val="accent1"/>
+            </a:fillRef>
+            <a:effectRef idx="0">
+              <a:schemeClr val="accent1"/>
+            </a:effectRef>
+            <a:fontRef idx="minor">
+              <a:schemeClr val="lt1"/>
+            </a:fontRef>
+          </p:style>
+          <p:txBody>
+            <a:bodyPr rtlCol="0" anchor="ctr"/>
+            <a:lstStyle/>
+            <a:p>
+              <a:pPr algn="ctr"/>
+              <a:endParaRPr lang="en-US"/>
+            </a:p>
+          </p:txBody>
+        </p:sp>
+        <p:sp>
+          <p:nvSpPr>
+            <p:cNvPr id="15" name="Oval 14">
+              <a:extLst>
+                <a:ext uri="{FF2B5EF4-FFF2-40B4-BE49-F238E27FC236}">
+                  <a16:creationId xmlns:a16="http://schemas.microsoft.com/office/drawing/2014/main" id="{21EF52E0-D2CF-544F-93A6-4D7B45A0483A}"/>
+                </a:ext>
+                <a:ext uri="{C183D7F6-B498-43B3-948B-1728B52AA6E4}">
+                  <adec:decorative xmlns:adec="http://schemas.microsoft.com/office/drawing/2017/decorative" val="1"/>
+                </a:ext>
+              </a:extLst>
+            </p:cNvPr>
+            <p:cNvSpPr/>
+            <p:nvPr>
+              <p:extLst>
+                <p:ext uri="{386F3935-93C4-4BCD-93E2-E3B085C9AB24}">
+                  <p16:designElem xmlns:p16="http://schemas.microsoft.com/office/powerpoint/2015/main" val="1"/>
+                </p:ext>
+              </p:extLst>
+            </p:nvPr>
+          </p:nvSpPr>
+          <p:spPr>
+            <a:xfrm>
+              <a:off x="7564253" y="806366"/>
+              <a:ext cx="1130725" cy="1130724"/>
+            </a:xfrm>
+            <a:prstGeom prst="ellipse">
+              <a:avLst/>
+            </a:prstGeom>
+            <a:solidFill>
+              <a:schemeClr val="accent1"/>
+            </a:solidFill>
+            <a:ln>
+              <a:noFill/>
+            </a:ln>
+          </p:spPr>
+          <p:style>
+            <a:lnRef idx="2">
+              <a:schemeClr val="accent1">
+                <a:shade val="50000"/>
+              </a:schemeClr>
+            </a:lnRef>
+            <a:fillRef idx="1">
+              <a:schemeClr val="accent1"/>
+            </a:fillRef>
+            <a:effectRef idx="0">
+              <a:schemeClr val="accent1"/>
+            </a:effectRef>
+            <a:fontRef idx="minor">
+              <a:schemeClr val="lt1"/>
+            </a:fontRef>
+          </p:style>
+          <p:txBody>
+            <a:bodyPr rtlCol="0" anchor="ctr"/>
+            <a:lstStyle/>
+            <a:p>
+              <a:pPr algn="ctr"/>
+              <a:endParaRPr lang="en-US"/>
+            </a:p>
+          </p:txBody>
+        </p:sp>
+        <p:sp>
+          <p:nvSpPr>
+            <p:cNvPr id="16" name="Freeform 63">
+              <a:extLst>
+                <a:ext uri="{FF2B5EF4-FFF2-40B4-BE49-F238E27FC236}">
+                  <a16:creationId xmlns:a16="http://schemas.microsoft.com/office/drawing/2014/main" id="{6966CFE5-1C8C-2E4F-9B2D-A8438F5A5322}"/>
+                </a:ext>
+                <a:ext uri="{C183D7F6-B498-43B3-948B-1728B52AA6E4}">
+                  <adec:decorative xmlns:adec="http://schemas.microsoft.com/office/drawing/2017/decorative" val="1"/>
+                </a:ext>
+              </a:extLst>
+            </p:cNvPr>
+            <p:cNvSpPr/>
+            <p:nvPr>
+              <p:extLst>
+                <p:ext uri="{386F3935-93C4-4BCD-93E2-E3B085C9AB24}">
+                  <p16:designElem xmlns:p16="http://schemas.microsoft.com/office/powerpoint/2015/main" val="1"/>
+                </p:ext>
+              </p:extLst>
+            </p:nvPr>
+          </p:nvSpPr>
+          <p:spPr>
+            <a:xfrm>
+              <a:off x="7564254" y="1"/>
+              <a:ext cx="1130725" cy="565575"/>
+            </a:xfrm>
+            <a:custGeom>
+              <a:avLst/>
+              <a:gdLst>
+                <a:gd name="connsiteX0" fmla="*/ 21 w 1130725"/>
+                <a:gd name="connsiteY0" fmla="*/ 0 h 565575"/>
+                <a:gd name="connsiteX1" fmla="*/ 1130704 w 1130725"/>
+                <a:gd name="connsiteY1" fmla="*/ 0 h 565575"/>
+                <a:gd name="connsiteX2" fmla="*/ 1130725 w 1130725"/>
+                <a:gd name="connsiteY2" fmla="*/ 213 h 565575"/>
+                <a:gd name="connsiteX3" fmla="*/ 565363 w 1130725"/>
+                <a:gd name="connsiteY3" fmla="*/ 565575 h 565575"/>
+                <a:gd name="connsiteX4" fmla="*/ 0 w 1130725"/>
+                <a:gd name="connsiteY4" fmla="*/ 213 h 565575"/>
+              </a:gdLst>
+              <a:ahLst/>
+              <a:cxnLst>
+                <a:cxn ang="0">
+                  <a:pos x="connsiteX0" y="connsiteY0"/>
+                </a:cxn>
+                <a:cxn ang="0">
+                  <a:pos x="connsiteX1" y="connsiteY1"/>
+                </a:cxn>
+                <a:cxn ang="0">
+                  <a:pos x="connsiteX2" y="connsiteY2"/>
+                </a:cxn>
+                <a:cxn ang="0">
+                  <a:pos x="connsiteX3" y="connsiteY3"/>
+                </a:cxn>
+                <a:cxn ang="0">
+                  <a:pos x="connsiteX4" y="connsiteY4"/>
+                </a:cxn>
+              </a:cxnLst>
+              <a:rect l="l" t="t" r="r" b="b"/>
+              <a:pathLst>
+                <a:path w="1130725" h="565575">
+                  <a:moveTo>
+                    <a:pt x="21" y="0"/>
+                  </a:moveTo>
+                  <a:lnTo>
+                    <a:pt x="1130704" y="0"/>
+                  </a:lnTo>
+                  <a:lnTo>
+                    <a:pt x="1130725" y="213"/>
+                  </a:lnTo>
+                  <a:cubicBezTo>
+                    <a:pt x="1130725" y="312454"/>
+                    <a:pt x="877603" y="565575"/>
+                    <a:pt x="565363" y="565575"/>
+                  </a:cubicBezTo>
+                  <a:cubicBezTo>
+                    <a:pt x="253121" y="565575"/>
+                    <a:pt x="0" y="312454"/>
+                    <a:pt x="0" y="213"/>
+                  </a:cubicBezTo>
+                  <a:close/>
+                </a:path>
+              </a:pathLst>
+            </a:custGeom>
+            <a:solidFill>
+              <a:schemeClr val="bg2"/>
+            </a:solidFill>
+            <a:ln>
+              <a:noFill/>
+            </a:ln>
+          </p:spPr>
+          <p:style>
+            <a:lnRef idx="2">
+              <a:schemeClr val="accent1">
+                <a:shade val="50000"/>
+              </a:schemeClr>
+            </a:lnRef>
+            <a:fillRef idx="1">
+              <a:schemeClr val="accent1"/>
+            </a:fillRef>
+            <a:effectRef idx="0">
+              <a:schemeClr val="accent1"/>
+            </a:effectRef>
+            <a:fontRef idx="minor">
+              <a:schemeClr val="lt1"/>
+            </a:fontRef>
+          </p:style>
+          <p:txBody>
+            <a:bodyPr wrap="square" rtlCol="0" anchor="ctr">
+              <a:noAutofit/>
+            </a:bodyPr>
+            <a:lstStyle/>
+            <a:p>
+              <a:pPr algn="ctr"/>
+              <a:endParaRPr lang="en-US"/>
+            </a:p>
+          </p:txBody>
+        </p:sp>
+        <p:sp>
+          <p:nvSpPr>
+            <p:cNvPr id="17" name="Freeform 64">
+              <a:extLst>
+                <a:ext uri="{FF2B5EF4-FFF2-40B4-BE49-F238E27FC236}">
+                  <a16:creationId xmlns:a16="http://schemas.microsoft.com/office/drawing/2014/main" id="{9FD29EF3-A5B2-554A-A307-6BE1BCE8AF03}"/>
+                </a:ext>
+                <a:ext uri="{C183D7F6-B498-43B3-948B-1728B52AA6E4}">
+                  <adec:decorative xmlns:adec="http://schemas.microsoft.com/office/drawing/2017/decorative" val="1"/>
+                </a:ext>
+              </a:extLst>
+            </p:cNvPr>
+            <p:cNvSpPr/>
+            <p:nvPr>
+              <p:extLst>
+                <p:ext uri="{386F3935-93C4-4BCD-93E2-E3B085C9AB24}">
+                  <p16:designElem xmlns:p16="http://schemas.microsoft.com/office/powerpoint/2015/main" val="1"/>
+                </p:ext>
+              </p:extLst>
+            </p:nvPr>
+          </p:nvSpPr>
+          <p:spPr>
+            <a:xfrm>
+              <a:off x="8927118" y="6292426"/>
+              <a:ext cx="1130724" cy="565575"/>
+            </a:xfrm>
+            <a:custGeom>
+              <a:avLst/>
+              <a:gdLst>
+                <a:gd name="connsiteX0" fmla="*/ 565362 w 1130724"/>
+                <a:gd name="connsiteY0" fmla="*/ 0 h 565575"/>
+                <a:gd name="connsiteX1" fmla="*/ 1130724 w 1130724"/>
+                <a:gd name="connsiteY1" fmla="*/ 565362 h 565575"/>
+                <a:gd name="connsiteX2" fmla="*/ 1130703 w 1130724"/>
+                <a:gd name="connsiteY2" fmla="*/ 565575 h 565575"/>
+                <a:gd name="connsiteX3" fmla="*/ 22 w 1130724"/>
+                <a:gd name="connsiteY3" fmla="*/ 565575 h 565575"/>
+                <a:gd name="connsiteX4" fmla="*/ 0 w 1130724"/>
+                <a:gd name="connsiteY4" fmla="*/ 565362 h 565575"/>
+                <a:gd name="connsiteX5" fmla="*/ 565362 w 1130724"/>
+                <a:gd name="connsiteY5" fmla="*/ 0 h 565575"/>
+              </a:gdLst>
+              <a:ahLst/>
+              <a:cxnLst>
+                <a:cxn ang="0">
+                  <a:pos x="connsiteX0" y="connsiteY0"/>
+                </a:cxn>
+                <a:cxn ang="0">
+                  <a:pos x="connsiteX1" y="connsiteY1"/>
+                </a:cxn>
+                <a:cxn ang="0">
+                  <a:pos x="connsiteX2" y="connsiteY2"/>
+                </a:cxn>
+                <a:cxn ang="0">
+                  <a:pos x="connsiteX3" y="connsiteY3"/>
+                </a:cxn>
+                <a:cxn ang="0">
+                  <a:pos x="connsiteX4" y="connsiteY4"/>
+                </a:cxn>
+                <a:cxn ang="0">
+                  <a:pos x="connsiteX5" y="connsiteY5"/>
+                </a:cxn>
+              </a:cxnLst>
+              <a:rect l="l" t="t" r="r" b="b"/>
+              <a:pathLst>
+                <a:path w="1130724" h="565575">
+                  <a:moveTo>
+                    <a:pt x="565362" y="0"/>
+                  </a:moveTo>
+                  <a:cubicBezTo>
+                    <a:pt x="877603" y="0"/>
+                    <a:pt x="1130724" y="253121"/>
+                    <a:pt x="1130724" y="565362"/>
+                  </a:cubicBezTo>
+                  <a:lnTo>
+                    <a:pt x="1130703" y="565575"/>
+                  </a:lnTo>
+                  <a:lnTo>
+                    <a:pt x="22" y="565575"/>
+                  </a:lnTo>
+                  <a:lnTo>
+                    <a:pt x="0" y="565362"/>
+                  </a:lnTo>
+                  <a:cubicBezTo>
+                    <a:pt x="0" y="253121"/>
+                    <a:pt x="253121" y="0"/>
+                    <a:pt x="565362" y="0"/>
+                  </a:cubicBezTo>
+                  <a:close/>
+                </a:path>
+              </a:pathLst>
+            </a:custGeom>
+            <a:solidFill>
+              <a:schemeClr val="accent1"/>
+            </a:solidFill>
+            <a:ln>
+              <a:noFill/>
+            </a:ln>
+          </p:spPr>
+          <p:style>
+            <a:lnRef idx="2">
+              <a:schemeClr val="accent1">
+                <a:shade val="50000"/>
+              </a:schemeClr>
+            </a:lnRef>
+            <a:fillRef idx="1">
+              <a:schemeClr val="accent1"/>
+            </a:fillRef>
+            <a:effectRef idx="0">
+              <a:schemeClr val="accent1"/>
+            </a:effectRef>
+            <a:fontRef idx="minor">
+              <a:schemeClr val="lt1"/>
+            </a:fontRef>
+          </p:style>
+          <p:txBody>
+            <a:bodyPr wrap="square" rtlCol="0" anchor="ctr">
+              <a:noAutofit/>
+            </a:bodyPr>
+            <a:lstStyle/>
+            <a:p>
+              <a:pPr algn="ctr"/>
+              <a:endParaRPr lang="en-US"/>
+            </a:p>
+          </p:txBody>
+        </p:sp>
+        <p:sp>
+          <p:nvSpPr>
+            <p:cNvPr id="18" name="Oval 17">
+              <a:extLst>
+                <a:ext uri="{FF2B5EF4-FFF2-40B4-BE49-F238E27FC236}">
+                  <a16:creationId xmlns:a16="http://schemas.microsoft.com/office/drawing/2014/main" id="{AC1ECAD8-0CF2-934D-AA1E-C108208CDE6F}"/>
+                </a:ext>
+                <a:ext uri="{C183D7F6-B498-43B3-948B-1728B52AA6E4}">
+                  <adec:decorative xmlns:adec="http://schemas.microsoft.com/office/drawing/2017/decorative" val="1"/>
+                </a:ext>
+              </a:extLst>
+            </p:cNvPr>
+            <p:cNvSpPr/>
+            <p:nvPr>
+              <p:extLst>
+                <p:ext uri="{386F3935-93C4-4BCD-93E2-E3B085C9AB24}">
+                  <p16:designElem xmlns:p16="http://schemas.microsoft.com/office/powerpoint/2015/main" val="1"/>
+                </p:ext>
+              </p:extLst>
+            </p:nvPr>
+          </p:nvSpPr>
+          <p:spPr>
+            <a:xfrm>
+              <a:off x="8927118" y="4920911"/>
+              <a:ext cx="1130725" cy="1130724"/>
+            </a:xfrm>
+            <a:prstGeom prst="ellipse">
+              <a:avLst/>
+            </a:prstGeom>
+            <a:solidFill>
+              <a:schemeClr val="bg2"/>
+            </a:solidFill>
+            <a:ln>
+              <a:noFill/>
+            </a:ln>
+          </p:spPr>
+          <p:style>
+            <a:lnRef idx="2">
+              <a:schemeClr val="accent1">
+                <a:shade val="50000"/>
+              </a:schemeClr>
+            </a:lnRef>
+            <a:fillRef idx="1">
+              <a:schemeClr val="accent1"/>
+            </a:fillRef>
+            <a:effectRef idx="0">
+              <a:schemeClr val="accent1"/>
+            </a:effectRef>
+            <a:fontRef idx="minor">
+              <a:schemeClr val="lt1"/>
+            </a:fontRef>
+          </p:style>
+          <p:txBody>
+            <a:bodyPr rtlCol="0" anchor="ctr"/>
+            <a:lstStyle/>
+            <a:p>
+              <a:pPr algn="ctr"/>
+              <a:endParaRPr lang="en-US"/>
+            </a:p>
+          </p:txBody>
+        </p:sp>
+        <p:sp>
+          <p:nvSpPr>
+            <p:cNvPr id="19" name="Oval 18">
+              <a:extLst>
+                <a:ext uri="{FF2B5EF4-FFF2-40B4-BE49-F238E27FC236}">
+                  <a16:creationId xmlns:a16="http://schemas.microsoft.com/office/drawing/2014/main" id="{DB14DED1-3A58-8C4D-902E-2A9F34043F61}"/>
+                </a:ext>
+                <a:ext uri="{C183D7F6-B498-43B3-948B-1728B52AA6E4}">
+                  <adec:decorative xmlns:adec="http://schemas.microsoft.com/office/drawing/2017/decorative" val="1"/>
+                </a:ext>
+              </a:extLst>
+            </p:cNvPr>
+            <p:cNvSpPr/>
+            <p:nvPr>
+              <p:extLst>
+                <p:ext uri="{386F3935-93C4-4BCD-93E2-E3B085C9AB24}">
+                  <p16:designElem xmlns:p16="http://schemas.microsoft.com/office/powerpoint/2015/main" val="1"/>
+                </p:ext>
+              </p:extLst>
+            </p:nvPr>
+          </p:nvSpPr>
+          <p:spPr>
+            <a:xfrm>
+              <a:off x="8927118" y="3549396"/>
+              <a:ext cx="1130725" cy="1130724"/>
+            </a:xfrm>
+            <a:prstGeom prst="ellipse">
+              <a:avLst/>
+            </a:prstGeom>
+            <a:solidFill>
+              <a:schemeClr val="accent1"/>
+            </a:solidFill>
+            <a:ln>
+              <a:noFill/>
+            </a:ln>
+          </p:spPr>
+          <p:style>
+            <a:lnRef idx="2">
+              <a:schemeClr val="accent1">
+                <a:shade val="50000"/>
+              </a:schemeClr>
+            </a:lnRef>
+            <a:fillRef idx="1">
+              <a:schemeClr val="accent1"/>
+            </a:fillRef>
+            <a:effectRef idx="0">
+              <a:schemeClr val="accent1"/>
+            </a:effectRef>
+            <a:fontRef idx="minor">
+              <a:schemeClr val="lt1"/>
+            </a:fontRef>
+          </p:style>
+          <p:txBody>
+            <a:bodyPr rtlCol="0" anchor="ctr"/>
+            <a:lstStyle/>
+            <a:p>
+              <a:pPr algn="ctr"/>
+              <a:endParaRPr lang="en-US"/>
+            </a:p>
+          </p:txBody>
+        </p:sp>
+        <p:sp>
+          <p:nvSpPr>
+            <p:cNvPr id="20" name="Oval 19">
+              <a:extLst>
+                <a:ext uri="{FF2B5EF4-FFF2-40B4-BE49-F238E27FC236}">
+                  <a16:creationId xmlns:a16="http://schemas.microsoft.com/office/drawing/2014/main" id="{65D65157-5719-0341-A807-A8956595FB4C}"/>
+                </a:ext>
+                <a:ext uri="{C183D7F6-B498-43B3-948B-1728B52AA6E4}">
+                  <adec:decorative xmlns:adec="http://schemas.microsoft.com/office/drawing/2017/decorative" val="1"/>
+                </a:ext>
+              </a:extLst>
+            </p:cNvPr>
+            <p:cNvSpPr/>
+            <p:nvPr>
+              <p:extLst>
+                <p:ext uri="{386F3935-93C4-4BCD-93E2-E3B085C9AB24}">
+                  <p16:designElem xmlns:p16="http://schemas.microsoft.com/office/powerpoint/2015/main" val="1"/>
+                </p:ext>
+              </p:extLst>
+            </p:nvPr>
+          </p:nvSpPr>
+          <p:spPr>
+            <a:xfrm>
+              <a:off x="8927118" y="2177881"/>
+              <a:ext cx="1130725" cy="1130724"/>
+            </a:xfrm>
+            <a:prstGeom prst="ellipse">
+              <a:avLst/>
+            </a:prstGeom>
+            <a:solidFill>
+              <a:schemeClr val="accent1"/>
+            </a:solidFill>
+            <a:ln>
+              <a:noFill/>
+            </a:ln>
+          </p:spPr>
+          <p:style>
+            <a:lnRef idx="2">
+              <a:schemeClr val="accent1">
+                <a:shade val="50000"/>
+              </a:schemeClr>
+            </a:lnRef>
+            <a:fillRef idx="1">
+              <a:schemeClr val="accent1"/>
+            </a:fillRef>
+            <a:effectRef idx="0">
+              <a:schemeClr val="accent1"/>
+            </a:effectRef>
+            <a:fontRef idx="minor">
+              <a:schemeClr val="lt1"/>
+            </a:fontRef>
+          </p:style>
+          <p:txBody>
+            <a:bodyPr rtlCol="0" anchor="ctr"/>
+            <a:lstStyle/>
+            <a:p>
+              <a:pPr algn="ctr"/>
+              <a:endParaRPr lang="en-US"/>
+            </a:p>
+          </p:txBody>
+        </p:sp>
+        <p:sp>
+          <p:nvSpPr>
+            <p:cNvPr id="21" name="Oval 20">
+              <a:extLst>
+                <a:ext uri="{FF2B5EF4-FFF2-40B4-BE49-F238E27FC236}">
+                  <a16:creationId xmlns:a16="http://schemas.microsoft.com/office/drawing/2014/main" id="{A7F23F74-B777-2A4C-8EF9-E798880D5942}"/>
+                </a:ext>
+                <a:ext uri="{C183D7F6-B498-43B3-948B-1728B52AA6E4}">
+                  <adec:decorative xmlns:adec="http://schemas.microsoft.com/office/drawing/2017/decorative" val="1"/>
+                </a:ext>
+              </a:extLst>
+            </p:cNvPr>
+            <p:cNvSpPr/>
+            <p:nvPr>
+              <p:extLst>
+                <p:ext uri="{386F3935-93C4-4BCD-93E2-E3B085C9AB24}">
+                  <p16:designElem xmlns:p16="http://schemas.microsoft.com/office/powerpoint/2015/main" val="1"/>
+                </p:ext>
+              </p:extLst>
+            </p:nvPr>
+          </p:nvSpPr>
+          <p:spPr>
+            <a:xfrm>
+              <a:off x="8927118" y="806366"/>
+              <a:ext cx="1130725" cy="1130724"/>
+            </a:xfrm>
+            <a:prstGeom prst="ellipse">
+              <a:avLst/>
+            </a:prstGeom>
+            <a:solidFill>
+              <a:schemeClr val="bg2"/>
+            </a:solidFill>
+            <a:ln>
+              <a:noFill/>
+            </a:ln>
+          </p:spPr>
+          <p:style>
+            <a:lnRef idx="2">
+              <a:schemeClr val="accent1">
+                <a:shade val="50000"/>
+              </a:schemeClr>
+            </a:lnRef>
+            <a:fillRef idx="1">
+              <a:schemeClr val="accent1"/>
+            </a:fillRef>
+            <a:effectRef idx="0">
+              <a:schemeClr val="accent1"/>
+            </a:effectRef>
+            <a:fontRef idx="minor">
+              <a:schemeClr val="lt1"/>
+            </a:fontRef>
+          </p:style>
+          <p:txBody>
+            <a:bodyPr rtlCol="0" anchor="ctr"/>
+            <a:lstStyle/>
+            <a:p>
+              <a:pPr algn="ctr"/>
+              <a:endParaRPr lang="en-US"/>
+            </a:p>
+          </p:txBody>
+        </p:sp>
+        <p:sp>
+          <p:nvSpPr>
+            <p:cNvPr id="22" name="Freeform 70">
+              <a:extLst>
+                <a:ext uri="{FF2B5EF4-FFF2-40B4-BE49-F238E27FC236}">
+                  <a16:creationId xmlns:a16="http://schemas.microsoft.com/office/drawing/2014/main" id="{E3B9A050-0AE1-1D4B-A2AC-6EEF64B106D9}"/>
+                </a:ext>
+                <a:ext uri="{C183D7F6-B498-43B3-948B-1728B52AA6E4}">
+                  <adec:decorative xmlns:adec="http://schemas.microsoft.com/office/drawing/2017/decorative" val="1"/>
+                </a:ext>
+              </a:extLst>
+            </p:cNvPr>
+            <p:cNvSpPr/>
+            <p:nvPr>
+              <p:extLst>
+                <p:ext uri="{386F3935-93C4-4BCD-93E2-E3B085C9AB24}">
+                  <p16:designElem xmlns:p16="http://schemas.microsoft.com/office/powerpoint/2015/main" val="1"/>
+                </p:ext>
+              </p:extLst>
+            </p:nvPr>
+          </p:nvSpPr>
+          <p:spPr>
+            <a:xfrm>
+              <a:off x="8927117" y="0"/>
+              <a:ext cx="1130726" cy="565576"/>
+            </a:xfrm>
+            <a:custGeom>
+              <a:avLst/>
+              <a:gdLst>
+                <a:gd name="connsiteX0" fmla="*/ 22 w 1130726"/>
+                <a:gd name="connsiteY0" fmla="*/ 0 h 565576"/>
+                <a:gd name="connsiteX1" fmla="*/ 1130704 w 1130726"/>
+                <a:gd name="connsiteY1" fmla="*/ 0 h 565576"/>
+                <a:gd name="connsiteX2" fmla="*/ 1130726 w 1130726"/>
+                <a:gd name="connsiteY2" fmla="*/ 214 h 565576"/>
+                <a:gd name="connsiteX3" fmla="*/ 565363 w 1130726"/>
+                <a:gd name="connsiteY3" fmla="*/ 565576 h 565576"/>
+                <a:gd name="connsiteX4" fmla="*/ 0 w 1130726"/>
+                <a:gd name="connsiteY4" fmla="*/ 214 h 565576"/>
+              </a:gdLst>
+              <a:ahLst/>
+              <a:cxnLst>
+                <a:cxn ang="0">
+                  <a:pos x="connsiteX0" y="connsiteY0"/>
+                </a:cxn>
+                <a:cxn ang="0">
+                  <a:pos x="connsiteX1" y="connsiteY1"/>
+                </a:cxn>
+                <a:cxn ang="0">
+                  <a:pos x="connsiteX2" y="connsiteY2"/>
+                </a:cxn>
+                <a:cxn ang="0">
+                  <a:pos x="connsiteX3" y="connsiteY3"/>
+                </a:cxn>
+                <a:cxn ang="0">
+                  <a:pos x="connsiteX4" y="connsiteY4"/>
+                </a:cxn>
+              </a:cxnLst>
+              <a:rect l="l" t="t" r="r" b="b"/>
+              <a:pathLst>
+                <a:path w="1130726" h="565576">
+                  <a:moveTo>
+                    <a:pt x="22" y="0"/>
+                  </a:moveTo>
+                  <a:lnTo>
+                    <a:pt x="1130704" y="0"/>
+                  </a:lnTo>
+                  <a:lnTo>
+                    <a:pt x="1130726" y="214"/>
+                  </a:lnTo>
+                  <a:cubicBezTo>
+                    <a:pt x="1130726" y="312455"/>
+                    <a:pt x="877604" y="565576"/>
+                    <a:pt x="565363" y="565576"/>
+                  </a:cubicBezTo>
+                  <a:cubicBezTo>
+                    <a:pt x="253122" y="565576"/>
+                    <a:pt x="0" y="312455"/>
+                    <a:pt x="0" y="214"/>
+                  </a:cubicBezTo>
+                  <a:close/>
+                </a:path>
+              </a:pathLst>
+            </a:custGeom>
+            <a:solidFill>
+              <a:schemeClr val="accent1"/>
+            </a:solidFill>
+            <a:ln>
+              <a:noFill/>
+            </a:ln>
+          </p:spPr>
+          <p:style>
+            <a:lnRef idx="2">
+              <a:schemeClr val="accent1">
+                <a:shade val="50000"/>
+              </a:schemeClr>
+            </a:lnRef>
+            <a:fillRef idx="1">
+              <a:schemeClr val="accent1"/>
+            </a:fillRef>
+            <a:effectRef idx="0">
+              <a:schemeClr val="accent1"/>
+            </a:effectRef>
+            <a:fontRef idx="minor">
+              <a:schemeClr val="lt1"/>
+            </a:fontRef>
+          </p:style>
+          <p:txBody>
+            <a:bodyPr wrap="square" rtlCol="0" anchor="ctr">
+              <a:noAutofit/>
+            </a:bodyPr>
+            <a:lstStyle/>
+            <a:p>
+              <a:pPr algn="ctr"/>
+              <a:endParaRPr lang="en-US"/>
+            </a:p>
+          </p:txBody>
+        </p:sp>
+        <p:sp>
+          <p:nvSpPr>
+            <p:cNvPr id="23" name="Freeform 71">
+              <a:extLst>
+                <a:ext uri="{FF2B5EF4-FFF2-40B4-BE49-F238E27FC236}">
+                  <a16:creationId xmlns:a16="http://schemas.microsoft.com/office/drawing/2014/main" id="{C424FE38-F803-8D47-BF56-1B18EC2B1F03}"/>
+                </a:ext>
+                <a:ext uri="{C183D7F6-B498-43B3-948B-1728B52AA6E4}">
+                  <adec:decorative xmlns:adec="http://schemas.microsoft.com/office/drawing/2017/decorative" val="1"/>
+                </a:ext>
+              </a:extLst>
+            </p:cNvPr>
+            <p:cNvSpPr/>
+            <p:nvPr>
+              <p:extLst>
+                <p:ext uri="{386F3935-93C4-4BCD-93E2-E3B085C9AB24}">
+                  <p16:designElem xmlns:p16="http://schemas.microsoft.com/office/powerpoint/2015/main" val="1"/>
+                </p:ext>
+              </p:extLst>
+            </p:nvPr>
+          </p:nvSpPr>
+          <p:spPr>
+            <a:xfrm>
+              <a:off x="10289984" y="6292426"/>
+              <a:ext cx="1130724" cy="565575"/>
+            </a:xfrm>
+            <a:custGeom>
+              <a:avLst/>
+              <a:gdLst>
+                <a:gd name="connsiteX0" fmla="*/ 565362 w 1130724"/>
+                <a:gd name="connsiteY0" fmla="*/ 0 h 565575"/>
+                <a:gd name="connsiteX1" fmla="*/ 1130724 w 1130724"/>
+                <a:gd name="connsiteY1" fmla="*/ 565362 h 565575"/>
+                <a:gd name="connsiteX2" fmla="*/ 1130703 w 1130724"/>
+                <a:gd name="connsiteY2" fmla="*/ 565575 h 565575"/>
+                <a:gd name="connsiteX3" fmla="*/ 21 w 1130724"/>
+                <a:gd name="connsiteY3" fmla="*/ 565575 h 565575"/>
+                <a:gd name="connsiteX4" fmla="*/ 0 w 1130724"/>
+                <a:gd name="connsiteY4" fmla="*/ 565362 h 565575"/>
+                <a:gd name="connsiteX5" fmla="*/ 565362 w 1130724"/>
+                <a:gd name="connsiteY5" fmla="*/ 0 h 565575"/>
+              </a:gdLst>
+              <a:ahLst/>
+              <a:cxnLst>
+                <a:cxn ang="0">
+                  <a:pos x="connsiteX0" y="connsiteY0"/>
+                </a:cxn>
+                <a:cxn ang="0">
+                  <a:pos x="connsiteX1" y="connsiteY1"/>
+                </a:cxn>
+                <a:cxn ang="0">
+                  <a:pos x="connsiteX2" y="connsiteY2"/>
+                </a:cxn>
+                <a:cxn ang="0">
+                  <a:pos x="connsiteX3" y="connsiteY3"/>
+                </a:cxn>
+                <a:cxn ang="0">
+                  <a:pos x="connsiteX4" y="connsiteY4"/>
+                </a:cxn>
+                <a:cxn ang="0">
+                  <a:pos x="connsiteX5" y="connsiteY5"/>
+                </a:cxn>
+              </a:cxnLst>
+              <a:rect l="l" t="t" r="r" b="b"/>
+              <a:pathLst>
+                <a:path w="1130724" h="565575">
+                  <a:moveTo>
+                    <a:pt x="565362" y="0"/>
+                  </a:moveTo>
+                  <a:cubicBezTo>
+                    <a:pt x="877603" y="0"/>
+                    <a:pt x="1130724" y="253121"/>
+                    <a:pt x="1130724" y="565362"/>
+                  </a:cubicBezTo>
+                  <a:lnTo>
+                    <a:pt x="1130703" y="565575"/>
+                  </a:lnTo>
+                  <a:lnTo>
+                    <a:pt x="21" y="565575"/>
+                  </a:lnTo>
+                  <a:lnTo>
+                    <a:pt x="0" y="565362"/>
+                  </a:lnTo>
+                  <a:cubicBezTo>
+                    <a:pt x="0" y="253121"/>
+                    <a:pt x="253121" y="0"/>
+                    <a:pt x="565362" y="0"/>
+                  </a:cubicBezTo>
+                  <a:close/>
+                </a:path>
+              </a:pathLst>
+            </a:custGeom>
+            <a:solidFill>
+              <a:schemeClr val="bg2"/>
+            </a:solidFill>
+            <a:ln>
+              <a:noFill/>
+            </a:ln>
+          </p:spPr>
+          <p:style>
+            <a:lnRef idx="2">
+              <a:schemeClr val="accent1">
+                <a:shade val="50000"/>
+              </a:schemeClr>
+            </a:lnRef>
+            <a:fillRef idx="1">
+              <a:schemeClr val="accent1"/>
+            </a:fillRef>
+            <a:effectRef idx="0">
+              <a:schemeClr val="accent1"/>
+            </a:effectRef>
+            <a:fontRef idx="minor">
+              <a:schemeClr val="lt1"/>
+            </a:fontRef>
+          </p:style>
+          <p:txBody>
+            <a:bodyPr wrap="square" rtlCol="0" anchor="ctr">
+              <a:noAutofit/>
+            </a:bodyPr>
+            <a:lstStyle/>
+            <a:p>
+              <a:pPr algn="ctr"/>
+              <a:endParaRPr lang="en-US"/>
+            </a:p>
+          </p:txBody>
+        </p:sp>
+        <p:sp>
+          <p:nvSpPr>
+            <p:cNvPr id="24" name="Oval 23">
+              <a:extLst>
+                <a:ext uri="{FF2B5EF4-FFF2-40B4-BE49-F238E27FC236}">
+                  <a16:creationId xmlns:a16="http://schemas.microsoft.com/office/drawing/2014/main" id="{E37187F2-9212-0641-97D0-1ACD50B748A8}"/>
+                </a:ext>
+                <a:ext uri="{C183D7F6-B498-43B3-948B-1728B52AA6E4}">
+                  <adec:decorative xmlns:adec="http://schemas.microsoft.com/office/drawing/2017/decorative" val="1"/>
+                </a:ext>
+              </a:extLst>
+            </p:cNvPr>
+            <p:cNvSpPr/>
+            <p:nvPr>
+              <p:extLst>
+                <p:ext uri="{386F3935-93C4-4BCD-93E2-E3B085C9AB24}">
+                  <p16:designElem xmlns:p16="http://schemas.microsoft.com/office/powerpoint/2015/main" val="1"/>
+                </p:ext>
+              </p:extLst>
+            </p:nvPr>
+          </p:nvSpPr>
+          <p:spPr>
+            <a:xfrm>
+              <a:off x="10289984" y="4920911"/>
+              <a:ext cx="1130725" cy="1130724"/>
+            </a:xfrm>
+            <a:prstGeom prst="ellipse">
+              <a:avLst/>
+            </a:prstGeom>
+            <a:solidFill>
+              <a:schemeClr val="accent1"/>
+            </a:solidFill>
+            <a:ln>
+              <a:noFill/>
+            </a:ln>
+          </p:spPr>
+          <p:style>
+            <a:lnRef idx="2">
+              <a:schemeClr val="accent1">
+                <a:shade val="50000"/>
+              </a:schemeClr>
+            </a:lnRef>
+            <a:fillRef idx="1">
+              <a:schemeClr val="accent1"/>
+            </a:fillRef>
+            <a:effectRef idx="0">
+              <a:schemeClr val="accent1"/>
+            </a:effectRef>
+            <a:fontRef idx="minor">
+              <a:schemeClr val="lt1"/>
+            </a:fontRef>
+          </p:style>
+          <p:txBody>
+            <a:bodyPr rtlCol="0" anchor="ctr"/>
+            <a:lstStyle/>
+            <a:p>
+              <a:pPr algn="ctr"/>
+              <a:endParaRPr lang="en-US"/>
+            </a:p>
+          </p:txBody>
+        </p:sp>
+        <p:sp>
+          <p:nvSpPr>
+            <p:cNvPr id="25" name="Oval 24">
+              <a:extLst>
+                <a:ext uri="{FF2B5EF4-FFF2-40B4-BE49-F238E27FC236}">
+                  <a16:creationId xmlns:a16="http://schemas.microsoft.com/office/drawing/2014/main" id="{C760C651-2AC4-564E-BEAA-AB7FAFE7F79F}"/>
+                </a:ext>
+                <a:ext uri="{C183D7F6-B498-43B3-948B-1728B52AA6E4}">
+                  <adec:decorative xmlns:adec="http://schemas.microsoft.com/office/drawing/2017/decorative" val="1"/>
+                </a:ext>
+              </a:extLst>
+            </p:cNvPr>
+            <p:cNvSpPr/>
+            <p:nvPr>
+              <p:extLst>
+                <p:ext uri="{386F3935-93C4-4BCD-93E2-E3B085C9AB24}">
+                  <p16:designElem xmlns:p16="http://schemas.microsoft.com/office/powerpoint/2015/main" val="1"/>
+                </p:ext>
+              </p:extLst>
+            </p:nvPr>
+          </p:nvSpPr>
+          <p:spPr>
+            <a:xfrm>
+              <a:off x="10289984" y="3549396"/>
+              <a:ext cx="1130725" cy="1130724"/>
+            </a:xfrm>
+            <a:prstGeom prst="ellipse">
+              <a:avLst/>
+            </a:prstGeom>
+            <a:solidFill>
+              <a:schemeClr val="bg2"/>
+            </a:solidFill>
+            <a:ln>
+              <a:noFill/>
+            </a:ln>
+          </p:spPr>
+          <p:style>
+            <a:lnRef idx="2">
+              <a:schemeClr val="accent1">
+                <a:shade val="50000"/>
+              </a:schemeClr>
+            </a:lnRef>
+            <a:fillRef idx="1">
+              <a:schemeClr val="accent1"/>
+            </a:fillRef>
+            <a:effectRef idx="0">
+              <a:schemeClr val="accent1"/>
+            </a:effectRef>
+            <a:fontRef idx="minor">
+              <a:schemeClr val="lt1"/>
+            </a:fontRef>
+          </p:style>
+          <p:txBody>
+            <a:bodyPr rtlCol="0" anchor="ctr"/>
+            <a:lstStyle/>
+            <a:p>
+              <a:pPr algn="ctr"/>
+              <a:endParaRPr lang="en-US"/>
+            </a:p>
+          </p:txBody>
+        </p:sp>
+        <p:sp>
+          <p:nvSpPr>
+            <p:cNvPr id="26" name="Oval 25">
+              <a:extLst>
+                <a:ext uri="{FF2B5EF4-FFF2-40B4-BE49-F238E27FC236}">
+                  <a16:creationId xmlns:a16="http://schemas.microsoft.com/office/drawing/2014/main" id="{58B0A1B8-5BA3-3548-9511-B4904D05264B}"/>
+                </a:ext>
+                <a:ext uri="{C183D7F6-B498-43B3-948B-1728B52AA6E4}">
+                  <adec:decorative xmlns:adec="http://schemas.microsoft.com/office/drawing/2017/decorative" val="1"/>
+                </a:ext>
+              </a:extLst>
+            </p:cNvPr>
+            <p:cNvSpPr/>
+            <p:nvPr>
+              <p:extLst>
+                <p:ext uri="{386F3935-93C4-4BCD-93E2-E3B085C9AB24}">
+                  <p16:designElem xmlns:p16="http://schemas.microsoft.com/office/powerpoint/2015/main" val="1"/>
+                </p:ext>
+              </p:extLst>
+            </p:nvPr>
+          </p:nvSpPr>
+          <p:spPr>
+            <a:xfrm>
+              <a:off x="10289984" y="806366"/>
+              <a:ext cx="1130725" cy="1130724"/>
+            </a:xfrm>
+            <a:prstGeom prst="ellipse">
+              <a:avLst/>
+            </a:prstGeom>
+            <a:solidFill>
+              <a:schemeClr val="bg2"/>
+            </a:solidFill>
+            <a:ln>
+              <a:noFill/>
+            </a:ln>
+          </p:spPr>
+          <p:style>
+            <a:lnRef idx="2">
+              <a:schemeClr val="accent1">
+                <a:shade val="50000"/>
+              </a:schemeClr>
+            </a:lnRef>
+            <a:fillRef idx="1">
+              <a:schemeClr val="accent1"/>
+            </a:fillRef>
+            <a:effectRef idx="0">
+              <a:schemeClr val="accent1"/>
+            </a:effectRef>
+            <a:fontRef idx="minor">
+              <a:schemeClr val="lt1"/>
+            </a:fontRef>
+          </p:style>
+          <p:txBody>
+            <a:bodyPr rtlCol="0" anchor="ctr"/>
+            <a:lstStyle/>
+            <a:p>
+              <a:pPr algn="ctr"/>
+              <a:endParaRPr lang="en-US"/>
+            </a:p>
+          </p:txBody>
+        </p:sp>
+        <p:sp>
+          <p:nvSpPr>
+            <p:cNvPr id="27" name="Freeform 75">
+              <a:extLst>
+                <a:ext uri="{FF2B5EF4-FFF2-40B4-BE49-F238E27FC236}">
+                  <a16:creationId xmlns:a16="http://schemas.microsoft.com/office/drawing/2014/main" id="{424CD779-EE9A-214D-9488-767327E373AA}"/>
+                </a:ext>
+                <a:ext uri="{C183D7F6-B498-43B3-948B-1728B52AA6E4}">
+                  <adec:decorative xmlns:adec="http://schemas.microsoft.com/office/drawing/2017/decorative" val="1"/>
+                </a:ext>
+              </a:extLst>
+            </p:cNvPr>
+            <p:cNvSpPr/>
+            <p:nvPr>
+              <p:extLst>
+                <p:ext uri="{386F3935-93C4-4BCD-93E2-E3B085C9AB24}">
+                  <p16:designElem xmlns:p16="http://schemas.microsoft.com/office/powerpoint/2015/main" val="1"/>
+                </p:ext>
+              </p:extLst>
+            </p:nvPr>
+          </p:nvSpPr>
+          <p:spPr>
+            <a:xfrm>
+              <a:off x="10289983" y="0"/>
+              <a:ext cx="1130726" cy="565576"/>
+            </a:xfrm>
+            <a:custGeom>
+              <a:avLst/>
+              <a:gdLst>
+                <a:gd name="connsiteX0" fmla="*/ 21 w 1130726"/>
+                <a:gd name="connsiteY0" fmla="*/ 0 h 565576"/>
+                <a:gd name="connsiteX1" fmla="*/ 1130704 w 1130726"/>
+                <a:gd name="connsiteY1" fmla="*/ 0 h 565576"/>
+                <a:gd name="connsiteX2" fmla="*/ 1130726 w 1130726"/>
+                <a:gd name="connsiteY2" fmla="*/ 214 h 565576"/>
+                <a:gd name="connsiteX3" fmla="*/ 565363 w 1130726"/>
+                <a:gd name="connsiteY3" fmla="*/ 565576 h 565576"/>
+                <a:gd name="connsiteX4" fmla="*/ 0 w 1130726"/>
+                <a:gd name="connsiteY4" fmla="*/ 214 h 565576"/>
+              </a:gdLst>
+              <a:ahLst/>
+              <a:cxnLst>
+                <a:cxn ang="0">
+                  <a:pos x="connsiteX0" y="connsiteY0"/>
+                </a:cxn>
+                <a:cxn ang="0">
+                  <a:pos x="connsiteX1" y="connsiteY1"/>
+                </a:cxn>
+                <a:cxn ang="0">
+                  <a:pos x="connsiteX2" y="connsiteY2"/>
+                </a:cxn>
+                <a:cxn ang="0">
+                  <a:pos x="connsiteX3" y="connsiteY3"/>
+                </a:cxn>
+                <a:cxn ang="0">
+                  <a:pos x="connsiteX4" y="connsiteY4"/>
+                </a:cxn>
+              </a:cxnLst>
+              <a:rect l="l" t="t" r="r" b="b"/>
+              <a:pathLst>
+                <a:path w="1130726" h="565576">
+                  <a:moveTo>
+                    <a:pt x="21" y="0"/>
+                  </a:moveTo>
+                  <a:lnTo>
+                    <a:pt x="1130704" y="0"/>
+                  </a:lnTo>
+                  <a:lnTo>
+                    <a:pt x="1130726" y="214"/>
+                  </a:lnTo>
+                  <a:cubicBezTo>
+                    <a:pt x="1130726" y="312455"/>
+                    <a:pt x="877604" y="565576"/>
+                    <a:pt x="565363" y="565576"/>
+                  </a:cubicBezTo>
+                  <a:cubicBezTo>
+                    <a:pt x="253122" y="565576"/>
+                    <a:pt x="0" y="312455"/>
+                    <a:pt x="0" y="214"/>
+                  </a:cubicBezTo>
+                  <a:close/>
+                </a:path>
+              </a:pathLst>
+            </a:custGeom>
+            <a:solidFill>
+              <a:schemeClr val="bg2"/>
+            </a:solidFill>
+            <a:ln>
+              <a:noFill/>
+            </a:ln>
+          </p:spPr>
+          <p:style>
+            <a:lnRef idx="2">
+              <a:schemeClr val="accent1">
+                <a:shade val="50000"/>
+              </a:schemeClr>
+            </a:lnRef>
+            <a:fillRef idx="1">
+              <a:schemeClr val="accent1"/>
+            </a:fillRef>
+            <a:effectRef idx="0">
+              <a:schemeClr val="accent1"/>
+            </a:effectRef>
+            <a:fontRef idx="minor">
+              <a:schemeClr val="lt1"/>
+            </a:fontRef>
+          </p:style>
+          <p:txBody>
+            <a:bodyPr wrap="square" rtlCol="0" anchor="ctr">
+              <a:noAutofit/>
+            </a:bodyPr>
+            <a:lstStyle/>
+            <a:p>
+              <a:pPr algn="ctr"/>
+              <a:endParaRPr lang="en-US"/>
+            </a:p>
+          </p:txBody>
+        </p:sp>
+        <p:sp>
+          <p:nvSpPr>
+            <p:cNvPr id="28" name="Freeform 76">
+              <a:extLst>
+                <a:ext uri="{FF2B5EF4-FFF2-40B4-BE49-F238E27FC236}">
+                  <a16:creationId xmlns:a16="http://schemas.microsoft.com/office/drawing/2014/main" id="{630D08C6-9EFB-8540-875F-2A55DED2AAE3}"/>
+                </a:ext>
+                <a:ext uri="{C183D7F6-B498-43B3-948B-1728B52AA6E4}">
+                  <adec:decorative xmlns:adec="http://schemas.microsoft.com/office/drawing/2017/decorative" val="1"/>
+                </a:ext>
+              </a:extLst>
+            </p:cNvPr>
+            <p:cNvSpPr/>
+            <p:nvPr>
+              <p:extLst>
+                <p:ext uri="{386F3935-93C4-4BCD-93E2-E3B085C9AB24}">
+                  <p16:designElem xmlns:p16="http://schemas.microsoft.com/office/powerpoint/2015/main" val="1"/>
+                </p:ext>
+              </p:extLst>
+            </p:nvPr>
+          </p:nvSpPr>
+          <p:spPr>
+            <a:xfrm>
+              <a:off x="11652854" y="6295069"/>
+              <a:ext cx="539146" cy="562931"/>
+            </a:xfrm>
+            <a:custGeom>
+              <a:avLst/>
+              <a:gdLst>
+                <a:gd name="connsiteX0" fmla="*/ 539146 w 539146"/>
+                <a:gd name="connsiteY0" fmla="*/ 0 h 562931"/>
+                <a:gd name="connsiteX1" fmla="*/ 539146 w 539146"/>
+                <a:gd name="connsiteY1" fmla="*/ 562931 h 562931"/>
+                <a:gd name="connsiteX2" fmla="*/ 21 w 539146"/>
+                <a:gd name="connsiteY2" fmla="*/ 562931 h 562931"/>
+                <a:gd name="connsiteX3" fmla="*/ 0 w 539146"/>
+                <a:gd name="connsiteY3" fmla="*/ 562719 h 562931"/>
+                <a:gd name="connsiteX4" fmla="*/ 451422 w 539146"/>
+                <a:gd name="connsiteY4" fmla="*/ 8843 h 562931"/>
+              </a:gdLst>
+              <a:ahLst/>
+              <a:cxnLst>
+                <a:cxn ang="0">
+                  <a:pos x="connsiteX0" y="connsiteY0"/>
+                </a:cxn>
+                <a:cxn ang="0">
+                  <a:pos x="connsiteX1" y="connsiteY1"/>
+                </a:cxn>
+                <a:cxn ang="0">
+                  <a:pos x="connsiteX2" y="connsiteY2"/>
+                </a:cxn>
+                <a:cxn ang="0">
+                  <a:pos x="connsiteX3" y="connsiteY3"/>
+                </a:cxn>
+                <a:cxn ang="0">
+                  <a:pos x="connsiteX4" y="connsiteY4"/>
+                </a:cxn>
+              </a:cxnLst>
+              <a:rect l="l" t="t" r="r" b="b"/>
+              <a:pathLst>
+                <a:path w="539146" h="562931">
+                  <a:moveTo>
+                    <a:pt x="539146" y="0"/>
+                  </a:moveTo>
+                  <a:lnTo>
+                    <a:pt x="539146" y="562931"/>
+                  </a:lnTo>
+                  <a:lnTo>
+                    <a:pt x="21" y="562931"/>
+                  </a:lnTo>
+                  <a:lnTo>
+                    <a:pt x="0" y="562719"/>
+                  </a:lnTo>
+                  <a:cubicBezTo>
+                    <a:pt x="0" y="289508"/>
+                    <a:pt x="193796" y="61561"/>
+                    <a:pt x="451422" y="8843"/>
+                  </a:cubicBezTo>
+                  <a:close/>
+                </a:path>
+              </a:pathLst>
+            </a:custGeom>
+            <a:solidFill>
+              <a:schemeClr val="bg2"/>
+            </a:solidFill>
+            <a:ln>
+              <a:noFill/>
+            </a:ln>
+          </p:spPr>
+          <p:style>
+            <a:lnRef idx="2">
+              <a:schemeClr val="accent1">
+                <a:shade val="50000"/>
+              </a:schemeClr>
+            </a:lnRef>
+            <a:fillRef idx="1">
+              <a:schemeClr val="accent1"/>
+            </a:fillRef>
+            <a:effectRef idx="0">
+              <a:schemeClr val="accent1"/>
+            </a:effectRef>
+            <a:fontRef idx="minor">
+              <a:schemeClr val="lt1"/>
+            </a:fontRef>
+          </p:style>
+          <p:txBody>
+            <a:bodyPr wrap="square" rtlCol="0" anchor="ctr">
+              <a:noAutofit/>
+            </a:bodyPr>
+            <a:lstStyle/>
+            <a:p>
+              <a:pPr algn="ctr"/>
+              <a:endParaRPr lang="en-US"/>
+            </a:p>
+          </p:txBody>
+        </p:sp>
+        <p:sp>
+          <p:nvSpPr>
+            <p:cNvPr id="29" name="Freeform 77">
+              <a:extLst>
+                <a:ext uri="{FF2B5EF4-FFF2-40B4-BE49-F238E27FC236}">
+                  <a16:creationId xmlns:a16="http://schemas.microsoft.com/office/drawing/2014/main" id="{D7E8DA86-1294-4641-9C52-6E153150641C}"/>
+                </a:ext>
+                <a:ext uri="{C183D7F6-B498-43B3-948B-1728B52AA6E4}">
+                  <adec:decorative xmlns:adec="http://schemas.microsoft.com/office/drawing/2017/decorative" val="1"/>
+                </a:ext>
+              </a:extLst>
+            </p:cNvPr>
+            <p:cNvSpPr/>
+            <p:nvPr>
+              <p:extLst>
+                <p:ext uri="{386F3935-93C4-4BCD-93E2-E3B085C9AB24}">
+                  <p16:designElem xmlns:p16="http://schemas.microsoft.com/office/powerpoint/2015/main" val="1"/>
+                </p:ext>
+              </p:extLst>
+            </p:nvPr>
+          </p:nvSpPr>
+          <p:spPr>
+            <a:xfrm>
+              <a:off x="11652853" y="4923555"/>
+              <a:ext cx="539147" cy="1125439"/>
+            </a:xfrm>
+            <a:custGeom>
+              <a:avLst/>
+              <a:gdLst>
+                <a:gd name="connsiteX0" fmla="*/ 539147 w 539147"/>
+                <a:gd name="connsiteY0" fmla="*/ 0 h 1125439"/>
+                <a:gd name="connsiteX1" fmla="*/ 539147 w 539147"/>
+                <a:gd name="connsiteY1" fmla="*/ 1125439 h 1125439"/>
+                <a:gd name="connsiteX2" fmla="*/ 451423 w 539147"/>
+                <a:gd name="connsiteY2" fmla="*/ 1116595 h 1125439"/>
+                <a:gd name="connsiteX3" fmla="*/ 0 w 539147"/>
+                <a:gd name="connsiteY3" fmla="*/ 562719 h 1125439"/>
+                <a:gd name="connsiteX4" fmla="*/ 451423 w 539147"/>
+                <a:gd name="connsiteY4" fmla="*/ 8843 h 1125439"/>
+              </a:gdLst>
+              <a:ahLst/>
+              <a:cxnLst>
+                <a:cxn ang="0">
+                  <a:pos x="connsiteX0" y="connsiteY0"/>
+                </a:cxn>
+                <a:cxn ang="0">
+                  <a:pos x="connsiteX1" y="connsiteY1"/>
+                </a:cxn>
+                <a:cxn ang="0">
+                  <a:pos x="connsiteX2" y="connsiteY2"/>
+                </a:cxn>
+                <a:cxn ang="0">
+                  <a:pos x="connsiteX3" y="connsiteY3"/>
+                </a:cxn>
+                <a:cxn ang="0">
+                  <a:pos x="connsiteX4" y="connsiteY4"/>
+                </a:cxn>
+              </a:cxnLst>
+              <a:rect l="l" t="t" r="r" b="b"/>
+              <a:pathLst>
+                <a:path w="539147" h="1125439">
+                  <a:moveTo>
+                    <a:pt x="539147" y="0"/>
+                  </a:moveTo>
+                  <a:lnTo>
+                    <a:pt x="539147" y="1125439"/>
+                  </a:lnTo>
+                  <a:lnTo>
+                    <a:pt x="451423" y="1116595"/>
+                  </a:lnTo>
+                  <a:cubicBezTo>
+                    <a:pt x="193797" y="1063877"/>
+                    <a:pt x="0" y="835930"/>
+                    <a:pt x="0" y="562719"/>
+                  </a:cubicBezTo>
+                  <a:cubicBezTo>
+                    <a:pt x="0" y="289508"/>
+                    <a:pt x="193797" y="61561"/>
+                    <a:pt x="451423" y="8843"/>
+                  </a:cubicBezTo>
+                  <a:close/>
+                </a:path>
+              </a:pathLst>
+            </a:custGeom>
+            <a:solidFill>
+              <a:schemeClr val="accent1"/>
+            </a:solidFill>
+            <a:ln>
+              <a:noFill/>
+            </a:ln>
+          </p:spPr>
+          <p:style>
+            <a:lnRef idx="2">
+              <a:schemeClr val="accent1">
+                <a:shade val="50000"/>
+              </a:schemeClr>
+            </a:lnRef>
+            <a:fillRef idx="1">
+              <a:schemeClr val="accent1"/>
+            </a:fillRef>
+            <a:effectRef idx="0">
+              <a:schemeClr val="accent1"/>
+            </a:effectRef>
+            <a:fontRef idx="minor">
+              <a:schemeClr val="lt1"/>
+            </a:fontRef>
+          </p:style>
+          <p:txBody>
+            <a:bodyPr wrap="square" rtlCol="0" anchor="ctr">
+              <a:noAutofit/>
+            </a:bodyPr>
+            <a:lstStyle/>
+            <a:p>
+              <a:pPr algn="ctr"/>
+              <a:endParaRPr lang="en-US"/>
+            </a:p>
+          </p:txBody>
+        </p:sp>
+        <p:sp>
+          <p:nvSpPr>
+            <p:cNvPr id="30" name="Freeform 78">
+              <a:extLst>
+                <a:ext uri="{FF2B5EF4-FFF2-40B4-BE49-F238E27FC236}">
+                  <a16:creationId xmlns:a16="http://schemas.microsoft.com/office/drawing/2014/main" id="{011063C9-2A43-3348-A018-F27FACAA778D}"/>
+                </a:ext>
+                <a:ext uri="{C183D7F6-B498-43B3-948B-1728B52AA6E4}">
+                  <adec:decorative xmlns:adec="http://schemas.microsoft.com/office/drawing/2017/decorative" val="1"/>
+                </a:ext>
+              </a:extLst>
+            </p:cNvPr>
+            <p:cNvSpPr/>
+            <p:nvPr>
+              <p:extLst>
+                <p:ext uri="{386F3935-93C4-4BCD-93E2-E3B085C9AB24}">
+                  <p16:designElem xmlns:p16="http://schemas.microsoft.com/office/powerpoint/2015/main" val="1"/>
+                </p:ext>
+              </p:extLst>
+            </p:nvPr>
+          </p:nvSpPr>
+          <p:spPr>
+            <a:xfrm>
+              <a:off x="11652853" y="3552039"/>
+              <a:ext cx="539147" cy="1125438"/>
+            </a:xfrm>
+            <a:custGeom>
+              <a:avLst/>
+              <a:gdLst>
+                <a:gd name="connsiteX0" fmla="*/ 539147 w 539147"/>
+                <a:gd name="connsiteY0" fmla="*/ 0 h 1125438"/>
+                <a:gd name="connsiteX1" fmla="*/ 539147 w 539147"/>
+                <a:gd name="connsiteY1" fmla="*/ 1125438 h 1125438"/>
+                <a:gd name="connsiteX2" fmla="*/ 451423 w 539147"/>
+                <a:gd name="connsiteY2" fmla="*/ 1116595 h 1125438"/>
+                <a:gd name="connsiteX3" fmla="*/ 0 w 539147"/>
+                <a:gd name="connsiteY3" fmla="*/ 562719 h 1125438"/>
+                <a:gd name="connsiteX4" fmla="*/ 451423 w 539147"/>
+                <a:gd name="connsiteY4" fmla="*/ 8843 h 1125438"/>
+              </a:gdLst>
+              <a:ahLst/>
+              <a:cxnLst>
+                <a:cxn ang="0">
+                  <a:pos x="connsiteX0" y="connsiteY0"/>
+                </a:cxn>
+                <a:cxn ang="0">
+                  <a:pos x="connsiteX1" y="connsiteY1"/>
+                </a:cxn>
+                <a:cxn ang="0">
+                  <a:pos x="connsiteX2" y="connsiteY2"/>
+                </a:cxn>
+                <a:cxn ang="0">
+                  <a:pos x="connsiteX3" y="connsiteY3"/>
+                </a:cxn>
+                <a:cxn ang="0">
+                  <a:pos x="connsiteX4" y="connsiteY4"/>
+                </a:cxn>
+              </a:cxnLst>
+              <a:rect l="l" t="t" r="r" b="b"/>
+              <a:pathLst>
+                <a:path w="539147" h="1125438">
+                  <a:moveTo>
+                    <a:pt x="539147" y="0"/>
+                  </a:moveTo>
+                  <a:lnTo>
+                    <a:pt x="539147" y="1125438"/>
+                  </a:lnTo>
+                  <a:lnTo>
+                    <a:pt x="451423" y="1116595"/>
+                  </a:lnTo>
+                  <a:cubicBezTo>
+                    <a:pt x="193797" y="1063877"/>
+                    <a:pt x="0" y="835930"/>
+                    <a:pt x="0" y="562719"/>
+                  </a:cubicBezTo>
+                  <a:cubicBezTo>
+                    <a:pt x="0" y="289508"/>
+                    <a:pt x="193797" y="61561"/>
+                    <a:pt x="451423" y="8843"/>
+                  </a:cubicBezTo>
+                  <a:close/>
+                </a:path>
+              </a:pathLst>
+            </a:custGeom>
+            <a:solidFill>
+              <a:schemeClr val="bg2"/>
+            </a:solidFill>
+            <a:ln>
+              <a:noFill/>
+            </a:ln>
+          </p:spPr>
+          <p:style>
+            <a:lnRef idx="2">
+              <a:schemeClr val="accent1">
+                <a:shade val="50000"/>
+              </a:schemeClr>
+            </a:lnRef>
+            <a:fillRef idx="1">
+              <a:schemeClr val="accent1"/>
+            </a:fillRef>
+            <a:effectRef idx="0">
+              <a:schemeClr val="accent1"/>
+            </a:effectRef>
+            <a:fontRef idx="minor">
+              <a:schemeClr val="lt1"/>
+            </a:fontRef>
+          </p:style>
+          <p:txBody>
+            <a:bodyPr wrap="square" rtlCol="0" anchor="ctr">
+              <a:noAutofit/>
+            </a:bodyPr>
+            <a:lstStyle/>
+            <a:p>
+              <a:pPr algn="ctr"/>
+              <a:endParaRPr lang="en-US"/>
+            </a:p>
+          </p:txBody>
+        </p:sp>
+        <p:sp>
+          <p:nvSpPr>
+            <p:cNvPr id="31" name="Freeform 79">
+              <a:extLst>
+                <a:ext uri="{FF2B5EF4-FFF2-40B4-BE49-F238E27FC236}">
+                  <a16:creationId xmlns:a16="http://schemas.microsoft.com/office/drawing/2014/main" id="{EE85C7DE-D965-244F-BD95-3A05FF4AAC61}"/>
+                </a:ext>
+                <a:ext uri="{C183D7F6-B498-43B3-948B-1728B52AA6E4}">
+                  <adec:decorative xmlns:adec="http://schemas.microsoft.com/office/drawing/2017/decorative" val="1"/>
+                </a:ext>
+              </a:extLst>
+            </p:cNvPr>
+            <p:cNvSpPr/>
+            <p:nvPr>
+              <p:extLst>
+                <p:ext uri="{386F3935-93C4-4BCD-93E2-E3B085C9AB24}">
+                  <p16:designElem xmlns:p16="http://schemas.microsoft.com/office/powerpoint/2015/main" val="1"/>
+                </p:ext>
+              </p:extLst>
+            </p:nvPr>
+          </p:nvSpPr>
+          <p:spPr>
+            <a:xfrm>
+              <a:off x="11652853" y="2180524"/>
+              <a:ext cx="539147" cy="1125438"/>
+            </a:xfrm>
+            <a:custGeom>
+              <a:avLst/>
+              <a:gdLst>
+                <a:gd name="connsiteX0" fmla="*/ 539147 w 539147"/>
+                <a:gd name="connsiteY0" fmla="*/ 0 h 1125438"/>
+                <a:gd name="connsiteX1" fmla="*/ 539147 w 539147"/>
+                <a:gd name="connsiteY1" fmla="*/ 1125438 h 1125438"/>
+                <a:gd name="connsiteX2" fmla="*/ 451423 w 539147"/>
+                <a:gd name="connsiteY2" fmla="*/ 1116595 h 1125438"/>
+                <a:gd name="connsiteX3" fmla="*/ 0 w 539147"/>
+                <a:gd name="connsiteY3" fmla="*/ 562719 h 1125438"/>
+                <a:gd name="connsiteX4" fmla="*/ 451423 w 539147"/>
+                <a:gd name="connsiteY4" fmla="*/ 8843 h 1125438"/>
+              </a:gdLst>
+              <a:ahLst/>
+              <a:cxnLst>
+                <a:cxn ang="0">
+                  <a:pos x="connsiteX0" y="connsiteY0"/>
+                </a:cxn>
+                <a:cxn ang="0">
+                  <a:pos x="connsiteX1" y="connsiteY1"/>
+                </a:cxn>
+                <a:cxn ang="0">
+                  <a:pos x="connsiteX2" y="connsiteY2"/>
+                </a:cxn>
+                <a:cxn ang="0">
+                  <a:pos x="connsiteX3" y="connsiteY3"/>
+                </a:cxn>
+                <a:cxn ang="0">
+                  <a:pos x="connsiteX4" y="connsiteY4"/>
+                </a:cxn>
+              </a:cxnLst>
+              <a:rect l="l" t="t" r="r" b="b"/>
+              <a:pathLst>
+                <a:path w="539147" h="1125438">
+                  <a:moveTo>
+                    <a:pt x="539147" y="0"/>
+                  </a:moveTo>
+                  <a:lnTo>
+                    <a:pt x="539147" y="1125438"/>
+                  </a:lnTo>
+                  <a:lnTo>
+                    <a:pt x="451423" y="1116595"/>
+                  </a:lnTo>
+                  <a:cubicBezTo>
+                    <a:pt x="193797" y="1063877"/>
+                    <a:pt x="0" y="835930"/>
+                    <a:pt x="0" y="562719"/>
+                  </a:cubicBezTo>
+                  <a:cubicBezTo>
+                    <a:pt x="0" y="289509"/>
+                    <a:pt x="193797" y="61561"/>
+                    <a:pt x="451423" y="8843"/>
+                  </a:cubicBezTo>
+                  <a:close/>
+                </a:path>
+              </a:pathLst>
+            </a:custGeom>
+            <a:solidFill>
+              <a:schemeClr val="bg2"/>
+            </a:solidFill>
+            <a:ln>
+              <a:noFill/>
+            </a:ln>
+          </p:spPr>
+          <p:style>
+            <a:lnRef idx="2">
+              <a:schemeClr val="accent1">
+                <a:shade val="50000"/>
+              </a:schemeClr>
+            </a:lnRef>
+            <a:fillRef idx="1">
+              <a:schemeClr val="accent1"/>
+            </a:fillRef>
+            <a:effectRef idx="0">
+              <a:schemeClr val="accent1"/>
+            </a:effectRef>
+            <a:fontRef idx="minor">
+              <a:schemeClr val="lt1"/>
+            </a:fontRef>
+          </p:style>
+          <p:txBody>
+            <a:bodyPr wrap="square" rtlCol="0" anchor="ctr">
+              <a:noAutofit/>
+            </a:bodyPr>
+            <a:lstStyle/>
+            <a:p>
+              <a:pPr algn="ctr"/>
+              <a:endParaRPr lang="en-US"/>
+            </a:p>
+          </p:txBody>
+        </p:sp>
+        <p:sp>
+          <p:nvSpPr>
+            <p:cNvPr id="32" name="Freeform 80">
+              <a:extLst>
+                <a:ext uri="{FF2B5EF4-FFF2-40B4-BE49-F238E27FC236}">
+                  <a16:creationId xmlns:a16="http://schemas.microsoft.com/office/drawing/2014/main" id="{315A1389-149A-3342-A863-637D42FDB28D}"/>
+                </a:ext>
+                <a:ext uri="{C183D7F6-B498-43B3-948B-1728B52AA6E4}">
+                  <adec:decorative xmlns:adec="http://schemas.microsoft.com/office/drawing/2017/decorative" val="1"/>
+                </a:ext>
+              </a:extLst>
+            </p:cNvPr>
+            <p:cNvSpPr/>
+            <p:nvPr>
+              <p:extLst>
+                <p:ext uri="{386F3935-93C4-4BCD-93E2-E3B085C9AB24}">
+                  <p16:designElem xmlns:p16="http://schemas.microsoft.com/office/powerpoint/2015/main" val="1"/>
+                </p:ext>
+              </p:extLst>
+            </p:nvPr>
+          </p:nvSpPr>
+          <p:spPr>
+            <a:xfrm>
+              <a:off x="11652853" y="809010"/>
+              <a:ext cx="539147" cy="1125439"/>
+            </a:xfrm>
+            <a:custGeom>
+              <a:avLst/>
+              <a:gdLst>
+                <a:gd name="connsiteX0" fmla="*/ 539147 w 539147"/>
+                <a:gd name="connsiteY0" fmla="*/ 0 h 1125439"/>
+                <a:gd name="connsiteX1" fmla="*/ 539147 w 539147"/>
+                <a:gd name="connsiteY1" fmla="*/ 1125439 h 1125439"/>
+                <a:gd name="connsiteX2" fmla="*/ 451423 w 539147"/>
+                <a:gd name="connsiteY2" fmla="*/ 1116595 h 1125439"/>
+                <a:gd name="connsiteX3" fmla="*/ 0 w 539147"/>
+                <a:gd name="connsiteY3" fmla="*/ 562719 h 1125439"/>
+                <a:gd name="connsiteX4" fmla="*/ 451423 w 539147"/>
+                <a:gd name="connsiteY4" fmla="*/ 8843 h 1125439"/>
+              </a:gdLst>
+              <a:ahLst/>
+              <a:cxnLst>
+                <a:cxn ang="0">
+                  <a:pos x="connsiteX0" y="connsiteY0"/>
+                </a:cxn>
+                <a:cxn ang="0">
+                  <a:pos x="connsiteX1" y="connsiteY1"/>
+                </a:cxn>
+                <a:cxn ang="0">
+                  <a:pos x="connsiteX2" y="connsiteY2"/>
+                </a:cxn>
+                <a:cxn ang="0">
+                  <a:pos x="connsiteX3" y="connsiteY3"/>
+                </a:cxn>
+                <a:cxn ang="0">
+                  <a:pos x="connsiteX4" y="connsiteY4"/>
+                </a:cxn>
+              </a:cxnLst>
+              <a:rect l="l" t="t" r="r" b="b"/>
+              <a:pathLst>
+                <a:path w="539147" h="1125439">
+                  <a:moveTo>
+                    <a:pt x="539147" y="0"/>
+                  </a:moveTo>
+                  <a:lnTo>
+                    <a:pt x="539147" y="1125439"/>
+                  </a:lnTo>
+                  <a:lnTo>
+                    <a:pt x="451423" y="1116595"/>
+                  </a:lnTo>
+                  <a:cubicBezTo>
+                    <a:pt x="193797" y="1063877"/>
+                    <a:pt x="0" y="835930"/>
+                    <a:pt x="0" y="562719"/>
+                  </a:cubicBezTo>
+                  <a:cubicBezTo>
+                    <a:pt x="0" y="289508"/>
+                    <a:pt x="193797" y="61561"/>
+                    <a:pt x="451423" y="8843"/>
+                  </a:cubicBezTo>
+                  <a:close/>
+                </a:path>
+              </a:pathLst>
+            </a:custGeom>
+            <a:solidFill>
+              <a:schemeClr val="bg2"/>
+            </a:solidFill>
+            <a:ln>
+              <a:noFill/>
+            </a:ln>
+          </p:spPr>
+          <p:style>
+            <a:lnRef idx="2">
+              <a:schemeClr val="accent1">
+                <a:shade val="50000"/>
+              </a:schemeClr>
+            </a:lnRef>
+            <a:fillRef idx="1">
+              <a:schemeClr val="accent1"/>
+            </a:fillRef>
+            <a:effectRef idx="0">
+              <a:schemeClr val="accent1"/>
+            </a:effectRef>
+            <a:fontRef idx="minor">
+              <a:schemeClr val="lt1"/>
+            </a:fontRef>
+          </p:style>
+          <p:txBody>
+            <a:bodyPr wrap="square" rtlCol="0" anchor="ctr">
+              <a:noAutofit/>
+            </a:bodyPr>
+            <a:lstStyle/>
+            <a:p>
+              <a:pPr algn="ctr"/>
+              <a:endParaRPr lang="en-US"/>
+            </a:p>
+          </p:txBody>
+        </p:sp>
+        <p:sp>
+          <p:nvSpPr>
+            <p:cNvPr id="33" name="Freeform 81">
+              <a:extLst>
+                <a:ext uri="{FF2B5EF4-FFF2-40B4-BE49-F238E27FC236}">
+                  <a16:creationId xmlns:a16="http://schemas.microsoft.com/office/drawing/2014/main" id="{B149CC6F-B6C6-BE46-B451-1BF7D47A8936}"/>
+                </a:ext>
+                <a:ext uri="{C183D7F6-B498-43B3-948B-1728B52AA6E4}">
+                  <adec:decorative xmlns:adec="http://schemas.microsoft.com/office/drawing/2017/decorative" val="1"/>
+                </a:ext>
+              </a:extLst>
+            </p:cNvPr>
+            <p:cNvSpPr/>
+            <p:nvPr>
+              <p:extLst>
+                <p:ext uri="{386F3935-93C4-4BCD-93E2-E3B085C9AB24}">
+                  <p16:designElem xmlns:p16="http://schemas.microsoft.com/office/powerpoint/2015/main" val="1"/>
+                </p:ext>
+              </p:extLst>
+            </p:nvPr>
+          </p:nvSpPr>
+          <p:spPr>
+            <a:xfrm>
+              <a:off x="11652853" y="1"/>
+              <a:ext cx="539147" cy="562933"/>
+            </a:xfrm>
+            <a:custGeom>
+              <a:avLst/>
+              <a:gdLst>
+                <a:gd name="connsiteX0" fmla="*/ 22 w 539147"/>
+                <a:gd name="connsiteY0" fmla="*/ 0 h 562933"/>
+                <a:gd name="connsiteX1" fmla="*/ 539147 w 539147"/>
+                <a:gd name="connsiteY1" fmla="*/ 0 h 562933"/>
+                <a:gd name="connsiteX2" fmla="*/ 539147 w 539147"/>
+                <a:gd name="connsiteY2" fmla="*/ 562933 h 562933"/>
+                <a:gd name="connsiteX3" fmla="*/ 451423 w 539147"/>
+                <a:gd name="connsiteY3" fmla="*/ 554090 h 562933"/>
+                <a:gd name="connsiteX4" fmla="*/ 0 w 539147"/>
+                <a:gd name="connsiteY4" fmla="*/ 214 h 562933"/>
+              </a:gdLst>
+              <a:ahLst/>
+              <a:cxnLst>
+                <a:cxn ang="0">
+                  <a:pos x="connsiteX0" y="connsiteY0"/>
+                </a:cxn>
+                <a:cxn ang="0">
+                  <a:pos x="connsiteX1" y="connsiteY1"/>
+                </a:cxn>
+                <a:cxn ang="0">
+                  <a:pos x="connsiteX2" y="connsiteY2"/>
+                </a:cxn>
+                <a:cxn ang="0">
+                  <a:pos x="connsiteX3" y="connsiteY3"/>
+                </a:cxn>
+                <a:cxn ang="0">
+                  <a:pos x="connsiteX4" y="connsiteY4"/>
+                </a:cxn>
+              </a:cxnLst>
+              <a:rect l="l" t="t" r="r" b="b"/>
+              <a:pathLst>
+                <a:path w="539147" h="562933">
+                  <a:moveTo>
+                    <a:pt x="22" y="0"/>
+                  </a:moveTo>
+                  <a:lnTo>
+                    <a:pt x="539147" y="0"/>
+                  </a:lnTo>
+                  <a:lnTo>
+                    <a:pt x="539147" y="562933"/>
+                  </a:lnTo>
+                  <a:lnTo>
+                    <a:pt x="451423" y="554090"/>
+                  </a:lnTo>
+                  <a:cubicBezTo>
+                    <a:pt x="193797" y="501372"/>
+                    <a:pt x="0" y="273425"/>
+                    <a:pt x="0" y="214"/>
+                  </a:cubicBezTo>
+                  <a:close/>
+                </a:path>
+              </a:pathLst>
+            </a:custGeom>
+            <a:solidFill>
+              <a:schemeClr val="bg2"/>
+            </a:solidFill>
+            <a:ln>
+              <a:noFill/>
+            </a:ln>
+          </p:spPr>
+          <p:style>
+            <a:lnRef idx="2">
+              <a:schemeClr val="accent1">
+                <a:shade val="50000"/>
+              </a:schemeClr>
+            </a:lnRef>
+            <a:fillRef idx="1">
+              <a:schemeClr val="accent1"/>
+            </a:fillRef>
+            <a:effectRef idx="0">
+              <a:schemeClr val="accent1"/>
+            </a:effectRef>
+            <a:fontRef idx="minor">
+              <a:schemeClr val="lt1"/>
+            </a:fontRef>
+          </p:style>
+          <p:txBody>
+            <a:bodyPr wrap="square" rtlCol="0" anchor="ctr">
+              <a:noAutofit/>
+            </a:bodyPr>
+            <a:lstStyle/>
+            <a:p>
+              <a:pPr algn="ctr"/>
+              <a:endParaRPr lang="en-US"/>
+            </a:p>
+          </p:txBody>
+        </p:sp>
+      </p:grpSp>
+      <p:cxnSp>
+        <p:nvCxnSpPr>
+          <p:cNvPr id="35" name="Straight Connector 34">
+            <a:extLst>
+              <a:ext uri="{FF2B5EF4-FFF2-40B4-BE49-F238E27FC236}">
+                <a16:creationId xmlns:a16="http://schemas.microsoft.com/office/drawing/2014/main" id="{D33A3282-0389-C547-8CA6-7F3E7F27B34D}"/>
+              </a:ext>
+              <a:ext uri="{C183D7F6-B498-43B3-948B-1728B52AA6E4}">
+                <adec:decorative xmlns:adec="http://schemas.microsoft.com/office/drawing/2017/decorative" val="1"/>
+              </a:ext>
+            </a:extLst>
+          </p:cNvPr>
+          <p:cNvCxnSpPr>
+            <a:cxnSpLocks noGrp="1" noRot="1" noChangeAspect="1" noMove="1" noResize="1" noEditPoints="1" noAdjustHandles="1" noChangeArrowheads="1" noChangeShapeType="1"/>
+          </p:cNvCxnSpPr>
+          <p:nvPr>
+            <p:extLst>
+              <p:ext uri="{386F3935-93C4-4BCD-93E2-E3B085C9AB24}">
+                <p16:designElem xmlns:p16="http://schemas.microsoft.com/office/powerpoint/2015/main" val="1"/>
+              </p:ext>
+            </p:extLst>
+          </p:nvPr>
+        </p:nvCxnSpPr>
+        <p:spPr>
+          <a:xfrm>
+            <a:off x="565150" y="6087110"/>
+            <a:ext cx="5066001" cy="0"/>
+          </a:xfrm>
+          <a:prstGeom prst="line">
+            <a:avLst/>
+          </a:prstGeom>
+          <a:ln w="12700">
+            <a:solidFill>
+              <a:schemeClr val="bg1">
+                <a:lumMod val="65000"/>
+              </a:schemeClr>
+            </a:solidFill>
+          </a:ln>
+        </p:spPr>
+        <p:style>
+          <a:lnRef idx="1">
+            <a:schemeClr val="accent1"/>
+          </a:lnRef>
+          <a:fillRef idx="0">
+            <a:schemeClr val="accent1"/>
+          </a:fillRef>
+          <a:effectRef idx="0">
+            <a:schemeClr val="accent1"/>
+          </a:effectRef>
+          <a:fontRef idx="minor">
+            <a:schemeClr val="tx1"/>
+          </a:fontRef>
+        </p:style>
+      </p:cxnSp>
+      <p:sp useBgFill="1">
+        <p:nvSpPr>
+          <p:cNvPr id="37" name="Rectangle 36">
+            <a:extLst>
+              <a:ext uri="{FF2B5EF4-FFF2-40B4-BE49-F238E27FC236}">
+                <a16:creationId xmlns:a16="http://schemas.microsoft.com/office/drawing/2014/main" id="{4EFE82FE-7465-AE46-88DF-34D347E83B84}"/>
+              </a:ext>
+              <a:ext uri="{C183D7F6-B498-43B3-948B-1728B52AA6E4}">
+                <adec:decorative xmlns:adec="http://schemas.microsoft.com/office/drawing/2017/decorative" val="1"/>
+              </a:ext>
+            </a:extLst>
+          </p:cNvPr>
+          <p:cNvSpPr>
+            <a:spLocks noGrp="1" noRot="1" noChangeAspect="1" noMove="1" noResize="1" noEditPoints="1" noAdjustHandles="1" noChangeArrowheads="1" noChangeShapeType="1" noTextEdit="1"/>
+          </p:cNvSpPr>
+          <p:nvPr>
+            <p:extLst>
+              <p:ext uri="{386F3935-93C4-4BCD-93E2-E3B085C9AB24}">
+                <p16:designElem xmlns:p16="http://schemas.microsoft.com/office/powerpoint/2015/main" val="1"/>
+              </p:ext>
+            </p:extLst>
+          </p:nvPr>
+        </p:nvSpPr>
+        <p:spPr>
+          <a:xfrm>
+            <a:off x="0" y="0"/>
+            <a:ext cx="12192000" cy="6858000"/>
+          </a:xfrm>
+          <a:prstGeom prst="rect">
+            <a:avLst/>
+          </a:prstGeom>
+          <a:ln>
+            <a:noFill/>
+          </a:ln>
+        </p:spPr>
+        <p:style>
+          <a:lnRef idx="2">
+            <a:schemeClr val="accent1">
+              <a:shade val="50000"/>
+            </a:schemeClr>
+          </a:lnRef>
+          <a:fillRef idx="1">
+            <a:schemeClr val="accent1"/>
+          </a:fillRef>
+          <a:effectRef idx="0">
+            <a:schemeClr val="accent1"/>
+          </a:effectRef>
+          <a:fontRef idx="minor">
+            <a:schemeClr val="lt1"/>
+          </a:fontRef>
+        </p:style>
+        <p:txBody>
+          <a:bodyPr rtlCol="0" anchor="ctr"/>
+          <a:lstStyle/>
+          <a:p>
+            <a:pPr algn="ctr"/>
+            <a:endParaRPr lang="en-US"/>
+          </a:p>
+        </p:txBody>
+      </p:sp>
+      <p:sp>
+        <p:nvSpPr>
+          <p:cNvPr id="2" name="Title 1">
+            <a:extLst>
+              <a:ext uri="{FF2B5EF4-FFF2-40B4-BE49-F238E27FC236}">
+                <a16:creationId xmlns:a16="http://schemas.microsoft.com/office/drawing/2014/main" id="{F4FB8D07-D98E-C59B-9971-963038E8B3B8}"/>
+              </a:ext>
+            </a:extLst>
+          </p:cNvPr>
+          <p:cNvSpPr>
+            <a:spLocks noGrp="1"/>
+          </p:cNvSpPr>
+          <p:nvPr>
+            <p:ph type="title"/>
+          </p:nvPr>
+        </p:nvSpPr>
+        <p:spPr>
+          <a:xfrm>
+            <a:off x="565150" y="768334"/>
+            <a:ext cx="6404372" cy="2866405"/>
+          </a:xfrm>
+        </p:spPr>
+        <p:txBody>
+          <a:bodyPr vert="horz" lIns="91440" tIns="45720" rIns="91440" bIns="45720" rtlCol="0" anchor="t">
+            <a:normAutofit/>
+          </a:bodyPr>
+          <a:lstStyle/>
+          <a:p>
+            <a:r>
+              <a:rPr lang="en-US" sz="6000"/>
+              <a:t>Demo</a:t>
+            </a:r>
+          </a:p>
+        </p:txBody>
+      </p:sp>
+      <p:cxnSp>
+        <p:nvCxnSpPr>
+          <p:cNvPr id="39" name="Straight Connector 38">
+            <a:extLst>
+              <a:ext uri="{FF2B5EF4-FFF2-40B4-BE49-F238E27FC236}">
+                <a16:creationId xmlns:a16="http://schemas.microsoft.com/office/drawing/2014/main" id="{EEA70831-9A8D-3B4D-8EA5-EE32F93E94E9}"/>
+              </a:ext>
+              <a:ext uri="{C183D7F6-B498-43B3-948B-1728B52AA6E4}">
+                <adec:decorative xmlns:adec="http://schemas.microsoft.com/office/drawing/2017/decorative" val="1"/>
+              </a:ext>
+            </a:extLst>
+          </p:cNvPr>
+          <p:cNvCxnSpPr>
+            <a:cxnSpLocks noGrp="1" noRot="1" noChangeAspect="1" noMove="1" noResize="1" noEditPoints="1" noAdjustHandles="1" noChangeArrowheads="1" noChangeShapeType="1"/>
+          </p:cNvCxnSpPr>
+          <p:nvPr>
+            <p:extLst>
+              <p:ext uri="{386F3935-93C4-4BCD-93E2-E3B085C9AB24}">
+                <p16:designElem xmlns:p16="http://schemas.microsoft.com/office/powerpoint/2015/main" val="1"/>
+              </p:ext>
+            </p:extLst>
+          </p:nvPr>
+        </p:nvCxnSpPr>
+        <p:spPr>
+          <a:xfrm>
+            <a:off x="565150" y="6087110"/>
+            <a:ext cx="6404372" cy="0"/>
+          </a:xfrm>
+          <a:prstGeom prst="line">
+            <a:avLst/>
+          </a:prstGeom>
+          <a:ln w="12700">
+            <a:solidFill>
+              <a:schemeClr val="bg1">
+                <a:lumMod val="65000"/>
+              </a:schemeClr>
+            </a:solidFill>
+          </a:ln>
+        </p:spPr>
+        <p:style>
+          <a:lnRef idx="1">
+            <a:schemeClr val="accent1"/>
+          </a:lnRef>
+          <a:fillRef idx="0">
+            <a:schemeClr val="accent1"/>
+          </a:fillRef>
+          <a:effectRef idx="0">
+            <a:schemeClr val="accent1"/>
+          </a:effectRef>
+          <a:fontRef idx="minor">
+            <a:schemeClr val="tx1"/>
+          </a:fontRef>
+        </p:style>
+      </p:cxnSp>
+      <p:pic>
+        <p:nvPicPr>
+          <p:cNvPr id="4" name="Picture 4" descr="A picture containing silhouette&#10;&#10;Description automatically generated">
+            <a:extLst>
+              <a:ext uri="{FF2B5EF4-FFF2-40B4-BE49-F238E27FC236}">
+                <a16:creationId xmlns:a16="http://schemas.microsoft.com/office/drawing/2014/main" id="{CCC7E42F-4B41-77E4-1CD6-72E46879E038}"/>
+              </a:ext>
+            </a:extLst>
+          </p:cNvPr>
+          <p:cNvPicPr>
+            <a:picLocks noGrp="1" noChangeAspect="1"/>
+          </p:cNvPicPr>
+          <p:nvPr>
+            <p:ph idx="1"/>
+          </p:nvPr>
+        </p:nvPicPr>
+        <p:blipFill>
+          <a:blip r:embed="rId2"/>
+          <a:stretch>
+            <a:fillRect/>
+          </a:stretch>
+        </p:blipFill>
+        <p:spPr>
+          <a:xfrm>
+            <a:off x="7534656" y="1423446"/>
+            <a:ext cx="4002456" cy="4002456"/>
+          </a:xfrm>
+          <a:prstGeom prst="rect">
+            <a:avLst/>
+          </a:prstGeom>
+        </p:spPr>
+      </p:pic>
+      <p:grpSp>
+        <p:nvGrpSpPr>
+          <p:cNvPr id="41" name="Group 40">
+            <a:extLst>
+              <a:ext uri="{FF2B5EF4-FFF2-40B4-BE49-F238E27FC236}">
+                <a16:creationId xmlns:a16="http://schemas.microsoft.com/office/drawing/2014/main" id="{1B5E71B3-7269-894E-A00B-31D341365FC9}"/>
+              </a:ext>
+              <a:ext uri="{C183D7F6-B498-43B3-948B-1728B52AA6E4}">
+                <adec:decorative xmlns:adec="http://schemas.microsoft.com/office/drawing/2017/decorative" val="1"/>
+              </a:ext>
+            </a:extLst>
+          </p:cNvPr>
+          <p:cNvGrpSpPr>
+            <a:grpSpLocks noGrp="1" noUngrp="1" noRot="1" noChangeAspect="1" noMove="1" noResize="1"/>
+          </p:cNvGrpSpPr>
+          <p:nvPr>
+            <p:extLst>
+              <p:ext uri="{386F3935-93C4-4BCD-93E2-E3B085C9AB24}">
+                <p16:designElem xmlns:p16="http://schemas.microsoft.com/office/powerpoint/2015/main" val="1"/>
+              </p:ext>
+            </p:extLst>
+          </p:nvPr>
+        </p:nvGrpSpPr>
+        <p:grpSpPr>
+          <a:xfrm>
+            <a:off x="10290315" y="0"/>
+            <a:ext cx="1901686" cy="4677439"/>
+            <a:chOff x="10290315" y="0"/>
+            <a:chExt cx="1901686" cy="4677439"/>
+          </a:xfrm>
+        </p:grpSpPr>
+        <p:sp>
+          <p:nvSpPr>
+            <p:cNvPr id="42" name="Freeform 85">
+              <a:extLst>
+                <a:ext uri="{FF2B5EF4-FFF2-40B4-BE49-F238E27FC236}">
+                  <a16:creationId xmlns:a16="http://schemas.microsoft.com/office/drawing/2014/main" id="{FFFA3A20-1539-CC4A-9BE1-7415FE5A98C6}"/>
+                </a:ext>
+                <a:ext uri="{C183D7F6-B498-43B3-948B-1728B52AA6E4}">
+                  <adec:decorative xmlns:adec="http://schemas.microsoft.com/office/drawing/2017/decorative" val="1"/>
+                </a:ext>
+              </a:extLst>
+            </p:cNvPr>
+            <p:cNvSpPr/>
+            <p:nvPr>
+              <p:extLst>
+                <p:ext uri="{386F3935-93C4-4BCD-93E2-E3B085C9AB24}">
+                  <p16:designElem xmlns:p16="http://schemas.microsoft.com/office/powerpoint/2015/main" val="1"/>
+                </p:ext>
+              </p:extLst>
+            </p:nvPr>
+          </p:nvSpPr>
+          <p:spPr>
+            <a:xfrm>
+              <a:off x="10290315" y="0"/>
+              <a:ext cx="1130724" cy="565573"/>
+            </a:xfrm>
+            <a:custGeom>
+              <a:avLst/>
+              <a:gdLst>
+                <a:gd name="connsiteX0" fmla="*/ 21 w 1130724"/>
+                <a:gd name="connsiteY0" fmla="*/ 0 h 565573"/>
+                <a:gd name="connsiteX1" fmla="*/ 1130703 w 1130724"/>
+                <a:gd name="connsiteY1" fmla="*/ 0 h 565573"/>
+                <a:gd name="connsiteX2" fmla="*/ 1130724 w 1130724"/>
+                <a:gd name="connsiteY2" fmla="*/ 211 h 565573"/>
+                <a:gd name="connsiteX3" fmla="*/ 565362 w 1130724"/>
+                <a:gd name="connsiteY3" fmla="*/ 565573 h 565573"/>
+                <a:gd name="connsiteX4" fmla="*/ 0 w 1130724"/>
+                <a:gd name="connsiteY4" fmla="*/ 211 h 565573"/>
+              </a:gdLst>
+              <a:ahLst/>
+              <a:cxnLst>
+                <a:cxn ang="0">
+                  <a:pos x="connsiteX0" y="connsiteY0"/>
+                </a:cxn>
+                <a:cxn ang="0">
+                  <a:pos x="connsiteX1" y="connsiteY1"/>
+                </a:cxn>
+                <a:cxn ang="0">
+                  <a:pos x="connsiteX2" y="connsiteY2"/>
+                </a:cxn>
+                <a:cxn ang="0">
+                  <a:pos x="connsiteX3" y="connsiteY3"/>
+                </a:cxn>
+                <a:cxn ang="0">
+                  <a:pos x="connsiteX4" y="connsiteY4"/>
+                </a:cxn>
+              </a:cxnLst>
+              <a:rect l="l" t="t" r="r" b="b"/>
+              <a:pathLst>
+                <a:path w="1130724" h="565573">
+                  <a:moveTo>
+                    <a:pt x="21" y="0"/>
+                  </a:moveTo>
+                  <a:lnTo>
+                    <a:pt x="1130703" y="0"/>
+                  </a:lnTo>
+                  <a:lnTo>
+                    <a:pt x="1130724" y="211"/>
+                  </a:lnTo>
+                  <a:cubicBezTo>
+                    <a:pt x="1130724" y="312452"/>
+                    <a:pt x="877603" y="565573"/>
+                    <a:pt x="565362" y="565573"/>
+                  </a:cubicBezTo>
+                  <a:cubicBezTo>
+                    <a:pt x="253121" y="565573"/>
+                    <a:pt x="0" y="312452"/>
+                    <a:pt x="0" y="211"/>
+                  </a:cubicBezTo>
+                  <a:close/>
+                </a:path>
+              </a:pathLst>
+            </a:custGeom>
+            <a:solidFill>
+              <a:schemeClr val="bg2"/>
+            </a:solidFill>
+            <a:ln>
+              <a:noFill/>
+            </a:ln>
+          </p:spPr>
+          <p:style>
+            <a:lnRef idx="2">
+              <a:schemeClr val="accent1">
+                <a:shade val="50000"/>
+              </a:schemeClr>
+            </a:lnRef>
+            <a:fillRef idx="1">
+              <a:schemeClr val="accent1"/>
+            </a:fillRef>
+            <a:effectRef idx="0">
+              <a:schemeClr val="accent1"/>
+            </a:effectRef>
+            <a:fontRef idx="minor">
+              <a:schemeClr val="lt1"/>
+            </a:fontRef>
+          </p:style>
+          <p:txBody>
+            <a:bodyPr wrap="square" rtlCol="0" anchor="ctr">
+              <a:noAutofit/>
+            </a:bodyPr>
+            <a:lstStyle/>
+            <a:p>
+              <a:pPr algn="ctr"/>
+              <a:endParaRPr lang="en-US"/>
+            </a:p>
+          </p:txBody>
+        </p:sp>
+        <p:sp>
+          <p:nvSpPr>
+            <p:cNvPr id="43" name="Freeform 87">
+              <a:extLst>
+                <a:ext uri="{FF2B5EF4-FFF2-40B4-BE49-F238E27FC236}">
+                  <a16:creationId xmlns:a16="http://schemas.microsoft.com/office/drawing/2014/main" id="{44EBCCFB-8EAB-2442-8E02-293F08D50B5C}"/>
+                </a:ext>
+                <a:ext uri="{C183D7F6-B498-43B3-948B-1728B52AA6E4}">
+                  <adec:decorative xmlns:adec="http://schemas.microsoft.com/office/drawing/2017/decorative" val="1"/>
+                </a:ext>
+              </a:extLst>
+            </p:cNvPr>
+            <p:cNvSpPr/>
+            <p:nvPr>
+              <p:extLst>
+                <p:ext uri="{386F3935-93C4-4BCD-93E2-E3B085C9AB24}">
+                  <p16:designElem xmlns:p16="http://schemas.microsoft.com/office/powerpoint/2015/main" val="1"/>
+                </p:ext>
+              </p:extLst>
+            </p:nvPr>
+          </p:nvSpPr>
+          <p:spPr>
+            <a:xfrm>
+              <a:off x="11653180" y="3552066"/>
+              <a:ext cx="538821" cy="1125373"/>
+            </a:xfrm>
+            <a:custGeom>
+              <a:avLst/>
+              <a:gdLst>
+                <a:gd name="connsiteX0" fmla="*/ 538821 w 538821"/>
+                <a:gd name="connsiteY0" fmla="*/ 0 h 1125373"/>
+                <a:gd name="connsiteX1" fmla="*/ 538821 w 538821"/>
+                <a:gd name="connsiteY1" fmla="*/ 1125373 h 1125373"/>
+                <a:gd name="connsiteX2" fmla="*/ 451422 w 538821"/>
+                <a:gd name="connsiteY2" fmla="*/ 1116562 h 1125373"/>
+                <a:gd name="connsiteX3" fmla="*/ 0 w 538821"/>
+                <a:gd name="connsiteY3" fmla="*/ 562686 h 1125373"/>
+                <a:gd name="connsiteX4" fmla="*/ 451422 w 538821"/>
+                <a:gd name="connsiteY4" fmla="*/ 8810 h 1125373"/>
+              </a:gdLst>
+              <a:ahLst/>
+              <a:cxnLst>
+                <a:cxn ang="0">
+                  <a:pos x="connsiteX0" y="connsiteY0"/>
+                </a:cxn>
+                <a:cxn ang="0">
+                  <a:pos x="connsiteX1" y="connsiteY1"/>
+                </a:cxn>
+                <a:cxn ang="0">
+                  <a:pos x="connsiteX2" y="connsiteY2"/>
+                </a:cxn>
+                <a:cxn ang="0">
+                  <a:pos x="connsiteX3" y="connsiteY3"/>
+                </a:cxn>
+                <a:cxn ang="0">
+                  <a:pos x="connsiteX4" y="connsiteY4"/>
+                </a:cxn>
+              </a:cxnLst>
+              <a:rect l="l" t="t" r="r" b="b"/>
+              <a:pathLst>
+                <a:path w="538821" h="1125373">
+                  <a:moveTo>
+                    <a:pt x="538821" y="0"/>
+                  </a:moveTo>
+                  <a:lnTo>
+                    <a:pt x="538821" y="1125373"/>
+                  </a:lnTo>
+                  <a:lnTo>
+                    <a:pt x="451422" y="1116562"/>
+                  </a:lnTo>
+                  <a:cubicBezTo>
+                    <a:pt x="193796" y="1063844"/>
+                    <a:pt x="0" y="835897"/>
+                    <a:pt x="0" y="562686"/>
+                  </a:cubicBezTo>
+                  <a:cubicBezTo>
+                    <a:pt x="0" y="289475"/>
+                    <a:pt x="193796" y="61528"/>
+                    <a:pt x="451422" y="8810"/>
+                  </a:cubicBezTo>
+                  <a:close/>
+                </a:path>
+              </a:pathLst>
+            </a:custGeom>
+            <a:solidFill>
+              <a:schemeClr val="bg2"/>
+            </a:solidFill>
+            <a:ln>
+              <a:noFill/>
+            </a:ln>
+          </p:spPr>
+          <p:style>
+            <a:lnRef idx="2">
+              <a:schemeClr val="accent1">
+                <a:shade val="50000"/>
+              </a:schemeClr>
+            </a:lnRef>
+            <a:fillRef idx="1">
+              <a:schemeClr val="accent1"/>
+            </a:fillRef>
+            <a:effectRef idx="0">
+              <a:schemeClr val="accent1"/>
+            </a:effectRef>
+            <a:fontRef idx="minor">
+              <a:schemeClr val="lt1"/>
+            </a:fontRef>
+          </p:style>
+          <p:txBody>
+            <a:bodyPr wrap="square" rtlCol="0" anchor="ctr">
+              <a:noAutofit/>
+            </a:bodyPr>
+            <a:lstStyle/>
+            <a:p>
+              <a:pPr algn="ctr"/>
+              <a:endParaRPr lang="en-US"/>
+            </a:p>
+          </p:txBody>
+        </p:sp>
+        <p:sp>
+          <p:nvSpPr>
+            <p:cNvPr id="44" name="Freeform 89">
+              <a:extLst>
+                <a:ext uri="{FF2B5EF4-FFF2-40B4-BE49-F238E27FC236}">
+                  <a16:creationId xmlns:a16="http://schemas.microsoft.com/office/drawing/2014/main" id="{AFD14830-CC36-D64E-8173-3980425632A8}"/>
+                </a:ext>
+                <a:ext uri="{C183D7F6-B498-43B3-948B-1728B52AA6E4}">
+                  <adec:decorative xmlns:adec="http://schemas.microsoft.com/office/drawing/2017/decorative" val="1"/>
+                </a:ext>
+              </a:extLst>
+            </p:cNvPr>
+            <p:cNvSpPr/>
+            <p:nvPr>
+              <p:extLst>
+                <p:ext uri="{386F3935-93C4-4BCD-93E2-E3B085C9AB24}">
+                  <p16:designElem xmlns:p16="http://schemas.microsoft.com/office/powerpoint/2015/main" val="1"/>
+                </p:ext>
+              </p:extLst>
+            </p:nvPr>
+          </p:nvSpPr>
+          <p:spPr>
+            <a:xfrm>
+              <a:off x="11653180" y="809039"/>
+              <a:ext cx="538821" cy="1125373"/>
+            </a:xfrm>
+            <a:custGeom>
+              <a:avLst/>
+              <a:gdLst>
+                <a:gd name="connsiteX0" fmla="*/ 538821 w 538821"/>
+                <a:gd name="connsiteY0" fmla="*/ 0 h 1125373"/>
+                <a:gd name="connsiteX1" fmla="*/ 538821 w 538821"/>
+                <a:gd name="connsiteY1" fmla="*/ 1125373 h 1125373"/>
+                <a:gd name="connsiteX2" fmla="*/ 451422 w 538821"/>
+                <a:gd name="connsiteY2" fmla="*/ 1116562 h 1125373"/>
+                <a:gd name="connsiteX3" fmla="*/ 0 w 538821"/>
+                <a:gd name="connsiteY3" fmla="*/ 562686 h 1125373"/>
+                <a:gd name="connsiteX4" fmla="*/ 451422 w 538821"/>
+                <a:gd name="connsiteY4" fmla="*/ 8810 h 1125373"/>
+              </a:gdLst>
+              <a:ahLst/>
+              <a:cxnLst>
+                <a:cxn ang="0">
+                  <a:pos x="connsiteX0" y="connsiteY0"/>
+                </a:cxn>
+                <a:cxn ang="0">
+                  <a:pos x="connsiteX1" y="connsiteY1"/>
+                </a:cxn>
+                <a:cxn ang="0">
+                  <a:pos x="connsiteX2" y="connsiteY2"/>
+                </a:cxn>
+                <a:cxn ang="0">
+                  <a:pos x="connsiteX3" y="connsiteY3"/>
+                </a:cxn>
+                <a:cxn ang="0">
+                  <a:pos x="connsiteX4" y="connsiteY4"/>
+                </a:cxn>
+              </a:cxnLst>
+              <a:rect l="l" t="t" r="r" b="b"/>
+              <a:pathLst>
+                <a:path w="538821" h="1125373">
+                  <a:moveTo>
+                    <a:pt x="538821" y="0"/>
+                  </a:moveTo>
+                  <a:lnTo>
+                    <a:pt x="538821" y="1125373"/>
+                  </a:lnTo>
+                  <a:lnTo>
+                    <a:pt x="451422" y="1116562"/>
+                  </a:lnTo>
+                  <a:cubicBezTo>
+                    <a:pt x="193796" y="1063844"/>
+                    <a:pt x="0" y="835897"/>
+                    <a:pt x="0" y="562686"/>
+                  </a:cubicBezTo>
+                  <a:cubicBezTo>
+                    <a:pt x="0" y="289475"/>
+                    <a:pt x="193796" y="61528"/>
+                    <a:pt x="451422" y="8810"/>
+                  </a:cubicBezTo>
+                  <a:close/>
+                </a:path>
+              </a:pathLst>
+            </a:custGeom>
+            <a:solidFill>
+              <a:schemeClr val="accent1"/>
+            </a:solidFill>
+            <a:ln>
+              <a:noFill/>
+            </a:ln>
+          </p:spPr>
+          <p:style>
+            <a:lnRef idx="2">
+              <a:schemeClr val="accent1">
+                <a:shade val="50000"/>
+              </a:schemeClr>
+            </a:lnRef>
+            <a:fillRef idx="1">
+              <a:schemeClr val="accent1"/>
+            </a:fillRef>
+            <a:effectRef idx="0">
+              <a:schemeClr val="accent1"/>
+            </a:effectRef>
+            <a:fontRef idx="minor">
+              <a:schemeClr val="lt1"/>
+            </a:fontRef>
+          </p:style>
+          <p:txBody>
+            <a:bodyPr wrap="square" rtlCol="0" anchor="ctr">
+              <a:noAutofit/>
+            </a:bodyPr>
+            <a:lstStyle/>
+            <a:p>
+              <a:pPr algn="ctr"/>
+              <a:endParaRPr lang="en-US"/>
+            </a:p>
+          </p:txBody>
+        </p:sp>
+        <p:sp>
+          <p:nvSpPr>
+            <p:cNvPr id="45" name="Freeform 97">
+              <a:extLst>
+                <a:ext uri="{FF2B5EF4-FFF2-40B4-BE49-F238E27FC236}">
+                  <a16:creationId xmlns:a16="http://schemas.microsoft.com/office/drawing/2014/main" id="{FAA40AB8-EB6E-A44D-B3CA-7D25B64F5A4D}"/>
+                </a:ext>
+                <a:ext uri="{C183D7F6-B498-43B3-948B-1728B52AA6E4}">
+                  <adec:decorative xmlns:adec="http://schemas.microsoft.com/office/drawing/2017/decorative" val="1"/>
+                </a:ext>
+              </a:extLst>
+            </p:cNvPr>
+            <p:cNvSpPr/>
+            <p:nvPr>
+              <p:extLst>
+                <p:ext uri="{386F3935-93C4-4BCD-93E2-E3B085C9AB24}">
+                  <p16:designElem xmlns:p16="http://schemas.microsoft.com/office/powerpoint/2015/main" val="1"/>
+                </p:ext>
+              </p:extLst>
+            </p:nvPr>
+          </p:nvSpPr>
+          <p:spPr>
+            <a:xfrm>
+              <a:off x="11653180" y="0"/>
+              <a:ext cx="538821" cy="562898"/>
+            </a:xfrm>
+            <a:custGeom>
+              <a:avLst/>
+              <a:gdLst>
+                <a:gd name="connsiteX0" fmla="*/ 21 w 538821"/>
+                <a:gd name="connsiteY0" fmla="*/ 0 h 562898"/>
+                <a:gd name="connsiteX1" fmla="*/ 538821 w 538821"/>
+                <a:gd name="connsiteY1" fmla="*/ 0 h 562898"/>
+                <a:gd name="connsiteX2" fmla="*/ 538821 w 538821"/>
+                <a:gd name="connsiteY2" fmla="*/ 562898 h 562898"/>
+                <a:gd name="connsiteX3" fmla="*/ 451422 w 538821"/>
+                <a:gd name="connsiteY3" fmla="*/ 554087 h 562898"/>
+                <a:gd name="connsiteX4" fmla="*/ 0 w 538821"/>
+                <a:gd name="connsiteY4" fmla="*/ 211 h 562898"/>
+              </a:gdLst>
+              <a:ahLst/>
+              <a:cxnLst>
+                <a:cxn ang="0">
+                  <a:pos x="connsiteX0" y="connsiteY0"/>
+                </a:cxn>
+                <a:cxn ang="0">
+                  <a:pos x="connsiteX1" y="connsiteY1"/>
+                </a:cxn>
+                <a:cxn ang="0">
+                  <a:pos x="connsiteX2" y="connsiteY2"/>
+                </a:cxn>
+                <a:cxn ang="0">
+                  <a:pos x="connsiteX3" y="connsiteY3"/>
+                </a:cxn>
+                <a:cxn ang="0">
+                  <a:pos x="connsiteX4" y="connsiteY4"/>
+                </a:cxn>
+              </a:cxnLst>
+              <a:rect l="l" t="t" r="r" b="b"/>
+              <a:pathLst>
+                <a:path w="538821" h="562898">
+                  <a:moveTo>
+                    <a:pt x="21" y="0"/>
+                  </a:moveTo>
+                  <a:lnTo>
+                    <a:pt x="538821" y="0"/>
+                  </a:lnTo>
+                  <a:lnTo>
+                    <a:pt x="538821" y="562898"/>
+                  </a:lnTo>
+                  <a:lnTo>
+                    <a:pt x="451422" y="554087"/>
+                  </a:lnTo>
+                  <a:cubicBezTo>
+                    <a:pt x="193796" y="501369"/>
+                    <a:pt x="0" y="273422"/>
+                    <a:pt x="0" y="211"/>
+                  </a:cubicBezTo>
+                  <a:close/>
+                </a:path>
+              </a:pathLst>
+            </a:custGeom>
+            <a:solidFill>
+              <a:schemeClr val="bg2"/>
+            </a:solidFill>
+            <a:ln>
+              <a:noFill/>
+            </a:ln>
+          </p:spPr>
+          <p:style>
+            <a:lnRef idx="2">
+              <a:schemeClr val="accent1">
+                <a:shade val="50000"/>
+              </a:schemeClr>
+            </a:lnRef>
+            <a:fillRef idx="1">
+              <a:schemeClr val="accent1"/>
+            </a:fillRef>
+            <a:effectRef idx="0">
+              <a:schemeClr val="accent1"/>
+            </a:effectRef>
+            <a:fontRef idx="minor">
+              <a:schemeClr val="lt1"/>
+            </a:fontRef>
+          </p:style>
+          <p:txBody>
+            <a:bodyPr wrap="square" rtlCol="0" anchor="ctr">
+              <a:noAutofit/>
+            </a:bodyPr>
+            <a:lstStyle/>
+            <a:p>
+              <a:pPr algn="ctr"/>
+              <a:endParaRPr lang="en-US"/>
+            </a:p>
+          </p:txBody>
+        </p:sp>
+      </p:grpSp>
+    </p:spTree>
+    <p:extLst>
+      <p:ext uri="{BB962C8B-B14F-4D97-AF65-F5344CB8AC3E}">
+        <p14:creationId xmlns:p14="http://schemas.microsoft.com/office/powerpoint/2010/main" val="4153305758"/>
+      </p:ext>
+    </p:extLst>
+  </p:cSld>
+  <p:clrMapOvr>
+    <a:masterClrMapping/>
+  </p:clrMapOvr>
+</p:sld>
+</file>
+
+<file path=ppt/slides/slide7.xml><?xml version="1.0" encoding="utf-8"?>
 <p:sld xmlns:a="http://schemas.openxmlformats.org/drawingml/2006/main" xmlns:r="http://schemas.openxmlformats.org/officeDocument/2006/relationships" xmlns:p="http://schemas.openxmlformats.org/presentationml/2006/main">
   <p:cSld>
     <p:spTree>
